--- a/Documentation/Hammerjaeger.pptx
+++ b/Documentation/Hammerjaeger.pptx
@@ -7,11 +7,14 @@
   <p:sldIdLst>
     <p:sldId id="256" r:id="rId2"/>
     <p:sldId id="262" r:id="rId3"/>
-    <p:sldId id="259" r:id="rId4"/>
-    <p:sldId id="260" r:id="rId5"/>
-    <p:sldId id="261" r:id="rId6"/>
-    <p:sldId id="263" r:id="rId7"/>
-    <p:sldId id="257" r:id="rId8"/>
+    <p:sldId id="264" r:id="rId4"/>
+    <p:sldId id="265" r:id="rId5"/>
+    <p:sldId id="259" r:id="rId6"/>
+    <p:sldId id="260" r:id="rId7"/>
+    <p:sldId id="266" r:id="rId8"/>
+    <p:sldId id="261" r:id="rId9"/>
+    <p:sldId id="263" r:id="rId10"/>
+    <p:sldId id="257" r:id="rId11"/>
   </p:sldIdLst>
   <p:sldSz cx="9144000" cy="6858000" type="screen4x3"/>
   <p:notesSz cx="6858000" cy="9144000"/>
@@ -3267,6 +3270,254 @@
 </p:sld>
 </file>
 
+<file path=ppt/slides/slide10.xml><?xml version="1.0" encoding="utf-8"?>
+<p:sld xmlns:a="http://schemas.openxmlformats.org/drawingml/2006/main" xmlns:r="http://schemas.openxmlformats.org/officeDocument/2006/relationships" xmlns:p="http://schemas.openxmlformats.org/presentationml/2006/main">
+  <p:cSld>
+    <p:spTree>
+      <p:nvGrpSpPr>
+        <p:cNvPr id="1" name=""/>
+        <p:cNvGrpSpPr/>
+        <p:nvPr/>
+      </p:nvGrpSpPr>
+      <p:grpSpPr>
+        <a:xfrm>
+          <a:off x="0" y="0"/>
+          <a:ext cx="0" cy="0"/>
+          <a:chOff x="0" y="0"/>
+          <a:chExt cx="0" cy="0"/>
+        </a:xfrm>
+      </p:grpSpPr>
+      <p:sp>
+        <p:nvSpPr>
+          <p:cNvPr id="2" name="Titel 1"/>
+          <p:cNvSpPr>
+            <a:spLocks noGrp="1"/>
+          </p:cNvSpPr>
+          <p:nvPr>
+            <p:ph type="title"/>
+          </p:nvPr>
+        </p:nvSpPr>
+        <p:spPr/>
+        <p:txBody>
+          <a:bodyPr/>
+          <a:lstStyle/>
+          <a:p>
+            <a:r>
+              <a:rPr lang="de-DE" dirty="0" smtClean="0">
+                <a:solidFill>
+                  <a:schemeClr val="bg1"/>
+                </a:solidFill>
+                <a:latin typeface="TeXGyreAdventor" pitchFamily="50" charset="0"/>
+              </a:rPr>
+              <a:t>Das Team</a:t>
+            </a:r>
+            <a:endParaRPr lang="de-DE" dirty="0">
+              <a:solidFill>
+                <a:schemeClr val="bg1"/>
+              </a:solidFill>
+              <a:latin typeface="TeXGyreAdventor" pitchFamily="50" charset="0"/>
+            </a:endParaRPr>
+          </a:p>
+        </p:txBody>
+      </p:sp>
+      <p:sp>
+        <p:nvSpPr>
+          <p:cNvPr id="3" name="Inhaltsplatzhalter 2"/>
+          <p:cNvSpPr>
+            <a:spLocks noGrp="1"/>
+          </p:cNvSpPr>
+          <p:nvPr>
+            <p:ph idx="1"/>
+          </p:nvPr>
+        </p:nvSpPr>
+        <p:spPr>
+          <a:xfrm>
+            <a:off x="971600" y="1628800"/>
+            <a:ext cx="7560840" cy="4525963"/>
+          </a:xfrm>
+        </p:spPr>
+        <p:txBody>
+          <a:bodyPr anchor="ctr">
+            <a:normAutofit/>
+          </a:bodyPr>
+          <a:lstStyle/>
+          <a:p>
+            <a:pPr marL="0" indent="0">
+              <a:lnSpc>
+                <a:spcPct val="150000"/>
+              </a:lnSpc>
+              <a:buNone/>
+            </a:pPr>
+            <a:r>
+              <a:rPr lang="de-DE" sz="2400" dirty="0" smtClean="0">
+                <a:solidFill>
+                  <a:schemeClr val="bg1"/>
+                </a:solidFill>
+                <a:latin typeface="TeXGyreAdventor" pitchFamily="50" charset="0"/>
+              </a:rPr>
+              <a:t>Alina </a:t>
+            </a:r>
+            <a:r>
+              <a:rPr lang="de-DE" sz="2400" dirty="0" err="1" smtClean="0">
+                <a:solidFill>
+                  <a:schemeClr val="bg1"/>
+                </a:solidFill>
+                <a:latin typeface="TeXGyreAdventor" pitchFamily="50" charset="0"/>
+              </a:rPr>
+              <a:t>Quentmeier</a:t>
+            </a:r>
+            <a:r>
+              <a:rPr lang="de-DE" sz="2400" dirty="0" smtClean="0">
+                <a:solidFill>
+                  <a:schemeClr val="bg1"/>
+                </a:solidFill>
+                <a:latin typeface="TeXGyreAdventor" pitchFamily="50" charset="0"/>
+              </a:rPr>
+              <a:t> 		Game Design</a:t>
+            </a:r>
+          </a:p>
+          <a:p>
+            <a:pPr marL="0" indent="0">
+              <a:lnSpc>
+                <a:spcPct val="150000"/>
+              </a:lnSpc>
+              <a:buNone/>
+            </a:pPr>
+            <a:r>
+              <a:rPr lang="de-DE" sz="2400" dirty="0" smtClean="0">
+                <a:solidFill>
+                  <a:schemeClr val="bg1"/>
+                </a:solidFill>
+                <a:latin typeface="TeXGyreAdventor" pitchFamily="50" charset="0"/>
+              </a:rPr>
+              <a:t>Jaromir </a:t>
+            </a:r>
+            <a:r>
+              <a:rPr lang="de-DE" sz="2400" dirty="0" err="1" smtClean="0">
+                <a:solidFill>
+                  <a:schemeClr val="bg1"/>
+                </a:solidFill>
+                <a:latin typeface="TeXGyreAdventor" pitchFamily="50" charset="0"/>
+              </a:rPr>
+              <a:t>Paarmann</a:t>
+            </a:r>
+            <a:r>
+              <a:rPr lang="de-DE" sz="2400" dirty="0" smtClean="0">
+                <a:solidFill>
+                  <a:schemeClr val="bg1"/>
+                </a:solidFill>
+                <a:latin typeface="TeXGyreAdventor" pitchFamily="50" charset="0"/>
+              </a:rPr>
+              <a:t> 	Game Design</a:t>
+            </a:r>
+          </a:p>
+          <a:p>
+            <a:pPr marL="0" indent="0">
+              <a:lnSpc>
+                <a:spcPct val="150000"/>
+              </a:lnSpc>
+              <a:buNone/>
+            </a:pPr>
+            <a:r>
+              <a:rPr lang="de-DE" sz="2400" dirty="0" smtClean="0">
+                <a:solidFill>
+                  <a:schemeClr val="bg1"/>
+                </a:solidFill>
+                <a:latin typeface="TeXGyreAdventor" pitchFamily="50" charset="0"/>
+              </a:rPr>
+              <a:t>Andreas </a:t>
+            </a:r>
+            <a:r>
+              <a:rPr lang="de-DE" sz="2400" dirty="0" err="1" smtClean="0">
+                <a:solidFill>
+                  <a:schemeClr val="bg1"/>
+                </a:solidFill>
+                <a:latin typeface="TeXGyreAdventor" pitchFamily="50" charset="0"/>
+              </a:rPr>
+              <a:t>Edmeier</a:t>
+            </a:r>
+            <a:r>
+              <a:rPr lang="de-DE" sz="2400" dirty="0" smtClean="0">
+                <a:solidFill>
+                  <a:schemeClr val="bg1"/>
+                </a:solidFill>
+                <a:latin typeface="TeXGyreAdventor" pitchFamily="50" charset="0"/>
+              </a:rPr>
+              <a:t> 		Programmierung</a:t>
+            </a:r>
+          </a:p>
+          <a:p>
+            <a:pPr marL="0" indent="0">
+              <a:lnSpc>
+                <a:spcPct val="150000"/>
+              </a:lnSpc>
+              <a:buNone/>
+            </a:pPr>
+            <a:r>
+              <a:rPr lang="de-DE" sz="2400" dirty="0" smtClean="0">
+                <a:solidFill>
+                  <a:schemeClr val="bg1"/>
+                </a:solidFill>
+                <a:latin typeface="TeXGyreAdventor" pitchFamily="50" charset="0"/>
+              </a:rPr>
+              <a:t>Harun </a:t>
+            </a:r>
+            <a:r>
+              <a:rPr lang="de-DE" sz="2400" dirty="0" err="1" smtClean="0">
+                <a:solidFill>
+                  <a:schemeClr val="bg1"/>
+                </a:solidFill>
+                <a:latin typeface="TeXGyreAdventor" pitchFamily="50" charset="0"/>
+              </a:rPr>
+              <a:t>Ahmadie</a:t>
+            </a:r>
+            <a:r>
+              <a:rPr lang="de-DE" sz="2400" dirty="0" smtClean="0">
+                <a:solidFill>
+                  <a:schemeClr val="bg1"/>
+                </a:solidFill>
+                <a:latin typeface="TeXGyreAdventor" pitchFamily="50" charset="0"/>
+              </a:rPr>
+              <a:t> 	</a:t>
+            </a:r>
+            <a:r>
+              <a:rPr lang="de-DE" sz="2400" smtClean="0">
+                <a:solidFill>
+                  <a:schemeClr val="bg1"/>
+                </a:solidFill>
+                <a:latin typeface="TeXGyreAdventor" pitchFamily="50" charset="0"/>
+              </a:rPr>
+              <a:t>	Art</a:t>
+            </a:r>
+            <a:endParaRPr lang="de-DE" sz="2400" dirty="0" smtClean="0">
+              <a:solidFill>
+                <a:schemeClr val="bg1"/>
+              </a:solidFill>
+              <a:latin typeface="TeXGyreAdventor" pitchFamily="50" charset="0"/>
+            </a:endParaRPr>
+          </a:p>
+        </p:txBody>
+      </p:sp>
+    </p:spTree>
+    <p:extLst>
+      <p:ext uri="{BB962C8B-B14F-4D97-AF65-F5344CB8AC3E}">
+        <p14:creationId xmlns:p14="http://schemas.microsoft.com/office/powerpoint/2010/main" val="2076931422"/>
+      </p:ext>
+    </p:extLst>
+  </p:cSld>
+  <p:clrMapOvr>
+    <a:masterClrMapping/>
+  </p:clrMapOvr>
+  <p:timing>
+    <p:tnLst>
+      <p:par>
+        <p:cTn id="1" dur="indefinite" restart="never" nodeType="tmRoot"/>
+      </p:par>
+    </p:tnLst>
+  </p:timing>
+</p:sld>
+</file>
+
 <file path=ppt/slides/slide2.xml><?xml version="1.0" encoding="utf-8"?>
 <p:sld xmlns:a="http://schemas.openxmlformats.org/drawingml/2006/main" xmlns:r="http://schemas.openxmlformats.org/officeDocument/2006/relationships" xmlns:p="http://schemas.openxmlformats.org/presentationml/2006/main">
   <p:cSld>
@@ -3300,7 +3551,7 @@
           <a:lstStyle/>
           <a:p>
             <a:r>
-              <a:rPr lang="de-DE" dirty="0" smtClean="0">
+              <a:rPr lang="de-DE" b="1" dirty="0" smtClean="0">
                 <a:solidFill>
                   <a:schemeClr val="bg1"/>
                 </a:solidFill>
@@ -3309,7 +3560,7 @@
               <a:t>Änderungen </a:t>
             </a:r>
             <a:r>
-              <a:rPr lang="de-DE" dirty="0" err="1" smtClean="0">
+              <a:rPr lang="de-DE" b="1" dirty="0" err="1" smtClean="0">
                 <a:solidFill>
                   <a:schemeClr val="bg1"/>
                 </a:solidFill>
@@ -3317,7 +3568,7 @@
               </a:rPr>
               <a:t>Gameplay</a:t>
             </a:r>
-            <a:endParaRPr lang="de-DE" dirty="0">
+            <a:endParaRPr lang="de-DE" b="1" dirty="0">
               <a:solidFill>
                 <a:schemeClr val="bg1"/>
               </a:solidFill>
@@ -3336,26 +3587,36 @@
             <p:ph idx="1"/>
           </p:nvPr>
         </p:nvSpPr>
-        <p:spPr/>
+        <p:spPr>
+          <a:xfrm>
+            <a:off x="457200" y="1600200"/>
+            <a:ext cx="8229600" cy="5257800"/>
+          </a:xfrm>
+        </p:spPr>
         <p:txBody>
           <a:bodyPr>
-            <a:normAutofit/>
+            <a:normAutofit lnSpcReduction="10000"/>
           </a:bodyPr>
           <a:lstStyle/>
           <a:p>
-            <a:r>
-              <a:rPr lang="de-DE" dirty="0" smtClean="0">
-                <a:solidFill>
-                  <a:schemeClr val="bg1"/>
-                </a:solidFill>
+            <a:pPr marL="0" indent="0" algn="ctr">
+              <a:buNone/>
+            </a:pPr>
+            <a:r>
+              <a:rPr lang="de-DE" b="1" dirty="0" smtClean="0">
+                <a:solidFill>
+                  <a:schemeClr val="bg1"/>
+                </a:solidFill>
+                <a:latin typeface="TeXGyreAdventor" pitchFamily="50" charset="0"/>
               </a:rPr>
               <a:t>New Enemy </a:t>
             </a:r>
             <a:r>
-              <a:rPr lang="de-DE" dirty="0" err="1" smtClean="0">
-                <a:solidFill>
-                  <a:schemeClr val="bg1"/>
-                </a:solidFill>
+              <a:rPr lang="de-DE" b="1" dirty="0" err="1" smtClean="0">
+                <a:solidFill>
+                  <a:schemeClr val="bg1"/>
+                </a:solidFill>
+                <a:latin typeface="TeXGyreAdventor" pitchFamily="50" charset="0"/>
               </a:rPr>
               <a:t>Types</a:t>
             </a:r>
@@ -3363,31 +3624,24 @@
               <a:solidFill>
                 <a:schemeClr val="bg1"/>
               </a:solidFill>
+              <a:latin typeface="TeXGyreAdventor" pitchFamily="50" charset="0"/>
             </a:endParaRPr>
           </a:p>
           <a:p>
-            <a:pPr lvl="1"/>
-            <a:r>
-              <a:rPr lang="de-DE" dirty="0" err="1" smtClean="0">
-                <a:solidFill>
-                  <a:schemeClr val="bg1"/>
-                </a:solidFill>
-              </a:rPr>
-              <a:t>Shokwave</a:t>
-            </a:r>
             <a:endParaRPr lang="de-DE" dirty="0" smtClean="0">
               <a:solidFill>
                 <a:schemeClr val="bg1"/>
               </a:solidFill>
+              <a:latin typeface="TeXGyreAdventor" pitchFamily="50" charset="0"/>
             </a:endParaRPr>
           </a:p>
           <a:p>
-            <a:pPr lvl="1"/>
             <a:r>
               <a:rPr lang="de-DE" dirty="0" err="1" smtClean="0">
                 <a:solidFill>
                   <a:schemeClr val="bg1"/>
                 </a:solidFill>
+                <a:latin typeface="TeXGyreAdventor" pitchFamily="50" charset="0"/>
               </a:rPr>
               <a:t>Repair</a:t>
             </a:r>
@@ -3395,100 +3649,287 @@
               <a:solidFill>
                 <a:schemeClr val="bg1"/>
               </a:solidFill>
+              <a:latin typeface="TeXGyreAdventor" pitchFamily="50" charset="0"/>
             </a:endParaRPr>
           </a:p>
           <a:p>
-            <a:pPr lvl="1"/>
-            <a:r>
-              <a:rPr lang="de-DE" dirty="0" err="1" smtClean="0">
-                <a:solidFill>
-                  <a:schemeClr val="bg1"/>
-                </a:solidFill>
-              </a:rPr>
-              <a:t>Spawning</a:t>
-            </a:r>
             <a:endParaRPr lang="de-DE" dirty="0" smtClean="0">
               <a:solidFill>
                 <a:schemeClr val="bg1"/>
               </a:solidFill>
+              <a:latin typeface="TeXGyreAdventor" pitchFamily="50" charset="0"/>
             </a:endParaRPr>
           </a:p>
           <a:p>
-            <a:pPr lvl="1"/>
             <a:r>
               <a:rPr lang="de-DE" dirty="0" err="1" smtClean="0">
                 <a:solidFill>
                   <a:schemeClr val="bg1"/>
                 </a:solidFill>
-              </a:rPr>
-              <a:t>One</a:t>
-            </a:r>
-            <a:r>
-              <a:rPr lang="de-DE" dirty="0" smtClean="0">
-                <a:solidFill>
-                  <a:schemeClr val="bg1"/>
-                </a:solidFill>
-              </a:rPr>
-              <a:t> </a:t>
-            </a:r>
-            <a:r>
-              <a:rPr lang="de-DE" dirty="0" err="1" smtClean="0">
-                <a:solidFill>
-                  <a:schemeClr val="bg1"/>
-                </a:solidFill>
-              </a:rPr>
-              <a:t>Sided</a:t>
+                <a:latin typeface="TeXGyreAdventor" pitchFamily="50" charset="0"/>
+              </a:rPr>
+              <a:t>Spawning</a:t>
             </a:r>
             <a:endParaRPr lang="de-DE" dirty="0" smtClean="0">
               <a:solidFill>
                 <a:schemeClr val="bg1"/>
               </a:solidFill>
+              <a:latin typeface="TeXGyreAdventor" pitchFamily="50" charset="0"/>
             </a:endParaRPr>
           </a:p>
           <a:p>
-            <a:r>
-              <a:rPr lang="de-DE" dirty="0" smtClean="0">
-                <a:solidFill>
-                  <a:schemeClr val="bg1"/>
-                </a:solidFill>
-              </a:rPr>
-              <a:t>Level Design</a:t>
-            </a:r>
-          </a:p>
-          <a:p>
-            <a:r>
-              <a:rPr lang="de-DE" dirty="0" err="1" smtClean="0">
-                <a:solidFill>
-                  <a:schemeClr val="bg1"/>
-                </a:solidFill>
-              </a:rPr>
-              <a:t>Introcutscene</a:t>
-            </a:r>
             <a:endParaRPr lang="de-DE" dirty="0" smtClean="0">
               <a:solidFill>
                 <a:schemeClr val="bg1"/>
               </a:solidFill>
+              <a:latin typeface="TeXGyreAdventor" pitchFamily="50" charset="0"/>
             </a:endParaRPr>
           </a:p>
           <a:p>
             <a:r>
+              <a:rPr lang="de-DE" dirty="0" err="1" smtClean="0">
+                <a:solidFill>
+                  <a:schemeClr val="bg1"/>
+                </a:solidFill>
+                <a:latin typeface="TeXGyreAdventor" pitchFamily="50" charset="0"/>
+              </a:rPr>
+              <a:t>One</a:t>
+            </a:r>
+            <a:r>
               <a:rPr lang="de-DE" dirty="0" smtClean="0">
                 <a:solidFill>
                   <a:schemeClr val="bg1"/>
                 </a:solidFill>
-              </a:rPr>
-              <a:t>Jump</a:t>
-            </a:r>
-          </a:p>
-          <a:p>
+                <a:latin typeface="TeXGyreAdventor" pitchFamily="50" charset="0"/>
+              </a:rPr>
+              <a:t> </a:t>
+            </a:r>
+            <a:r>
+              <a:rPr lang="de-DE" dirty="0" err="1" smtClean="0">
+                <a:solidFill>
+                  <a:schemeClr val="bg1"/>
+                </a:solidFill>
+                <a:latin typeface="TeXGyreAdventor" pitchFamily="50" charset="0"/>
+              </a:rPr>
+              <a:t>Sided</a:t>
+            </a:r>
+            <a:endParaRPr lang="de-DE" dirty="0" smtClean="0">
+              <a:solidFill>
+                <a:schemeClr val="bg1"/>
+              </a:solidFill>
+              <a:latin typeface="TeXGyreAdventor" pitchFamily="50" charset="0"/>
+            </a:endParaRPr>
+          </a:p>
+          <a:p>
+            <a:pPr marL="0" indent="0">
+              <a:buNone/>
+            </a:pPr>
+            <a:endParaRPr lang="de-DE" dirty="0" smtClean="0">
+              <a:solidFill>
+                <a:schemeClr val="bg1"/>
+              </a:solidFill>
+              <a:latin typeface="TeXGyreAdventor" pitchFamily="50" charset="0"/>
+            </a:endParaRPr>
+          </a:p>
+          <a:p>
+            <a:r>
+              <a:rPr lang="de-DE" dirty="0" err="1">
+                <a:solidFill>
+                  <a:schemeClr val="bg1"/>
+                </a:solidFill>
+                <a:latin typeface="TeXGyreAdventor" pitchFamily="50" charset="0"/>
+              </a:rPr>
+              <a:t>Shokwave</a:t>
+            </a:r>
             <a:endParaRPr lang="de-DE" dirty="0">
               <a:solidFill>
                 <a:schemeClr val="bg1"/>
               </a:solidFill>
+              <a:latin typeface="TeXGyreAdventor" pitchFamily="50" charset="0"/>
+            </a:endParaRPr>
+          </a:p>
+          <a:p>
+            <a:endParaRPr lang="de-DE" dirty="0" smtClean="0">
+              <a:solidFill>
+                <a:schemeClr val="bg1"/>
+              </a:solidFill>
+              <a:latin typeface="TeXGyreAdventor" pitchFamily="50" charset="0"/>
+            </a:endParaRPr>
+          </a:p>
+          <a:p>
+            <a:endParaRPr lang="de-DE" dirty="0">
+              <a:solidFill>
+                <a:schemeClr val="bg1"/>
+              </a:solidFill>
+              <a:latin typeface="TeXGyreAdventor" pitchFamily="50" charset="0"/>
             </a:endParaRPr>
           </a:p>
         </p:txBody>
       </p:sp>
+      <p:pic>
+        <p:nvPicPr>
+          <p:cNvPr id="1027" name="Picture 3" descr="C:\Users\jaromir.paarmann\Documents\HammerMan\Art\EnemyPictures\OneSidedEnemy.png"/>
+          <p:cNvPicPr>
+            <a:picLocks noChangeAspect="1" noChangeArrowheads="1"/>
+          </p:cNvPicPr>
+          <p:nvPr/>
+        </p:nvPicPr>
+        <p:blipFill>
+          <a:blip r:embed="rId2" cstate="print">
+            <a:extLst>
+              <a:ext uri="{28A0092B-C50C-407E-A947-70E740481C1C}">
+                <a14:useLocalDpi xmlns:a14="http://schemas.microsoft.com/office/drawing/2010/main" val="0"/>
+              </a:ext>
+            </a:extLst>
+          </a:blip>
+          <a:srcRect/>
+          <a:stretch>
+            <a:fillRect/>
+          </a:stretch>
+        </p:blipFill>
+        <p:spPr bwMode="auto">
+          <a:xfrm>
+            <a:off x="3562726" y="4149080"/>
+            <a:ext cx="1458098" cy="1458098"/>
+          </a:xfrm>
+          <a:prstGeom prst="rect">
+            <a:avLst/>
+          </a:prstGeom>
+          <a:noFill/>
+          <a:extLst>
+            <a:ext uri="{909E8E84-426E-40DD-AFC4-6F175D3DCCD1}">
+              <a14:hiddenFill xmlns:a14="http://schemas.microsoft.com/office/drawing/2010/main">
+                <a:solidFill>
+                  <a:srgbClr val="FFFFFF"/>
+                </a:solidFill>
+              </a14:hiddenFill>
+            </a:ext>
+          </a:extLst>
+        </p:spPr>
+      </p:pic>
+      <p:pic>
+        <p:nvPicPr>
+          <p:cNvPr id="1028" name="Picture 4" descr="C:\Users\jaromir.paarmann\Documents\HammerMan\Art\EnemyPictures\RepairEnemy.png"/>
+          <p:cNvPicPr>
+            <a:picLocks noChangeAspect="1" noChangeArrowheads="1"/>
+          </p:cNvPicPr>
+          <p:nvPr/>
+        </p:nvPicPr>
+        <p:blipFill>
+          <a:blip r:embed="rId3" cstate="print">
+            <a:extLst>
+              <a:ext uri="{28A0092B-C50C-407E-A947-70E740481C1C}">
+                <a14:useLocalDpi xmlns:a14="http://schemas.microsoft.com/office/drawing/2010/main" val="0"/>
+              </a:ext>
+            </a:extLst>
+          </a:blip>
+          <a:srcRect/>
+          <a:stretch>
+            <a:fillRect/>
+          </a:stretch>
+        </p:blipFill>
+        <p:spPr bwMode="auto">
+          <a:xfrm>
+            <a:off x="3275856" y="2220182"/>
+            <a:ext cx="1470323" cy="1470323"/>
+          </a:xfrm>
+          <a:prstGeom prst="rect">
+            <a:avLst/>
+          </a:prstGeom>
+          <a:noFill/>
+          <a:extLst>
+            <a:ext uri="{909E8E84-426E-40DD-AFC4-6F175D3DCCD1}">
+              <a14:hiddenFill xmlns:a14="http://schemas.microsoft.com/office/drawing/2010/main">
+                <a:solidFill>
+                  <a:srgbClr val="FFFFFF"/>
+                </a:solidFill>
+              </a14:hiddenFill>
+            </a:ext>
+          </a:extLst>
+        </p:spPr>
+      </p:pic>
+      <p:pic>
+        <p:nvPicPr>
+          <p:cNvPr id="1029" name="Picture 5" descr="C:\Users\jaromir.paarmann\Documents\HammerMan\Art\EnemyPictures\SpawningEnemy.png"/>
+          <p:cNvPicPr>
+            <a:picLocks noChangeAspect="1" noChangeArrowheads="1"/>
+          </p:cNvPicPr>
+          <p:nvPr/>
+        </p:nvPicPr>
+        <p:blipFill>
+          <a:blip r:embed="rId4" cstate="print">
+            <a:extLst>
+              <a:ext uri="{28A0092B-C50C-407E-A947-70E740481C1C}">
+                <a14:useLocalDpi xmlns:a14="http://schemas.microsoft.com/office/drawing/2010/main" val="0"/>
+              </a:ext>
+            </a:extLst>
+          </a:blip>
+          <a:srcRect/>
+          <a:stretch>
+            <a:fillRect/>
+          </a:stretch>
+        </p:blipFill>
+        <p:spPr bwMode="auto">
+          <a:xfrm>
+            <a:off x="5034211" y="3020954"/>
+            <a:ext cx="1582330" cy="1582330"/>
+          </a:xfrm>
+          <a:prstGeom prst="rect">
+            <a:avLst/>
+          </a:prstGeom>
+          <a:noFill/>
+          <a:extLst>
+            <a:ext uri="{909E8E84-426E-40DD-AFC4-6F175D3DCCD1}">
+              <a14:hiddenFill xmlns:a14="http://schemas.microsoft.com/office/drawing/2010/main">
+                <a:solidFill>
+                  <a:srgbClr val="FFFFFF"/>
+                </a:solidFill>
+              </a14:hiddenFill>
+            </a:ext>
+          </a:extLst>
+        </p:spPr>
+      </p:pic>
+      <p:pic>
+        <p:nvPicPr>
+          <p:cNvPr id="1030" name="Picture 6" descr="C:\Users\jaromir.paarmann\Documents\HammerMan\Art\EnemyPictures\ShockwaveEnemy.png"/>
+          <p:cNvPicPr>
+            <a:picLocks noChangeAspect="1" noChangeArrowheads="1"/>
+          </p:cNvPicPr>
+          <p:nvPr/>
+        </p:nvPicPr>
+        <p:blipFill>
+          <a:blip r:embed="rId5" cstate="print">
+            <a:extLst>
+              <a:ext uri="{28A0092B-C50C-407E-A947-70E740481C1C}">
+                <a14:useLocalDpi xmlns:a14="http://schemas.microsoft.com/office/drawing/2010/main" val="0"/>
+              </a:ext>
+            </a:extLst>
+          </a:blip>
+          <a:srcRect/>
+          <a:stretch>
+            <a:fillRect/>
+          </a:stretch>
+        </p:blipFill>
+        <p:spPr bwMode="auto">
+          <a:xfrm>
+            <a:off x="5074385" y="5229200"/>
+            <a:ext cx="1542156" cy="1542156"/>
+          </a:xfrm>
+          <a:prstGeom prst="rect">
+            <a:avLst/>
+          </a:prstGeom>
+          <a:noFill/>
+          <a:extLst>
+            <a:ext uri="{909E8E84-426E-40DD-AFC4-6F175D3DCCD1}">
+              <a14:hiddenFill xmlns:a14="http://schemas.microsoft.com/office/drawing/2010/main">
+                <a:solidFill>
+                  <a:srgbClr val="FFFFFF"/>
+                </a:solidFill>
+              </a14:hiddenFill>
+            </a:ext>
+          </a:extLst>
+        </p:spPr>
+      </p:pic>
     </p:spTree>
     <p:extLst>
       <p:ext uri="{BB962C8B-B14F-4D97-AF65-F5344CB8AC3E}">
@@ -3499,6 +3940,484 @@
   <p:clrMapOvr>
     <a:masterClrMapping/>
   </p:clrMapOvr>
+  <p:timing>
+    <p:tnLst>
+      <p:par>
+        <p:cTn id="1" dur="indefinite" restart="never" nodeType="tmRoot">
+          <p:childTnLst>
+            <p:seq concurrent="1" nextAc="seek">
+              <p:cTn id="2" dur="indefinite" nodeType="mainSeq">
+                <p:childTnLst>
+                  <p:par>
+                    <p:cTn id="3" fill="hold">
+                      <p:stCondLst>
+                        <p:cond delay="indefinite"/>
+                      </p:stCondLst>
+                      <p:childTnLst>
+                        <p:par>
+                          <p:cTn id="4" fill="hold">
+                            <p:stCondLst>
+                              <p:cond delay="0"/>
+                            </p:stCondLst>
+                            <p:childTnLst>
+                              <p:par>
+                                <p:cTn id="5" presetID="10" presetClass="entr" presetSubtype="0" fill="hold" grpId="0" nodeType="clickEffect">
+                                  <p:stCondLst>
+                                    <p:cond delay="0"/>
+                                  </p:stCondLst>
+                                  <p:childTnLst>
+                                    <p:set>
+                                      <p:cBhvr>
+                                        <p:cTn id="6" dur="1" fill="hold">
+                                          <p:stCondLst>
+                                            <p:cond delay="0"/>
+                                          </p:stCondLst>
+                                        </p:cTn>
+                                        <p:tgtEl>
+                                          <p:spTgt spid="4">
+                                            <p:txEl>
+                                              <p:pRg st="0" end="0"/>
+                                            </p:txEl>
+                                          </p:spTgt>
+                                        </p:tgtEl>
+                                        <p:attrNameLst>
+                                          <p:attrName>style.visibility</p:attrName>
+                                        </p:attrNameLst>
+                                      </p:cBhvr>
+                                      <p:to>
+                                        <p:strVal val="visible"/>
+                                      </p:to>
+                                    </p:set>
+                                    <p:animEffect transition="in" filter="fade">
+                                      <p:cBhvr>
+                                        <p:cTn id="7" dur="500"/>
+                                        <p:tgtEl>
+                                          <p:spTgt spid="4">
+                                            <p:txEl>
+                                              <p:pRg st="0" end="0"/>
+                                            </p:txEl>
+                                          </p:spTgt>
+                                        </p:tgtEl>
+                                      </p:cBhvr>
+                                    </p:animEffect>
+                                  </p:childTnLst>
+                                </p:cTn>
+                              </p:par>
+                            </p:childTnLst>
+                          </p:cTn>
+                        </p:par>
+                      </p:childTnLst>
+                    </p:cTn>
+                  </p:par>
+                  <p:par>
+                    <p:cTn id="8" fill="hold">
+                      <p:stCondLst>
+                        <p:cond delay="indefinite"/>
+                      </p:stCondLst>
+                      <p:childTnLst>
+                        <p:par>
+                          <p:cTn id="9" fill="hold">
+                            <p:stCondLst>
+                              <p:cond delay="0"/>
+                            </p:stCondLst>
+                            <p:childTnLst>
+                              <p:par>
+                                <p:cTn id="10" presetID="10" presetClass="entr" presetSubtype="0" fill="hold" grpId="0" nodeType="clickEffect">
+                                  <p:stCondLst>
+                                    <p:cond delay="0"/>
+                                  </p:stCondLst>
+                                  <p:childTnLst>
+                                    <p:set>
+                                      <p:cBhvr>
+                                        <p:cTn id="11" dur="1" fill="hold">
+                                          <p:stCondLst>
+                                            <p:cond delay="0"/>
+                                          </p:stCondLst>
+                                        </p:cTn>
+                                        <p:tgtEl>
+                                          <p:spTgt spid="4">
+                                            <p:txEl>
+                                              <p:pRg st="2" end="2"/>
+                                            </p:txEl>
+                                          </p:spTgt>
+                                        </p:tgtEl>
+                                        <p:attrNameLst>
+                                          <p:attrName>style.visibility</p:attrName>
+                                        </p:attrNameLst>
+                                      </p:cBhvr>
+                                      <p:to>
+                                        <p:strVal val="visible"/>
+                                      </p:to>
+                                    </p:set>
+                                    <p:animEffect transition="in" filter="fade">
+                                      <p:cBhvr>
+                                        <p:cTn id="12" dur="500"/>
+                                        <p:tgtEl>
+                                          <p:spTgt spid="4">
+                                            <p:txEl>
+                                              <p:pRg st="2" end="2"/>
+                                            </p:txEl>
+                                          </p:spTgt>
+                                        </p:tgtEl>
+                                      </p:cBhvr>
+                                    </p:animEffect>
+                                  </p:childTnLst>
+                                </p:cTn>
+                              </p:par>
+                              <p:par>
+                                <p:cTn id="13" presetID="10" presetClass="entr" presetSubtype="0" fill="hold" nodeType="withEffect">
+                                  <p:stCondLst>
+                                    <p:cond delay="0"/>
+                                  </p:stCondLst>
+                                  <p:childTnLst>
+                                    <p:set>
+                                      <p:cBhvr>
+                                        <p:cTn id="14" dur="1" fill="hold">
+                                          <p:stCondLst>
+                                            <p:cond delay="0"/>
+                                          </p:stCondLst>
+                                        </p:cTn>
+                                        <p:tgtEl>
+                                          <p:spTgt spid="1028"/>
+                                        </p:tgtEl>
+                                        <p:attrNameLst>
+                                          <p:attrName>style.visibility</p:attrName>
+                                        </p:attrNameLst>
+                                      </p:cBhvr>
+                                      <p:to>
+                                        <p:strVal val="visible"/>
+                                      </p:to>
+                                    </p:set>
+                                    <p:animEffect transition="in" filter="fade">
+                                      <p:cBhvr>
+                                        <p:cTn id="15" dur="500"/>
+                                        <p:tgtEl>
+                                          <p:spTgt spid="1028"/>
+                                        </p:tgtEl>
+                                      </p:cBhvr>
+                                    </p:animEffect>
+                                  </p:childTnLst>
+                                </p:cTn>
+                              </p:par>
+                            </p:childTnLst>
+                          </p:cTn>
+                        </p:par>
+                      </p:childTnLst>
+                    </p:cTn>
+                  </p:par>
+                  <p:par>
+                    <p:cTn id="16" fill="hold">
+                      <p:stCondLst>
+                        <p:cond delay="indefinite"/>
+                      </p:stCondLst>
+                      <p:childTnLst>
+                        <p:par>
+                          <p:cTn id="17" fill="hold">
+                            <p:stCondLst>
+                              <p:cond delay="0"/>
+                            </p:stCondLst>
+                            <p:childTnLst>
+                              <p:par>
+                                <p:cTn id="18" presetID="10" presetClass="entr" presetSubtype="0" fill="hold" grpId="0" nodeType="clickEffect">
+                                  <p:stCondLst>
+                                    <p:cond delay="0"/>
+                                  </p:stCondLst>
+                                  <p:childTnLst>
+                                    <p:set>
+                                      <p:cBhvr>
+                                        <p:cTn id="19" dur="1" fill="hold">
+                                          <p:stCondLst>
+                                            <p:cond delay="0"/>
+                                          </p:stCondLst>
+                                        </p:cTn>
+                                        <p:tgtEl>
+                                          <p:spTgt spid="4">
+                                            <p:txEl>
+                                              <p:pRg st="4" end="4"/>
+                                            </p:txEl>
+                                          </p:spTgt>
+                                        </p:tgtEl>
+                                        <p:attrNameLst>
+                                          <p:attrName>style.visibility</p:attrName>
+                                        </p:attrNameLst>
+                                      </p:cBhvr>
+                                      <p:to>
+                                        <p:strVal val="visible"/>
+                                      </p:to>
+                                    </p:set>
+                                    <p:animEffect transition="in" filter="fade">
+                                      <p:cBhvr>
+                                        <p:cTn id="20" dur="500"/>
+                                        <p:tgtEl>
+                                          <p:spTgt spid="4">
+                                            <p:txEl>
+                                              <p:pRg st="4" end="4"/>
+                                            </p:txEl>
+                                          </p:spTgt>
+                                        </p:tgtEl>
+                                      </p:cBhvr>
+                                    </p:animEffect>
+                                  </p:childTnLst>
+                                </p:cTn>
+                              </p:par>
+                              <p:par>
+                                <p:cTn id="21" presetID="10" presetClass="entr" presetSubtype="0" fill="hold" nodeType="withEffect">
+                                  <p:stCondLst>
+                                    <p:cond delay="0"/>
+                                  </p:stCondLst>
+                                  <p:childTnLst>
+                                    <p:set>
+                                      <p:cBhvr>
+                                        <p:cTn id="22" dur="1" fill="hold">
+                                          <p:stCondLst>
+                                            <p:cond delay="0"/>
+                                          </p:stCondLst>
+                                        </p:cTn>
+                                        <p:tgtEl>
+                                          <p:spTgt spid="1029"/>
+                                        </p:tgtEl>
+                                        <p:attrNameLst>
+                                          <p:attrName>style.visibility</p:attrName>
+                                        </p:attrNameLst>
+                                      </p:cBhvr>
+                                      <p:to>
+                                        <p:strVal val="visible"/>
+                                      </p:to>
+                                    </p:set>
+                                    <p:animEffect transition="in" filter="fade">
+                                      <p:cBhvr>
+                                        <p:cTn id="23" dur="500"/>
+                                        <p:tgtEl>
+                                          <p:spTgt spid="1029"/>
+                                        </p:tgtEl>
+                                      </p:cBhvr>
+                                    </p:animEffect>
+                                  </p:childTnLst>
+                                </p:cTn>
+                              </p:par>
+                            </p:childTnLst>
+                          </p:cTn>
+                        </p:par>
+                      </p:childTnLst>
+                    </p:cTn>
+                  </p:par>
+                  <p:par>
+                    <p:cTn id="24" fill="hold">
+                      <p:stCondLst>
+                        <p:cond delay="indefinite"/>
+                      </p:stCondLst>
+                      <p:childTnLst>
+                        <p:par>
+                          <p:cTn id="25" fill="hold">
+                            <p:stCondLst>
+                              <p:cond delay="0"/>
+                            </p:stCondLst>
+                            <p:childTnLst>
+                              <p:par>
+                                <p:cTn id="26" presetID="10" presetClass="entr" presetSubtype="0" fill="hold" grpId="0" nodeType="clickEffect">
+                                  <p:stCondLst>
+                                    <p:cond delay="0"/>
+                                  </p:stCondLst>
+                                  <p:childTnLst>
+                                    <p:set>
+                                      <p:cBhvr>
+                                        <p:cTn id="27" dur="1" fill="hold">
+                                          <p:stCondLst>
+                                            <p:cond delay="0"/>
+                                          </p:stCondLst>
+                                        </p:cTn>
+                                        <p:tgtEl>
+                                          <p:spTgt spid="4">
+                                            <p:txEl>
+                                              <p:pRg st="6" end="6"/>
+                                            </p:txEl>
+                                          </p:spTgt>
+                                        </p:tgtEl>
+                                        <p:attrNameLst>
+                                          <p:attrName>style.visibility</p:attrName>
+                                        </p:attrNameLst>
+                                      </p:cBhvr>
+                                      <p:to>
+                                        <p:strVal val="visible"/>
+                                      </p:to>
+                                    </p:set>
+                                    <p:animEffect transition="in" filter="fade">
+                                      <p:cBhvr>
+                                        <p:cTn id="28" dur="500"/>
+                                        <p:tgtEl>
+                                          <p:spTgt spid="4">
+                                            <p:txEl>
+                                              <p:pRg st="6" end="6"/>
+                                            </p:txEl>
+                                          </p:spTgt>
+                                        </p:tgtEl>
+                                      </p:cBhvr>
+                                    </p:animEffect>
+                                  </p:childTnLst>
+                                </p:cTn>
+                              </p:par>
+                              <p:par>
+                                <p:cTn id="29" presetID="10" presetClass="entr" presetSubtype="0" fill="hold" nodeType="withEffect">
+                                  <p:stCondLst>
+                                    <p:cond delay="0"/>
+                                  </p:stCondLst>
+                                  <p:childTnLst>
+                                    <p:set>
+                                      <p:cBhvr>
+                                        <p:cTn id="30" dur="1" fill="hold">
+                                          <p:stCondLst>
+                                            <p:cond delay="0"/>
+                                          </p:stCondLst>
+                                        </p:cTn>
+                                        <p:tgtEl>
+                                          <p:spTgt spid="1027"/>
+                                        </p:tgtEl>
+                                        <p:attrNameLst>
+                                          <p:attrName>style.visibility</p:attrName>
+                                        </p:attrNameLst>
+                                      </p:cBhvr>
+                                      <p:to>
+                                        <p:strVal val="visible"/>
+                                      </p:to>
+                                    </p:set>
+                                    <p:animEffect transition="in" filter="fade">
+                                      <p:cBhvr>
+                                        <p:cTn id="31" dur="500"/>
+                                        <p:tgtEl>
+                                          <p:spTgt spid="1027"/>
+                                        </p:tgtEl>
+                                      </p:cBhvr>
+                                    </p:animEffect>
+                                  </p:childTnLst>
+                                </p:cTn>
+                              </p:par>
+                            </p:childTnLst>
+                          </p:cTn>
+                        </p:par>
+                      </p:childTnLst>
+                    </p:cTn>
+                  </p:par>
+                  <p:par>
+                    <p:cTn id="32" fill="hold">
+                      <p:stCondLst>
+                        <p:cond delay="indefinite"/>
+                      </p:stCondLst>
+                      <p:childTnLst>
+                        <p:par>
+                          <p:cTn id="33" fill="hold">
+                            <p:stCondLst>
+                              <p:cond delay="0"/>
+                            </p:stCondLst>
+                            <p:childTnLst>
+                              <p:par>
+                                <p:cTn id="34" presetID="10" presetClass="entr" presetSubtype="0" fill="hold" grpId="0" nodeType="clickEffect">
+                                  <p:stCondLst>
+                                    <p:cond delay="0"/>
+                                  </p:stCondLst>
+                                  <p:childTnLst>
+                                    <p:set>
+                                      <p:cBhvr>
+                                        <p:cTn id="35" dur="1" fill="hold">
+                                          <p:stCondLst>
+                                            <p:cond delay="0"/>
+                                          </p:stCondLst>
+                                        </p:cTn>
+                                        <p:tgtEl>
+                                          <p:spTgt spid="4">
+                                            <p:txEl>
+                                              <p:pRg st="8" end="8"/>
+                                            </p:txEl>
+                                          </p:spTgt>
+                                        </p:tgtEl>
+                                        <p:attrNameLst>
+                                          <p:attrName>style.visibility</p:attrName>
+                                        </p:attrNameLst>
+                                      </p:cBhvr>
+                                      <p:to>
+                                        <p:strVal val="visible"/>
+                                      </p:to>
+                                    </p:set>
+                                    <p:animEffect transition="in" filter="fade">
+                                      <p:cBhvr>
+                                        <p:cTn id="36" dur="500"/>
+                                        <p:tgtEl>
+                                          <p:spTgt spid="4">
+                                            <p:txEl>
+                                              <p:pRg st="8" end="8"/>
+                                            </p:txEl>
+                                          </p:spTgt>
+                                        </p:tgtEl>
+                                      </p:cBhvr>
+                                    </p:animEffect>
+                                  </p:childTnLst>
+                                </p:cTn>
+                              </p:par>
+                              <p:par>
+                                <p:cTn id="37" presetID="10" presetClass="entr" presetSubtype="0" fill="hold" nodeType="withEffect">
+                                  <p:stCondLst>
+                                    <p:cond delay="0"/>
+                                  </p:stCondLst>
+                                  <p:childTnLst>
+                                    <p:set>
+                                      <p:cBhvr>
+                                        <p:cTn id="38" dur="1" fill="hold">
+                                          <p:stCondLst>
+                                            <p:cond delay="0"/>
+                                          </p:stCondLst>
+                                        </p:cTn>
+                                        <p:tgtEl>
+                                          <p:spTgt spid="1030"/>
+                                        </p:tgtEl>
+                                        <p:attrNameLst>
+                                          <p:attrName>style.visibility</p:attrName>
+                                        </p:attrNameLst>
+                                      </p:cBhvr>
+                                      <p:to>
+                                        <p:strVal val="visible"/>
+                                      </p:to>
+                                    </p:set>
+                                    <p:animEffect transition="in" filter="fade">
+                                      <p:cBhvr>
+                                        <p:cTn id="39" dur="500"/>
+                                        <p:tgtEl>
+                                          <p:spTgt spid="1030"/>
+                                        </p:tgtEl>
+                                      </p:cBhvr>
+                                    </p:animEffect>
+                                  </p:childTnLst>
+                                </p:cTn>
+                              </p:par>
+                            </p:childTnLst>
+                          </p:cTn>
+                        </p:par>
+                      </p:childTnLst>
+                    </p:cTn>
+                  </p:par>
+                </p:childTnLst>
+              </p:cTn>
+              <p:prevCondLst>
+                <p:cond evt="onPrev" delay="0">
+                  <p:tgtEl>
+                    <p:sldTgt/>
+                  </p:tgtEl>
+                </p:cond>
+              </p:prevCondLst>
+              <p:nextCondLst>
+                <p:cond evt="onNext" delay="0">
+                  <p:tgtEl>
+                    <p:sldTgt/>
+                  </p:tgtEl>
+                </p:cond>
+              </p:nextCondLst>
+            </p:seq>
+          </p:childTnLst>
+        </p:cTn>
+      </p:par>
+    </p:tnLst>
+    <p:bldLst>
+      <p:bldP spid="4" grpId="0" uiExpand="1" build="p"/>
+    </p:bldLst>
+  </p:timing>
 </p:sld>
 </file>
 
@@ -3535,15 +4454,24 @@
           <a:lstStyle/>
           <a:p>
             <a:r>
-              <a:rPr lang="de-DE" dirty="0" smtClean="0">
-                <a:solidFill>
-                  <a:schemeClr val="bg1"/>
-                </a:solidFill>
-                <a:latin typeface="TeXGyreAdventor" pitchFamily="50" charset="0"/>
-              </a:rPr>
-              <a:t>Änderungen Sound</a:t>
-            </a:r>
-            <a:endParaRPr lang="de-DE" dirty="0">
+              <a:rPr lang="de-DE" b="1" dirty="0" smtClean="0">
+                <a:solidFill>
+                  <a:schemeClr val="bg1"/>
+                </a:solidFill>
+                <a:latin typeface="TeXGyreAdventor" pitchFamily="50" charset="0"/>
+              </a:rPr>
+              <a:t>Änderungen </a:t>
+            </a:r>
+            <a:r>
+              <a:rPr lang="de-DE" b="1" dirty="0" err="1" smtClean="0">
+                <a:solidFill>
+                  <a:schemeClr val="bg1"/>
+                </a:solidFill>
+                <a:latin typeface="TeXGyreAdventor" pitchFamily="50" charset="0"/>
+              </a:rPr>
+              <a:t>Gameplay</a:t>
+            </a:r>
+            <a:endParaRPr lang="de-DE" b="1" dirty="0">
               <a:solidFill>
                 <a:schemeClr val="bg1"/>
               </a:solidFill>
@@ -3554,7 +4482,7 @@
       </p:sp>
       <p:sp>
         <p:nvSpPr>
-          <p:cNvPr id="3" name="Inhaltsplatzhalter 2"/>
+          <p:cNvPr id="4" name="Inhaltsplatzhalter 3"/>
           <p:cNvSpPr>
             <a:spLocks noGrp="1"/>
           </p:cNvSpPr>
@@ -3564,45 +4492,691 @@
         </p:nvSpPr>
         <p:spPr/>
         <p:txBody>
-          <a:bodyPr/>
+          <a:bodyPr>
+            <a:normAutofit/>
+          </a:bodyPr>
           <a:lstStyle/>
           <a:p>
+            <a:pPr marL="0" indent="0" algn="ctr">
+              <a:buNone/>
+            </a:pPr>
+            <a:r>
+              <a:rPr lang="de-DE" b="1" dirty="0" smtClean="0">
+                <a:solidFill>
+                  <a:schemeClr val="bg1"/>
+                </a:solidFill>
+                <a:latin typeface="TeXGyreAdventor" pitchFamily="50" charset="0"/>
+              </a:rPr>
+              <a:t>Level </a:t>
+            </a:r>
+            <a:r>
+              <a:rPr lang="de-DE" b="1" dirty="0" smtClean="0">
+                <a:solidFill>
+                  <a:schemeClr val="bg1"/>
+                </a:solidFill>
+                <a:latin typeface="TeXGyreAdventor" pitchFamily="50" charset="0"/>
+              </a:rPr>
+              <a:t>Design</a:t>
+            </a:r>
+          </a:p>
+          <a:p>
+            <a:endParaRPr lang="de-DE" dirty="0" smtClean="0">
+              <a:solidFill>
+                <a:schemeClr val="bg1"/>
+              </a:solidFill>
+              <a:latin typeface="TeXGyreAdventor" pitchFamily="50" charset="0"/>
+            </a:endParaRPr>
+          </a:p>
+          <a:p>
+            <a:r>
+              <a:rPr lang="de-DE" dirty="0" err="1" smtClean="0">
+                <a:solidFill>
+                  <a:schemeClr val="bg1"/>
+                </a:solidFill>
+                <a:latin typeface="TeXGyreAdventor" pitchFamily="50" charset="0"/>
+              </a:rPr>
+              <a:t>Added</a:t>
+            </a:r>
             <a:r>
               <a:rPr lang="de-DE" dirty="0" smtClean="0">
                 <a:solidFill>
                   <a:schemeClr val="bg1"/>
                 </a:solidFill>
-              </a:rPr>
-              <a:t>SFX Enemy Death</a:t>
-            </a:r>
-          </a:p>
-          <a:p>
+                <a:latin typeface="TeXGyreAdventor" pitchFamily="50" charset="0"/>
+              </a:rPr>
+              <a:t> </a:t>
+            </a:r>
+            <a:r>
+              <a:rPr lang="de-DE" dirty="0" err="1" smtClean="0">
+                <a:solidFill>
+                  <a:schemeClr val="bg1"/>
+                </a:solidFill>
+                <a:latin typeface="TeXGyreAdventor" pitchFamily="50" charset="0"/>
+              </a:rPr>
+              <a:t>Blocking</a:t>
+            </a:r>
             <a:r>
               <a:rPr lang="de-DE" dirty="0" smtClean="0">
                 <a:solidFill>
                   <a:schemeClr val="bg1"/>
                 </a:solidFill>
-              </a:rPr>
-              <a:t>Soundtrack</a:t>
-            </a:r>
+                <a:latin typeface="TeXGyreAdventor" pitchFamily="50" charset="0"/>
+              </a:rPr>
+              <a:t> Walls</a:t>
+            </a:r>
+          </a:p>
+          <a:p>
+            <a:r>
+              <a:rPr lang="de-DE" dirty="0" err="1" smtClean="0">
+                <a:solidFill>
+                  <a:schemeClr val="bg1"/>
+                </a:solidFill>
+                <a:latin typeface="TeXGyreAdventor" pitchFamily="50" charset="0"/>
+              </a:rPr>
+              <a:t>Spawn</a:t>
+            </a:r>
+            <a:r>
+              <a:rPr lang="de-DE" dirty="0" smtClean="0">
+                <a:solidFill>
+                  <a:schemeClr val="bg1"/>
+                </a:solidFill>
+                <a:latin typeface="TeXGyreAdventor" pitchFamily="50" charset="0"/>
+              </a:rPr>
+              <a:t> Rate </a:t>
+            </a:r>
+            <a:r>
+              <a:rPr lang="de-DE" dirty="0" err="1" smtClean="0">
+                <a:solidFill>
+                  <a:schemeClr val="bg1"/>
+                </a:solidFill>
+                <a:latin typeface="TeXGyreAdventor" pitchFamily="50" charset="0"/>
+              </a:rPr>
+              <a:t>increased</a:t>
+            </a:r>
+            <a:endParaRPr lang="de-DE" dirty="0" smtClean="0">
+              <a:solidFill>
+                <a:schemeClr val="bg1"/>
+              </a:solidFill>
+              <a:latin typeface="TeXGyreAdventor" pitchFamily="50" charset="0"/>
+            </a:endParaRPr>
+          </a:p>
+          <a:p>
             <a:endParaRPr lang="de-DE" dirty="0">
               <a:solidFill>
                 <a:schemeClr val="bg1"/>
               </a:solidFill>
+              <a:latin typeface="TeXGyreAdventor" pitchFamily="50" charset="0"/>
+            </a:endParaRPr>
+          </a:p>
+          <a:p>
+            <a:endParaRPr lang="de-DE" dirty="0" smtClean="0">
+              <a:solidFill>
+                <a:schemeClr val="bg1"/>
+              </a:solidFill>
+              <a:latin typeface="TeXGyreAdventor" pitchFamily="50" charset="0"/>
+            </a:endParaRPr>
+          </a:p>
+          <a:p>
+            <a:r>
+              <a:rPr lang="de-DE" dirty="0" smtClean="0">
+                <a:solidFill>
+                  <a:schemeClr val="bg1"/>
+                </a:solidFill>
+                <a:latin typeface="TeXGyreAdventor" pitchFamily="50" charset="0"/>
+              </a:rPr>
+              <a:t>Extended </a:t>
+            </a:r>
+            <a:r>
+              <a:rPr lang="de-DE" dirty="0" err="1" smtClean="0">
+                <a:solidFill>
+                  <a:schemeClr val="bg1"/>
+                </a:solidFill>
+                <a:latin typeface="TeXGyreAdventor" pitchFamily="50" charset="0"/>
+              </a:rPr>
+              <a:t>exit</a:t>
+            </a:r>
+            <a:r>
+              <a:rPr lang="de-DE" dirty="0" smtClean="0">
+                <a:solidFill>
+                  <a:schemeClr val="bg1"/>
+                </a:solidFill>
+                <a:latin typeface="TeXGyreAdventor" pitchFamily="50" charset="0"/>
+              </a:rPr>
+              <a:t> </a:t>
+            </a:r>
+            <a:r>
+              <a:rPr lang="de-DE" dirty="0" err="1" smtClean="0">
+                <a:solidFill>
+                  <a:schemeClr val="bg1"/>
+                </a:solidFill>
+                <a:latin typeface="TeXGyreAdventor" pitchFamily="50" charset="0"/>
+              </a:rPr>
+              <a:t>area</a:t>
+            </a:r>
+            <a:endParaRPr lang="de-DE" dirty="0">
+              <a:solidFill>
+                <a:schemeClr val="bg1"/>
+              </a:solidFill>
+              <a:latin typeface="TeXGyreAdventor" pitchFamily="50" charset="0"/>
             </a:endParaRPr>
           </a:p>
         </p:txBody>
       </p:sp>
+      <p:pic>
+        <p:nvPicPr>
+          <p:cNvPr id="2050" name="Picture 2" descr="C:\Users\jaromir.paarmann\Documents\HammerMan\Art\BilderPPPGate01\Trennwand.PNG"/>
+          <p:cNvPicPr>
+            <a:picLocks noChangeAspect="1" noChangeArrowheads="1"/>
+          </p:cNvPicPr>
+          <p:nvPr/>
+        </p:nvPicPr>
+        <p:blipFill>
+          <a:blip r:embed="rId2">
+            <a:extLst>
+              <a:ext uri="{28A0092B-C50C-407E-A947-70E740481C1C}">
+                <a14:useLocalDpi xmlns:a14="http://schemas.microsoft.com/office/drawing/2010/main" val="0"/>
+              </a:ext>
+            </a:extLst>
+          </a:blip>
+          <a:srcRect/>
+          <a:stretch>
+            <a:fillRect/>
+          </a:stretch>
+        </p:blipFill>
+        <p:spPr bwMode="auto">
+          <a:xfrm>
+            <a:off x="6588224" y="1931987"/>
+            <a:ext cx="1790700" cy="3000375"/>
+          </a:xfrm>
+          <a:prstGeom prst="rect">
+            <a:avLst/>
+          </a:prstGeom>
+          <a:noFill/>
+          <a:extLst>
+            <a:ext uri="{909E8E84-426E-40DD-AFC4-6F175D3DCCD1}">
+              <a14:hiddenFill xmlns:a14="http://schemas.microsoft.com/office/drawing/2010/main">
+                <a:solidFill>
+                  <a:srgbClr val="FFFFFF"/>
+                </a:solidFill>
+              </a14:hiddenFill>
+            </a:ext>
+          </a:extLst>
+        </p:spPr>
+      </p:pic>
+      <p:pic>
+        <p:nvPicPr>
+          <p:cNvPr id="2051" name="Picture 3" descr="C:\Users\jaromir.paarmann\Documents\HammerMan\Art\BilderPPPGate01\SpawnRateIncreased.PNG"/>
+          <p:cNvPicPr>
+            <a:picLocks noChangeAspect="1" noChangeArrowheads="1"/>
+          </p:cNvPicPr>
+          <p:nvPr/>
+        </p:nvPicPr>
+        <p:blipFill>
+          <a:blip r:embed="rId3">
+            <a:extLst>
+              <a:ext uri="{28A0092B-C50C-407E-A947-70E740481C1C}">
+                <a14:useLocalDpi xmlns:a14="http://schemas.microsoft.com/office/drawing/2010/main" val="0"/>
+              </a:ext>
+            </a:extLst>
+          </a:blip>
+          <a:srcRect/>
+          <a:stretch>
+            <a:fillRect/>
+          </a:stretch>
+        </p:blipFill>
+        <p:spPr bwMode="auto">
+          <a:xfrm>
+            <a:off x="159536" y="4115593"/>
+            <a:ext cx="5676897" cy="776287"/>
+          </a:xfrm>
+          <a:prstGeom prst="rect">
+            <a:avLst/>
+          </a:prstGeom>
+          <a:noFill/>
+          <a:extLst>
+            <a:ext uri="{909E8E84-426E-40DD-AFC4-6F175D3DCCD1}">
+              <a14:hiddenFill xmlns:a14="http://schemas.microsoft.com/office/drawing/2010/main">
+                <a:solidFill>
+                  <a:srgbClr val="FFFFFF"/>
+                </a:solidFill>
+              </a14:hiddenFill>
+            </a:ext>
+          </a:extLst>
+        </p:spPr>
+      </p:pic>
+      <p:pic>
+        <p:nvPicPr>
+          <p:cNvPr id="2052" name="Picture 4" descr="C:\Users\jaromir.paarmann\Documents\HammerMan\Art\BilderPPPGate01\ExtendedExitArea.PNG"/>
+          <p:cNvPicPr>
+            <a:picLocks noChangeAspect="1" noChangeArrowheads="1"/>
+          </p:cNvPicPr>
+          <p:nvPr/>
+        </p:nvPicPr>
+        <p:blipFill>
+          <a:blip r:embed="rId4" cstate="print">
+            <a:extLst>
+              <a:ext uri="{28A0092B-C50C-407E-A947-70E740481C1C}">
+                <a14:useLocalDpi xmlns:a14="http://schemas.microsoft.com/office/drawing/2010/main" val="0"/>
+              </a:ext>
+            </a:extLst>
+          </a:blip>
+          <a:srcRect/>
+          <a:stretch>
+            <a:fillRect/>
+          </a:stretch>
+        </p:blipFill>
+        <p:spPr bwMode="auto">
+          <a:xfrm>
+            <a:off x="4932040" y="5217122"/>
+            <a:ext cx="2753422" cy="1640878"/>
+          </a:xfrm>
+          <a:prstGeom prst="rect">
+            <a:avLst/>
+          </a:prstGeom>
+          <a:noFill/>
+          <a:extLst>
+            <a:ext uri="{909E8E84-426E-40DD-AFC4-6F175D3DCCD1}">
+              <a14:hiddenFill xmlns:a14="http://schemas.microsoft.com/office/drawing/2010/main">
+                <a:solidFill>
+                  <a:srgbClr val="FFFFFF"/>
+                </a:solidFill>
+              </a14:hiddenFill>
+            </a:ext>
+          </a:extLst>
+        </p:spPr>
+      </p:pic>
     </p:spTree>
     <p:extLst>
       <p:ext uri="{BB962C8B-B14F-4D97-AF65-F5344CB8AC3E}">
-        <p14:creationId xmlns:p14="http://schemas.microsoft.com/office/powerpoint/2010/main" val="1159951696"/>
+        <p14:creationId xmlns:p14="http://schemas.microsoft.com/office/powerpoint/2010/main" val="2792440306"/>
       </p:ext>
     </p:extLst>
   </p:cSld>
   <p:clrMapOvr>
     <a:masterClrMapping/>
   </p:clrMapOvr>
+  <p:timing>
+    <p:tnLst>
+      <p:par>
+        <p:cTn id="1" dur="indefinite" restart="never" nodeType="tmRoot">
+          <p:childTnLst>
+            <p:seq concurrent="1" nextAc="seek">
+              <p:cTn id="2" dur="indefinite" nodeType="mainSeq">
+                <p:childTnLst>
+                  <p:par>
+                    <p:cTn id="3" fill="hold">
+                      <p:stCondLst>
+                        <p:cond delay="indefinite"/>
+                      </p:stCondLst>
+                      <p:childTnLst>
+                        <p:par>
+                          <p:cTn id="4" fill="hold">
+                            <p:stCondLst>
+                              <p:cond delay="0"/>
+                            </p:stCondLst>
+                            <p:childTnLst>
+                              <p:par>
+                                <p:cTn id="5" presetID="10" presetClass="entr" presetSubtype="0" fill="hold" grpId="0" nodeType="clickEffect">
+                                  <p:stCondLst>
+                                    <p:cond delay="0"/>
+                                  </p:stCondLst>
+                                  <p:childTnLst>
+                                    <p:set>
+                                      <p:cBhvr>
+                                        <p:cTn id="6" dur="1" fill="hold">
+                                          <p:stCondLst>
+                                            <p:cond delay="0"/>
+                                          </p:stCondLst>
+                                        </p:cTn>
+                                        <p:tgtEl>
+                                          <p:spTgt spid="4">
+                                            <p:txEl>
+                                              <p:pRg st="0" end="0"/>
+                                            </p:txEl>
+                                          </p:spTgt>
+                                        </p:tgtEl>
+                                        <p:attrNameLst>
+                                          <p:attrName>style.visibility</p:attrName>
+                                        </p:attrNameLst>
+                                      </p:cBhvr>
+                                      <p:to>
+                                        <p:strVal val="visible"/>
+                                      </p:to>
+                                    </p:set>
+                                    <p:animEffect transition="in" filter="fade">
+                                      <p:cBhvr>
+                                        <p:cTn id="7" dur="500"/>
+                                        <p:tgtEl>
+                                          <p:spTgt spid="4">
+                                            <p:txEl>
+                                              <p:pRg st="0" end="0"/>
+                                            </p:txEl>
+                                          </p:spTgt>
+                                        </p:tgtEl>
+                                      </p:cBhvr>
+                                    </p:animEffect>
+                                  </p:childTnLst>
+                                </p:cTn>
+                              </p:par>
+                            </p:childTnLst>
+                          </p:cTn>
+                        </p:par>
+                      </p:childTnLst>
+                    </p:cTn>
+                  </p:par>
+                  <p:par>
+                    <p:cTn id="8" fill="hold">
+                      <p:stCondLst>
+                        <p:cond delay="indefinite"/>
+                      </p:stCondLst>
+                      <p:childTnLst>
+                        <p:par>
+                          <p:cTn id="9" fill="hold">
+                            <p:stCondLst>
+                              <p:cond delay="0"/>
+                            </p:stCondLst>
+                            <p:childTnLst>
+                              <p:par>
+                                <p:cTn id="10" presetID="10" presetClass="entr" presetSubtype="0" fill="hold" grpId="0" nodeType="clickEffect">
+                                  <p:stCondLst>
+                                    <p:cond delay="0"/>
+                                  </p:stCondLst>
+                                  <p:childTnLst>
+                                    <p:set>
+                                      <p:cBhvr>
+                                        <p:cTn id="11" dur="1" fill="hold">
+                                          <p:stCondLst>
+                                            <p:cond delay="0"/>
+                                          </p:stCondLst>
+                                        </p:cTn>
+                                        <p:tgtEl>
+                                          <p:spTgt spid="4">
+                                            <p:txEl>
+                                              <p:pRg st="2" end="2"/>
+                                            </p:txEl>
+                                          </p:spTgt>
+                                        </p:tgtEl>
+                                        <p:attrNameLst>
+                                          <p:attrName>style.visibility</p:attrName>
+                                        </p:attrNameLst>
+                                      </p:cBhvr>
+                                      <p:to>
+                                        <p:strVal val="visible"/>
+                                      </p:to>
+                                    </p:set>
+                                    <p:animEffect transition="in" filter="fade">
+                                      <p:cBhvr>
+                                        <p:cTn id="12" dur="500"/>
+                                        <p:tgtEl>
+                                          <p:spTgt spid="4">
+                                            <p:txEl>
+                                              <p:pRg st="2" end="2"/>
+                                            </p:txEl>
+                                          </p:spTgt>
+                                        </p:tgtEl>
+                                      </p:cBhvr>
+                                    </p:animEffect>
+                                  </p:childTnLst>
+                                </p:cTn>
+                              </p:par>
+                              <p:par>
+                                <p:cTn id="13" presetID="10" presetClass="entr" presetSubtype="0" fill="hold" nodeType="withEffect">
+                                  <p:stCondLst>
+                                    <p:cond delay="0"/>
+                                  </p:stCondLst>
+                                  <p:childTnLst>
+                                    <p:set>
+                                      <p:cBhvr>
+                                        <p:cTn id="14" dur="1" fill="hold">
+                                          <p:stCondLst>
+                                            <p:cond delay="0"/>
+                                          </p:stCondLst>
+                                        </p:cTn>
+                                        <p:tgtEl>
+                                          <p:spTgt spid="2050"/>
+                                        </p:tgtEl>
+                                        <p:attrNameLst>
+                                          <p:attrName>style.visibility</p:attrName>
+                                        </p:attrNameLst>
+                                      </p:cBhvr>
+                                      <p:to>
+                                        <p:strVal val="visible"/>
+                                      </p:to>
+                                    </p:set>
+                                    <p:animEffect transition="in" filter="fade">
+                                      <p:cBhvr>
+                                        <p:cTn id="15" dur="500"/>
+                                        <p:tgtEl>
+                                          <p:spTgt spid="2050"/>
+                                        </p:tgtEl>
+                                      </p:cBhvr>
+                                    </p:animEffect>
+                                  </p:childTnLst>
+                                </p:cTn>
+                              </p:par>
+                            </p:childTnLst>
+                          </p:cTn>
+                        </p:par>
+                      </p:childTnLst>
+                    </p:cTn>
+                  </p:par>
+                  <p:par>
+                    <p:cTn id="16" fill="hold">
+                      <p:stCondLst>
+                        <p:cond delay="indefinite"/>
+                      </p:stCondLst>
+                      <p:childTnLst>
+                        <p:par>
+                          <p:cTn id="17" fill="hold">
+                            <p:stCondLst>
+                              <p:cond delay="0"/>
+                            </p:stCondLst>
+                            <p:childTnLst>
+                              <p:par>
+                                <p:cTn id="18" presetID="10" presetClass="entr" presetSubtype="0" fill="hold" grpId="0" nodeType="clickEffect">
+                                  <p:stCondLst>
+                                    <p:cond delay="0"/>
+                                  </p:stCondLst>
+                                  <p:childTnLst>
+                                    <p:set>
+                                      <p:cBhvr>
+                                        <p:cTn id="19" dur="1" fill="hold">
+                                          <p:stCondLst>
+                                            <p:cond delay="0"/>
+                                          </p:stCondLst>
+                                        </p:cTn>
+                                        <p:tgtEl>
+                                          <p:spTgt spid="4">
+                                            <p:txEl>
+                                              <p:pRg st="3" end="3"/>
+                                            </p:txEl>
+                                          </p:spTgt>
+                                        </p:tgtEl>
+                                        <p:attrNameLst>
+                                          <p:attrName>style.visibility</p:attrName>
+                                        </p:attrNameLst>
+                                      </p:cBhvr>
+                                      <p:to>
+                                        <p:strVal val="visible"/>
+                                      </p:to>
+                                    </p:set>
+                                    <p:animEffect transition="in" filter="fade">
+                                      <p:cBhvr>
+                                        <p:cTn id="20" dur="500"/>
+                                        <p:tgtEl>
+                                          <p:spTgt spid="4">
+                                            <p:txEl>
+                                              <p:pRg st="3" end="3"/>
+                                            </p:txEl>
+                                          </p:spTgt>
+                                        </p:tgtEl>
+                                      </p:cBhvr>
+                                    </p:animEffect>
+                                  </p:childTnLst>
+                                </p:cTn>
+                              </p:par>
+                              <p:par>
+                                <p:cTn id="21" presetID="10" presetClass="entr" presetSubtype="0" fill="hold" nodeType="withEffect">
+                                  <p:stCondLst>
+                                    <p:cond delay="0"/>
+                                  </p:stCondLst>
+                                  <p:childTnLst>
+                                    <p:set>
+                                      <p:cBhvr>
+                                        <p:cTn id="22" dur="1" fill="hold">
+                                          <p:stCondLst>
+                                            <p:cond delay="0"/>
+                                          </p:stCondLst>
+                                        </p:cTn>
+                                        <p:tgtEl>
+                                          <p:spTgt spid="2051"/>
+                                        </p:tgtEl>
+                                        <p:attrNameLst>
+                                          <p:attrName>style.visibility</p:attrName>
+                                        </p:attrNameLst>
+                                      </p:cBhvr>
+                                      <p:to>
+                                        <p:strVal val="visible"/>
+                                      </p:to>
+                                    </p:set>
+                                    <p:animEffect transition="in" filter="fade">
+                                      <p:cBhvr>
+                                        <p:cTn id="23" dur="500"/>
+                                        <p:tgtEl>
+                                          <p:spTgt spid="2051"/>
+                                        </p:tgtEl>
+                                      </p:cBhvr>
+                                    </p:animEffect>
+                                  </p:childTnLst>
+                                </p:cTn>
+                              </p:par>
+                            </p:childTnLst>
+                          </p:cTn>
+                        </p:par>
+                      </p:childTnLst>
+                    </p:cTn>
+                  </p:par>
+                  <p:par>
+                    <p:cTn id="24" fill="hold">
+                      <p:stCondLst>
+                        <p:cond delay="indefinite"/>
+                      </p:stCondLst>
+                      <p:childTnLst>
+                        <p:par>
+                          <p:cTn id="25" fill="hold">
+                            <p:stCondLst>
+                              <p:cond delay="0"/>
+                            </p:stCondLst>
+                            <p:childTnLst>
+                              <p:par>
+                                <p:cTn id="26" presetID="10" presetClass="entr" presetSubtype="0" fill="hold" grpId="0" nodeType="clickEffect">
+                                  <p:stCondLst>
+                                    <p:cond delay="0"/>
+                                  </p:stCondLst>
+                                  <p:childTnLst>
+                                    <p:set>
+                                      <p:cBhvr>
+                                        <p:cTn id="27" dur="1" fill="hold">
+                                          <p:stCondLst>
+                                            <p:cond delay="0"/>
+                                          </p:stCondLst>
+                                        </p:cTn>
+                                        <p:tgtEl>
+                                          <p:spTgt spid="4">
+                                            <p:txEl>
+                                              <p:pRg st="6" end="6"/>
+                                            </p:txEl>
+                                          </p:spTgt>
+                                        </p:tgtEl>
+                                        <p:attrNameLst>
+                                          <p:attrName>style.visibility</p:attrName>
+                                        </p:attrNameLst>
+                                      </p:cBhvr>
+                                      <p:to>
+                                        <p:strVal val="visible"/>
+                                      </p:to>
+                                    </p:set>
+                                    <p:animEffect transition="in" filter="fade">
+                                      <p:cBhvr>
+                                        <p:cTn id="28" dur="500"/>
+                                        <p:tgtEl>
+                                          <p:spTgt spid="4">
+                                            <p:txEl>
+                                              <p:pRg st="6" end="6"/>
+                                            </p:txEl>
+                                          </p:spTgt>
+                                        </p:tgtEl>
+                                      </p:cBhvr>
+                                    </p:animEffect>
+                                  </p:childTnLst>
+                                </p:cTn>
+                              </p:par>
+                              <p:par>
+                                <p:cTn id="29" presetID="10" presetClass="entr" presetSubtype="0" fill="hold" nodeType="withEffect">
+                                  <p:stCondLst>
+                                    <p:cond delay="0"/>
+                                  </p:stCondLst>
+                                  <p:childTnLst>
+                                    <p:set>
+                                      <p:cBhvr>
+                                        <p:cTn id="30" dur="1" fill="hold">
+                                          <p:stCondLst>
+                                            <p:cond delay="0"/>
+                                          </p:stCondLst>
+                                        </p:cTn>
+                                        <p:tgtEl>
+                                          <p:spTgt spid="2052"/>
+                                        </p:tgtEl>
+                                        <p:attrNameLst>
+                                          <p:attrName>style.visibility</p:attrName>
+                                        </p:attrNameLst>
+                                      </p:cBhvr>
+                                      <p:to>
+                                        <p:strVal val="visible"/>
+                                      </p:to>
+                                    </p:set>
+                                    <p:animEffect transition="in" filter="fade">
+                                      <p:cBhvr>
+                                        <p:cTn id="31" dur="500"/>
+                                        <p:tgtEl>
+                                          <p:spTgt spid="2052"/>
+                                        </p:tgtEl>
+                                      </p:cBhvr>
+                                    </p:animEffect>
+                                  </p:childTnLst>
+                                </p:cTn>
+                              </p:par>
+                            </p:childTnLst>
+                          </p:cTn>
+                        </p:par>
+                      </p:childTnLst>
+                    </p:cTn>
+                  </p:par>
+                </p:childTnLst>
+              </p:cTn>
+              <p:prevCondLst>
+                <p:cond evt="onPrev" delay="0">
+                  <p:tgtEl>
+                    <p:sldTgt/>
+                  </p:tgtEl>
+                </p:cond>
+              </p:prevCondLst>
+              <p:nextCondLst>
+                <p:cond evt="onNext" delay="0">
+                  <p:tgtEl>
+                    <p:sldTgt/>
+                  </p:tgtEl>
+                </p:cond>
+              </p:nextCondLst>
+            </p:seq>
+          </p:childTnLst>
+        </p:cTn>
+      </p:par>
+    </p:tnLst>
+    <p:bldLst>
+      <p:bldP spid="4" grpId="0" uiExpand="1" build="p"/>
+    </p:bldLst>
+  </p:timing>
 </p:sld>
 </file>
 
@@ -3645,7 +5219,16 @@
                 </a:solidFill>
                 <a:latin typeface="TeXGyreAdventor" pitchFamily="50" charset="0"/>
               </a:rPr>
-              <a:t>Änderungen Art</a:t>
+              <a:t>Änderungen </a:t>
+            </a:r>
+            <a:r>
+              <a:rPr lang="de-DE" dirty="0" err="1" smtClean="0">
+                <a:solidFill>
+                  <a:schemeClr val="bg1"/>
+                </a:solidFill>
+                <a:latin typeface="TeXGyreAdventor" pitchFamily="50" charset="0"/>
+              </a:rPr>
+              <a:t>Gameplay</a:t>
             </a:r>
             <a:endParaRPr lang="de-DE" dirty="0">
               <a:solidFill>
@@ -3658,7 +5241,7 @@
       </p:sp>
       <p:sp>
         <p:nvSpPr>
-          <p:cNvPr id="3" name="Inhaltsplatzhalter 2"/>
+          <p:cNvPr id="4" name="Inhaltsplatzhalter 3"/>
           <p:cNvSpPr>
             <a:spLocks noGrp="1"/>
           </p:cNvSpPr>
@@ -3668,65 +5251,74 @@
         </p:nvSpPr>
         <p:spPr/>
         <p:txBody>
-          <a:bodyPr/>
+          <a:bodyPr>
+            <a:normAutofit/>
+          </a:bodyPr>
           <a:lstStyle/>
           <a:p>
+            <a:pPr marL="0" indent="0" algn="ctr">
+              <a:buNone/>
+            </a:pPr>
+            <a:r>
+              <a:rPr lang="de-DE" b="1" dirty="0" err="1" smtClean="0">
+                <a:solidFill>
+                  <a:schemeClr val="bg1"/>
+                </a:solidFill>
+                <a:latin typeface="TeXGyreAdventor" pitchFamily="50" charset="0"/>
+              </a:rPr>
+              <a:t>Introcutscene</a:t>
+            </a:r>
+            <a:endParaRPr lang="de-DE" b="1" dirty="0" smtClean="0">
+              <a:solidFill>
+                <a:schemeClr val="bg1"/>
+              </a:solidFill>
+              <a:latin typeface="TeXGyreAdventor" pitchFamily="50" charset="0"/>
+            </a:endParaRPr>
+          </a:p>
+          <a:p>
+            <a:r>
+              <a:rPr lang="de-DE" dirty="0" err="1" smtClean="0">
+                <a:solidFill>
+                  <a:schemeClr val="bg1"/>
+                </a:solidFill>
+                <a:latin typeface="TeXGyreAdventor" pitchFamily="50" charset="0"/>
+              </a:rPr>
+              <a:t>Destroy</a:t>
+            </a:r>
             <a:r>
               <a:rPr lang="de-DE" dirty="0" smtClean="0">
                 <a:solidFill>
                   <a:schemeClr val="bg1"/>
                 </a:solidFill>
-              </a:rPr>
-              <a:t>Hammerschlaganimation</a:t>
-            </a:r>
-          </a:p>
-          <a:p>
+                <a:latin typeface="TeXGyreAdventor" pitchFamily="50" charset="0"/>
+              </a:rPr>
+              <a:t> (</a:t>
+            </a:r>
+            <a:r>
+              <a:rPr lang="de-DE" dirty="0" err="1" smtClean="0">
+                <a:solidFill>
+                  <a:schemeClr val="bg1"/>
+                </a:solidFill>
+                <a:latin typeface="TeXGyreAdventor" pitchFamily="50" charset="0"/>
+              </a:rPr>
+              <a:t>Spawners</a:t>
+            </a:r>
             <a:r>
               <a:rPr lang="de-DE" dirty="0" smtClean="0">
                 <a:solidFill>
                   <a:schemeClr val="bg1"/>
                 </a:solidFill>
-              </a:rPr>
-              <a:t>Enemy </a:t>
-            </a:r>
-            <a:r>
-              <a:rPr lang="de-DE" dirty="0" err="1" smtClean="0">
-                <a:solidFill>
-                  <a:schemeClr val="bg1"/>
-                </a:solidFill>
-              </a:rPr>
-              <a:t>Walk</a:t>
-            </a:r>
-            <a:r>
-              <a:rPr lang="de-DE" dirty="0" smtClean="0">
-                <a:solidFill>
-                  <a:schemeClr val="bg1"/>
-                </a:solidFill>
-              </a:rPr>
-              <a:t> Animation</a:t>
-            </a:r>
-          </a:p>
-          <a:p>
-            <a:r>
-              <a:rPr lang="de-DE" dirty="0" smtClean="0">
-                <a:solidFill>
-                  <a:schemeClr val="bg1"/>
-                </a:solidFill>
-              </a:rPr>
-              <a:t>Enemy </a:t>
-            </a:r>
-            <a:r>
-              <a:rPr lang="de-DE" dirty="0" err="1" smtClean="0">
-                <a:solidFill>
-                  <a:schemeClr val="bg1"/>
-                </a:solidFill>
-              </a:rPr>
-              <a:t>Types</a:t>
-            </a:r>
+                <a:latin typeface="TeXGyreAdventor" pitchFamily="50" charset="0"/>
+              </a:rPr>
+              <a:t>)</a:t>
+            </a:r>
+          </a:p>
+          <a:p>
             <a:endParaRPr lang="de-DE" dirty="0" smtClean="0">
               <a:solidFill>
                 <a:schemeClr val="bg1"/>
               </a:solidFill>
+              <a:latin typeface="TeXGyreAdventor" pitchFamily="50" charset="0"/>
             </a:endParaRPr>
           </a:p>
           <a:p>
@@ -3735,9 +5327,38 @@
                 <a:solidFill>
                   <a:schemeClr val="bg1"/>
                 </a:solidFill>
-              </a:rPr>
-              <a:t>Hintergrund</a:t>
-            </a:r>
+                <a:latin typeface="TeXGyreAdventor" pitchFamily="50" charset="0"/>
+              </a:rPr>
+              <a:t>Exit 1</a:t>
+            </a:r>
+          </a:p>
+          <a:p>
+            <a:r>
+              <a:rPr lang="de-DE" dirty="0" smtClean="0">
+                <a:solidFill>
+                  <a:schemeClr val="bg1"/>
+                </a:solidFill>
+                <a:latin typeface="TeXGyreAdventor" pitchFamily="50" charset="0"/>
+              </a:rPr>
+              <a:t>Exit 2</a:t>
+            </a:r>
+            <a:endParaRPr lang="de-DE" sz="1800" dirty="0" smtClean="0">
+              <a:solidFill>
+                <a:schemeClr val="bg1"/>
+              </a:solidFill>
+              <a:latin typeface="TeXGyreAdventor" pitchFamily="50" charset="0"/>
+            </a:endParaRPr>
+          </a:p>
+          <a:p>
+            <a:pPr marL="0" indent="0">
+              <a:buNone/>
+            </a:pPr>
+            <a:endParaRPr lang="de-DE" sz="1400" dirty="0" smtClean="0">
+              <a:solidFill>
+                <a:schemeClr val="bg1"/>
+              </a:solidFill>
+              <a:latin typeface="TeXGyreAdventor" pitchFamily="50" charset="0"/>
+            </a:endParaRPr>
           </a:p>
           <a:p>
             <a:r>
@@ -3745,57 +5366,78 @@
                 <a:solidFill>
                   <a:schemeClr val="bg1"/>
                 </a:solidFill>
-              </a:rPr>
-              <a:t>Leveltiles</a:t>
+                <a:latin typeface="TeXGyreAdventor" pitchFamily="50" charset="0"/>
+              </a:rPr>
+              <a:t>Smash‘em</a:t>
             </a:r>
             <a:r>
               <a:rPr lang="de-DE" dirty="0" smtClean="0">
                 <a:solidFill>
                   <a:schemeClr val="bg1"/>
                 </a:solidFill>
-              </a:rPr>
-              <a:t> (Leitern, </a:t>
+                <a:latin typeface="TeXGyreAdventor" pitchFamily="50" charset="0"/>
+              </a:rPr>
+              <a:t> </a:t>
             </a:r>
             <a:r>
               <a:rPr lang="de-DE" dirty="0" err="1" smtClean="0">
                 <a:solidFill>
                   <a:schemeClr val="bg1"/>
                 </a:solidFill>
-              </a:rPr>
-              <a:t>Ground</a:t>
+                <a:latin typeface="TeXGyreAdventor" pitchFamily="50" charset="0"/>
+              </a:rPr>
+              <a:t>Before</a:t>
             </a:r>
             <a:r>
               <a:rPr lang="de-DE" dirty="0" smtClean="0">
                 <a:solidFill>
                   <a:schemeClr val="bg1"/>
                 </a:solidFill>
-              </a:rPr>
-              <a:t>, Wand)</a:t>
-            </a:r>
-          </a:p>
-          <a:p>
+                <a:latin typeface="TeXGyreAdventor" pitchFamily="50" charset="0"/>
+              </a:rPr>
+              <a:t> </a:t>
+            </a:r>
+            <a:r>
+              <a:rPr lang="de-DE" dirty="0" err="1" smtClean="0">
+                <a:solidFill>
+                  <a:schemeClr val="bg1"/>
+                </a:solidFill>
+                <a:latin typeface="TeXGyreAdventor" pitchFamily="50" charset="0"/>
+              </a:rPr>
+              <a:t>they</a:t>
+            </a:r>
             <a:r>
               <a:rPr lang="de-DE" dirty="0" smtClean="0">
                 <a:solidFill>
                   <a:schemeClr val="bg1"/>
                 </a:solidFill>
-              </a:rPr>
-              <a:t>Exits</a:t>
-            </a:r>
-          </a:p>
-          <a:p>
+                <a:latin typeface="TeXGyreAdventor" pitchFamily="50" charset="0"/>
+              </a:rPr>
+              <a:t> </a:t>
+            </a:r>
             <a:r>
               <a:rPr lang="de-DE" dirty="0" err="1" smtClean="0">
                 <a:solidFill>
                   <a:schemeClr val="bg1"/>
                 </a:solidFill>
-              </a:rPr>
-              <a:t>Spawner</a:t>
+                <a:latin typeface="TeXGyreAdventor" pitchFamily="50" charset="0"/>
+              </a:rPr>
+              <a:t>escape</a:t>
+            </a:r>
+            <a:r>
+              <a:rPr lang="de-DE" dirty="0" smtClean="0">
+                <a:solidFill>
+                  <a:schemeClr val="bg1"/>
+                </a:solidFill>
+                <a:latin typeface="TeXGyreAdventor" pitchFamily="50" charset="0"/>
+              </a:rPr>
+              <a:t>!</a:t>
             </a:r>
             <a:endParaRPr lang="de-DE" dirty="0" smtClean="0">
               <a:solidFill>
                 <a:schemeClr val="bg1"/>
               </a:solidFill>
+              <a:latin typeface="TeXGyreAdventor" pitchFamily="50" charset="0"/>
             </a:endParaRPr>
           </a:p>
           <a:p>
@@ -3803,20 +5445,663 @@
               <a:solidFill>
                 <a:schemeClr val="bg1"/>
               </a:solidFill>
+              <a:latin typeface="TeXGyreAdventor" pitchFamily="50" charset="0"/>
             </a:endParaRPr>
           </a:p>
         </p:txBody>
       </p:sp>
+      <p:pic>
+        <p:nvPicPr>
+          <p:cNvPr id="3074" name="Picture 2" descr="C:\Users\jaromir.paarmann\Documents\HammerMan\Art\BilderPPPGate01\DestroyIntro.png"/>
+          <p:cNvPicPr>
+            <a:picLocks noChangeAspect="1" noChangeArrowheads="1"/>
+          </p:cNvPicPr>
+          <p:nvPr/>
+        </p:nvPicPr>
+        <p:blipFill>
+          <a:blip r:embed="rId2" cstate="print">
+            <a:extLst>
+              <a:ext uri="{28A0092B-C50C-407E-A947-70E740481C1C}">
+                <a14:useLocalDpi xmlns:a14="http://schemas.microsoft.com/office/drawing/2010/main" val="0"/>
+              </a:ext>
+            </a:extLst>
+          </a:blip>
+          <a:srcRect/>
+          <a:stretch>
+            <a:fillRect/>
+          </a:stretch>
+        </p:blipFill>
+        <p:spPr bwMode="auto">
+          <a:xfrm>
+            <a:off x="5076056" y="2210746"/>
+            <a:ext cx="3822139" cy="1368152"/>
+          </a:xfrm>
+          <a:prstGeom prst="rect">
+            <a:avLst/>
+          </a:prstGeom>
+          <a:noFill/>
+          <a:extLst>
+            <a:ext uri="{909E8E84-426E-40DD-AFC4-6F175D3DCCD1}">
+              <a14:hiddenFill xmlns:a14="http://schemas.microsoft.com/office/drawing/2010/main">
+                <a:solidFill>
+                  <a:srgbClr val="FFFFFF"/>
+                </a:solidFill>
+              </a14:hiddenFill>
+            </a:ext>
+          </a:extLst>
+        </p:spPr>
+      </p:pic>
+      <p:pic>
+        <p:nvPicPr>
+          <p:cNvPr id="3075" name="Picture 3" descr="C:\Users\jaromir.paarmann\Documents\HammerMan\Art\BilderPPPGate01\Exit1Intro.png"/>
+          <p:cNvPicPr>
+            <a:picLocks noChangeAspect="1" noChangeArrowheads="1"/>
+          </p:cNvPicPr>
+          <p:nvPr/>
+        </p:nvPicPr>
+        <p:blipFill>
+          <a:blip r:embed="rId3" cstate="print">
+            <a:extLst>
+              <a:ext uri="{28A0092B-C50C-407E-A947-70E740481C1C}">
+                <a14:useLocalDpi xmlns:a14="http://schemas.microsoft.com/office/drawing/2010/main" val="0"/>
+              </a:ext>
+            </a:extLst>
+          </a:blip>
+          <a:srcRect/>
+          <a:stretch>
+            <a:fillRect/>
+          </a:stretch>
+        </p:blipFill>
+        <p:spPr bwMode="auto">
+          <a:xfrm>
+            <a:off x="2123728" y="2894822"/>
+            <a:ext cx="1656184" cy="1062425"/>
+          </a:xfrm>
+          <a:prstGeom prst="rect">
+            <a:avLst/>
+          </a:prstGeom>
+          <a:noFill/>
+          <a:extLst>
+            <a:ext uri="{909E8E84-426E-40DD-AFC4-6F175D3DCCD1}">
+              <a14:hiddenFill xmlns:a14="http://schemas.microsoft.com/office/drawing/2010/main">
+                <a:solidFill>
+                  <a:srgbClr val="FFFFFF"/>
+                </a:solidFill>
+              </a14:hiddenFill>
+            </a:ext>
+          </a:extLst>
+        </p:spPr>
+      </p:pic>
+      <p:pic>
+        <p:nvPicPr>
+          <p:cNvPr id="3076" name="Picture 4" descr="C:\Users\jaromir.paarmann\Documents\HammerMan\Art\BilderPPPGate01\Exit2Intro.png"/>
+          <p:cNvPicPr>
+            <a:picLocks noChangeAspect="1" noChangeArrowheads="1"/>
+          </p:cNvPicPr>
+          <p:nvPr/>
+        </p:nvPicPr>
+        <p:blipFill>
+          <a:blip r:embed="rId4" cstate="print">
+            <a:extLst>
+              <a:ext uri="{28A0092B-C50C-407E-A947-70E740481C1C}">
+                <a14:useLocalDpi xmlns:a14="http://schemas.microsoft.com/office/drawing/2010/main" val="0"/>
+              </a:ext>
+            </a:extLst>
+          </a:blip>
+          <a:srcRect/>
+          <a:stretch>
+            <a:fillRect/>
+          </a:stretch>
+        </p:blipFill>
+        <p:spPr bwMode="auto">
+          <a:xfrm>
+            <a:off x="3923928" y="3717032"/>
+            <a:ext cx="1688753" cy="1105406"/>
+          </a:xfrm>
+          <a:prstGeom prst="rect">
+            <a:avLst/>
+          </a:prstGeom>
+          <a:noFill/>
+          <a:extLst>
+            <a:ext uri="{909E8E84-426E-40DD-AFC4-6F175D3DCCD1}">
+              <a14:hiddenFill xmlns:a14="http://schemas.microsoft.com/office/drawing/2010/main">
+                <a:solidFill>
+                  <a:srgbClr val="FFFFFF"/>
+                </a:solidFill>
+              </a14:hiddenFill>
+            </a:ext>
+          </a:extLst>
+        </p:spPr>
+      </p:pic>
+      <p:pic>
+        <p:nvPicPr>
+          <p:cNvPr id="3077" name="Picture 5" descr="C:\Users\jaromir.paarmann\Documents\HammerMan\Art\BilderPPPGate01\Smash'emBeforeTheyEscapeIntro.PNG"/>
+          <p:cNvPicPr>
+            <a:picLocks noChangeAspect="1" noChangeArrowheads="1"/>
+          </p:cNvPicPr>
+          <p:nvPr/>
+        </p:nvPicPr>
+        <p:blipFill>
+          <a:blip r:embed="rId5">
+            <a:extLst>
+              <a:ext uri="{28A0092B-C50C-407E-A947-70E740481C1C}">
+                <a14:useLocalDpi xmlns:a14="http://schemas.microsoft.com/office/drawing/2010/main" val="0"/>
+              </a:ext>
+            </a:extLst>
+          </a:blip>
+          <a:srcRect/>
+          <a:stretch>
+            <a:fillRect/>
+          </a:stretch>
+        </p:blipFill>
+        <p:spPr bwMode="auto">
+          <a:xfrm>
+            <a:off x="2221384" y="5445224"/>
+            <a:ext cx="4325615" cy="1299752"/>
+          </a:xfrm>
+          <a:prstGeom prst="rect">
+            <a:avLst/>
+          </a:prstGeom>
+          <a:noFill/>
+          <a:extLst>
+            <a:ext uri="{909E8E84-426E-40DD-AFC4-6F175D3DCCD1}">
+              <a14:hiddenFill xmlns:a14="http://schemas.microsoft.com/office/drawing/2010/main">
+                <a:solidFill>
+                  <a:srgbClr val="FFFFFF"/>
+                </a:solidFill>
+              </a14:hiddenFill>
+            </a:ext>
+          </a:extLst>
+        </p:spPr>
+      </p:pic>
     </p:spTree>
     <p:extLst>
       <p:ext uri="{BB962C8B-B14F-4D97-AF65-F5344CB8AC3E}">
-        <p14:creationId xmlns:p14="http://schemas.microsoft.com/office/powerpoint/2010/main" val="368853943"/>
+        <p14:creationId xmlns:p14="http://schemas.microsoft.com/office/powerpoint/2010/main" val="1234595430"/>
       </p:ext>
     </p:extLst>
   </p:cSld>
   <p:clrMapOvr>
     <a:masterClrMapping/>
   </p:clrMapOvr>
+  <p:timing>
+    <p:tnLst>
+      <p:par>
+        <p:cTn id="1" dur="indefinite" restart="never" nodeType="tmRoot">
+          <p:childTnLst>
+            <p:seq concurrent="1" nextAc="seek">
+              <p:cTn id="2" dur="indefinite" nodeType="mainSeq">
+                <p:childTnLst>
+                  <p:par>
+                    <p:cTn id="3" fill="hold">
+                      <p:stCondLst>
+                        <p:cond delay="indefinite"/>
+                      </p:stCondLst>
+                      <p:childTnLst>
+                        <p:par>
+                          <p:cTn id="4" fill="hold">
+                            <p:stCondLst>
+                              <p:cond delay="0"/>
+                            </p:stCondLst>
+                            <p:childTnLst>
+                              <p:par>
+                                <p:cTn id="5" presetID="10" presetClass="entr" presetSubtype="0" fill="hold" grpId="0" nodeType="clickEffect">
+                                  <p:stCondLst>
+                                    <p:cond delay="0"/>
+                                  </p:stCondLst>
+                                  <p:childTnLst>
+                                    <p:set>
+                                      <p:cBhvr>
+                                        <p:cTn id="6" dur="1" fill="hold">
+                                          <p:stCondLst>
+                                            <p:cond delay="0"/>
+                                          </p:stCondLst>
+                                        </p:cTn>
+                                        <p:tgtEl>
+                                          <p:spTgt spid="4">
+                                            <p:txEl>
+                                              <p:pRg st="0" end="0"/>
+                                            </p:txEl>
+                                          </p:spTgt>
+                                        </p:tgtEl>
+                                        <p:attrNameLst>
+                                          <p:attrName>style.visibility</p:attrName>
+                                        </p:attrNameLst>
+                                      </p:cBhvr>
+                                      <p:to>
+                                        <p:strVal val="visible"/>
+                                      </p:to>
+                                    </p:set>
+                                    <p:animEffect transition="in" filter="fade">
+                                      <p:cBhvr>
+                                        <p:cTn id="7" dur="500"/>
+                                        <p:tgtEl>
+                                          <p:spTgt spid="4">
+                                            <p:txEl>
+                                              <p:pRg st="0" end="0"/>
+                                            </p:txEl>
+                                          </p:spTgt>
+                                        </p:tgtEl>
+                                      </p:cBhvr>
+                                    </p:animEffect>
+                                  </p:childTnLst>
+                                </p:cTn>
+                              </p:par>
+                            </p:childTnLst>
+                          </p:cTn>
+                        </p:par>
+                      </p:childTnLst>
+                    </p:cTn>
+                  </p:par>
+                  <p:par>
+                    <p:cTn id="8" fill="hold">
+                      <p:stCondLst>
+                        <p:cond delay="indefinite"/>
+                      </p:stCondLst>
+                      <p:childTnLst>
+                        <p:par>
+                          <p:cTn id="9" fill="hold">
+                            <p:stCondLst>
+                              <p:cond delay="0"/>
+                            </p:stCondLst>
+                            <p:childTnLst>
+                              <p:par>
+                                <p:cTn id="10" presetID="10" presetClass="entr" presetSubtype="0" fill="hold" grpId="0" nodeType="clickEffect">
+                                  <p:stCondLst>
+                                    <p:cond delay="0"/>
+                                  </p:stCondLst>
+                                  <p:childTnLst>
+                                    <p:set>
+                                      <p:cBhvr>
+                                        <p:cTn id="11" dur="1" fill="hold">
+                                          <p:stCondLst>
+                                            <p:cond delay="0"/>
+                                          </p:stCondLst>
+                                        </p:cTn>
+                                        <p:tgtEl>
+                                          <p:spTgt spid="4">
+                                            <p:txEl>
+                                              <p:pRg st="1" end="1"/>
+                                            </p:txEl>
+                                          </p:spTgt>
+                                        </p:tgtEl>
+                                        <p:attrNameLst>
+                                          <p:attrName>style.visibility</p:attrName>
+                                        </p:attrNameLst>
+                                      </p:cBhvr>
+                                      <p:to>
+                                        <p:strVal val="visible"/>
+                                      </p:to>
+                                    </p:set>
+                                    <p:animEffect transition="in" filter="fade">
+                                      <p:cBhvr>
+                                        <p:cTn id="12" dur="500"/>
+                                        <p:tgtEl>
+                                          <p:spTgt spid="4">
+                                            <p:txEl>
+                                              <p:pRg st="1" end="1"/>
+                                            </p:txEl>
+                                          </p:spTgt>
+                                        </p:tgtEl>
+                                      </p:cBhvr>
+                                    </p:animEffect>
+                                  </p:childTnLst>
+                                </p:cTn>
+                              </p:par>
+                              <p:par>
+                                <p:cTn id="13" presetID="10" presetClass="entr" presetSubtype="0" fill="hold" nodeType="withEffect">
+                                  <p:stCondLst>
+                                    <p:cond delay="0"/>
+                                  </p:stCondLst>
+                                  <p:childTnLst>
+                                    <p:set>
+                                      <p:cBhvr>
+                                        <p:cTn id="14" dur="1" fill="hold">
+                                          <p:stCondLst>
+                                            <p:cond delay="0"/>
+                                          </p:stCondLst>
+                                        </p:cTn>
+                                        <p:tgtEl>
+                                          <p:spTgt spid="3074"/>
+                                        </p:tgtEl>
+                                        <p:attrNameLst>
+                                          <p:attrName>style.visibility</p:attrName>
+                                        </p:attrNameLst>
+                                      </p:cBhvr>
+                                      <p:to>
+                                        <p:strVal val="visible"/>
+                                      </p:to>
+                                    </p:set>
+                                    <p:animEffect transition="in" filter="fade">
+                                      <p:cBhvr>
+                                        <p:cTn id="15" dur="500"/>
+                                        <p:tgtEl>
+                                          <p:spTgt spid="3074"/>
+                                        </p:tgtEl>
+                                      </p:cBhvr>
+                                    </p:animEffect>
+                                  </p:childTnLst>
+                                </p:cTn>
+                              </p:par>
+                            </p:childTnLst>
+                          </p:cTn>
+                        </p:par>
+                      </p:childTnLst>
+                    </p:cTn>
+                  </p:par>
+                  <p:par>
+                    <p:cTn id="16" fill="hold">
+                      <p:stCondLst>
+                        <p:cond delay="indefinite"/>
+                      </p:stCondLst>
+                      <p:childTnLst>
+                        <p:par>
+                          <p:cTn id="17" fill="hold">
+                            <p:stCondLst>
+                              <p:cond delay="0"/>
+                            </p:stCondLst>
+                            <p:childTnLst>
+                              <p:par>
+                                <p:cTn id="18" presetID="10" presetClass="entr" presetSubtype="0" fill="hold" grpId="0" nodeType="clickEffect">
+                                  <p:stCondLst>
+                                    <p:cond delay="0"/>
+                                  </p:stCondLst>
+                                  <p:childTnLst>
+                                    <p:set>
+                                      <p:cBhvr>
+                                        <p:cTn id="19" dur="1" fill="hold">
+                                          <p:stCondLst>
+                                            <p:cond delay="0"/>
+                                          </p:stCondLst>
+                                        </p:cTn>
+                                        <p:tgtEl>
+                                          <p:spTgt spid="4">
+                                            <p:txEl>
+                                              <p:pRg st="3" end="3"/>
+                                            </p:txEl>
+                                          </p:spTgt>
+                                        </p:tgtEl>
+                                        <p:attrNameLst>
+                                          <p:attrName>style.visibility</p:attrName>
+                                        </p:attrNameLst>
+                                      </p:cBhvr>
+                                      <p:to>
+                                        <p:strVal val="visible"/>
+                                      </p:to>
+                                    </p:set>
+                                    <p:animEffect transition="in" filter="fade">
+                                      <p:cBhvr>
+                                        <p:cTn id="20" dur="500"/>
+                                        <p:tgtEl>
+                                          <p:spTgt spid="4">
+                                            <p:txEl>
+                                              <p:pRg st="3" end="3"/>
+                                            </p:txEl>
+                                          </p:spTgt>
+                                        </p:tgtEl>
+                                      </p:cBhvr>
+                                    </p:animEffect>
+                                  </p:childTnLst>
+                                </p:cTn>
+                              </p:par>
+                              <p:par>
+                                <p:cTn id="21" presetID="10" presetClass="entr" presetSubtype="0" fill="hold" nodeType="withEffect">
+                                  <p:stCondLst>
+                                    <p:cond delay="0"/>
+                                  </p:stCondLst>
+                                  <p:childTnLst>
+                                    <p:set>
+                                      <p:cBhvr>
+                                        <p:cTn id="22" dur="1" fill="hold">
+                                          <p:stCondLst>
+                                            <p:cond delay="0"/>
+                                          </p:stCondLst>
+                                        </p:cTn>
+                                        <p:tgtEl>
+                                          <p:spTgt spid="3075"/>
+                                        </p:tgtEl>
+                                        <p:attrNameLst>
+                                          <p:attrName>style.visibility</p:attrName>
+                                        </p:attrNameLst>
+                                      </p:cBhvr>
+                                      <p:to>
+                                        <p:strVal val="visible"/>
+                                      </p:to>
+                                    </p:set>
+                                    <p:animEffect transition="in" filter="fade">
+                                      <p:cBhvr>
+                                        <p:cTn id="23" dur="500"/>
+                                        <p:tgtEl>
+                                          <p:spTgt spid="3075"/>
+                                        </p:tgtEl>
+                                      </p:cBhvr>
+                                    </p:animEffect>
+                                  </p:childTnLst>
+                                </p:cTn>
+                              </p:par>
+                            </p:childTnLst>
+                          </p:cTn>
+                        </p:par>
+                      </p:childTnLst>
+                    </p:cTn>
+                  </p:par>
+                  <p:par>
+                    <p:cTn id="24" fill="hold">
+                      <p:stCondLst>
+                        <p:cond delay="indefinite"/>
+                      </p:stCondLst>
+                      <p:childTnLst>
+                        <p:par>
+                          <p:cTn id="25" fill="hold">
+                            <p:stCondLst>
+                              <p:cond delay="0"/>
+                            </p:stCondLst>
+                            <p:childTnLst>
+                              <p:par>
+                                <p:cTn id="26" presetID="10" presetClass="entr" presetSubtype="0" fill="hold" grpId="0" nodeType="clickEffect">
+                                  <p:stCondLst>
+                                    <p:cond delay="0"/>
+                                  </p:stCondLst>
+                                  <p:childTnLst>
+                                    <p:set>
+                                      <p:cBhvr>
+                                        <p:cTn id="27" dur="1" fill="hold">
+                                          <p:stCondLst>
+                                            <p:cond delay="0"/>
+                                          </p:stCondLst>
+                                        </p:cTn>
+                                        <p:tgtEl>
+                                          <p:spTgt spid="4">
+                                            <p:txEl>
+                                              <p:pRg st="4" end="4"/>
+                                            </p:txEl>
+                                          </p:spTgt>
+                                        </p:tgtEl>
+                                        <p:attrNameLst>
+                                          <p:attrName>style.visibility</p:attrName>
+                                        </p:attrNameLst>
+                                      </p:cBhvr>
+                                      <p:to>
+                                        <p:strVal val="visible"/>
+                                      </p:to>
+                                    </p:set>
+                                    <p:animEffect transition="in" filter="fade">
+                                      <p:cBhvr>
+                                        <p:cTn id="28" dur="500"/>
+                                        <p:tgtEl>
+                                          <p:spTgt spid="4">
+                                            <p:txEl>
+                                              <p:pRg st="4" end="4"/>
+                                            </p:txEl>
+                                          </p:spTgt>
+                                        </p:tgtEl>
+                                      </p:cBhvr>
+                                    </p:animEffect>
+                                  </p:childTnLst>
+                                </p:cTn>
+                              </p:par>
+                              <p:par>
+                                <p:cTn id="29" presetID="10" presetClass="entr" presetSubtype="0" fill="hold" nodeType="withEffect">
+                                  <p:stCondLst>
+                                    <p:cond delay="0"/>
+                                  </p:stCondLst>
+                                  <p:childTnLst>
+                                    <p:set>
+                                      <p:cBhvr>
+                                        <p:cTn id="30" dur="1" fill="hold">
+                                          <p:stCondLst>
+                                            <p:cond delay="0"/>
+                                          </p:stCondLst>
+                                        </p:cTn>
+                                        <p:tgtEl>
+                                          <p:spTgt spid="3076"/>
+                                        </p:tgtEl>
+                                        <p:attrNameLst>
+                                          <p:attrName>style.visibility</p:attrName>
+                                        </p:attrNameLst>
+                                      </p:cBhvr>
+                                      <p:to>
+                                        <p:strVal val="visible"/>
+                                      </p:to>
+                                    </p:set>
+                                    <p:animEffect transition="in" filter="fade">
+                                      <p:cBhvr>
+                                        <p:cTn id="31" dur="500"/>
+                                        <p:tgtEl>
+                                          <p:spTgt spid="3076"/>
+                                        </p:tgtEl>
+                                      </p:cBhvr>
+                                    </p:animEffect>
+                                  </p:childTnLst>
+                                </p:cTn>
+                              </p:par>
+                            </p:childTnLst>
+                          </p:cTn>
+                        </p:par>
+                      </p:childTnLst>
+                    </p:cTn>
+                  </p:par>
+                  <p:par>
+                    <p:cTn id="32" fill="hold">
+                      <p:stCondLst>
+                        <p:cond delay="indefinite"/>
+                      </p:stCondLst>
+                      <p:childTnLst>
+                        <p:par>
+                          <p:cTn id="33" fill="hold">
+                            <p:stCondLst>
+                              <p:cond delay="0"/>
+                            </p:stCondLst>
+                            <p:childTnLst>
+                              <p:par>
+                                <p:cTn id="34" presetID="10" presetClass="entr" presetSubtype="0" fill="hold" grpId="0" nodeType="clickEffect">
+                                  <p:stCondLst>
+                                    <p:cond delay="0"/>
+                                  </p:stCondLst>
+                                  <p:childTnLst>
+                                    <p:set>
+                                      <p:cBhvr>
+                                        <p:cTn id="35" dur="1" fill="hold">
+                                          <p:stCondLst>
+                                            <p:cond delay="0"/>
+                                          </p:stCondLst>
+                                        </p:cTn>
+                                        <p:tgtEl>
+                                          <p:spTgt spid="4">
+                                            <p:txEl>
+                                              <p:pRg st="6" end="6"/>
+                                            </p:txEl>
+                                          </p:spTgt>
+                                        </p:tgtEl>
+                                        <p:attrNameLst>
+                                          <p:attrName>style.visibility</p:attrName>
+                                        </p:attrNameLst>
+                                      </p:cBhvr>
+                                      <p:to>
+                                        <p:strVal val="visible"/>
+                                      </p:to>
+                                    </p:set>
+                                    <p:animEffect transition="in" filter="fade">
+                                      <p:cBhvr>
+                                        <p:cTn id="36" dur="500"/>
+                                        <p:tgtEl>
+                                          <p:spTgt spid="4">
+                                            <p:txEl>
+                                              <p:pRg st="6" end="6"/>
+                                            </p:txEl>
+                                          </p:spTgt>
+                                        </p:tgtEl>
+                                      </p:cBhvr>
+                                    </p:animEffect>
+                                  </p:childTnLst>
+                                </p:cTn>
+                              </p:par>
+                              <p:par>
+                                <p:cTn id="37" presetID="10" presetClass="entr" presetSubtype="0" fill="hold" nodeType="withEffect">
+                                  <p:stCondLst>
+                                    <p:cond delay="0"/>
+                                  </p:stCondLst>
+                                  <p:childTnLst>
+                                    <p:set>
+                                      <p:cBhvr>
+                                        <p:cTn id="38" dur="1" fill="hold">
+                                          <p:stCondLst>
+                                            <p:cond delay="0"/>
+                                          </p:stCondLst>
+                                        </p:cTn>
+                                        <p:tgtEl>
+                                          <p:spTgt spid="3077"/>
+                                        </p:tgtEl>
+                                        <p:attrNameLst>
+                                          <p:attrName>style.visibility</p:attrName>
+                                        </p:attrNameLst>
+                                      </p:cBhvr>
+                                      <p:to>
+                                        <p:strVal val="visible"/>
+                                      </p:to>
+                                    </p:set>
+                                    <p:animEffect transition="in" filter="fade">
+                                      <p:cBhvr>
+                                        <p:cTn id="39" dur="500"/>
+                                        <p:tgtEl>
+                                          <p:spTgt spid="3077"/>
+                                        </p:tgtEl>
+                                      </p:cBhvr>
+                                    </p:animEffect>
+                                  </p:childTnLst>
+                                </p:cTn>
+                              </p:par>
+                            </p:childTnLst>
+                          </p:cTn>
+                        </p:par>
+                      </p:childTnLst>
+                    </p:cTn>
+                  </p:par>
+                </p:childTnLst>
+              </p:cTn>
+              <p:prevCondLst>
+                <p:cond evt="onPrev" delay="0">
+                  <p:tgtEl>
+                    <p:sldTgt/>
+                  </p:tgtEl>
+                </p:cond>
+              </p:prevCondLst>
+              <p:nextCondLst>
+                <p:cond evt="onNext" delay="0">
+                  <p:tgtEl>
+                    <p:sldTgt/>
+                  </p:tgtEl>
+                </p:cond>
+              </p:nextCondLst>
+            </p:seq>
+          </p:childTnLst>
+        </p:cTn>
+      </p:par>
+    </p:tnLst>
+    <p:bldLst>
+      <p:bldP spid="4" grpId="0" uiExpand="1" build="p"/>
+    </p:bldLst>
+  </p:timing>
 </p:sld>
 </file>
 
@@ -3859,7 +6144,7 @@
                 </a:solidFill>
                 <a:latin typeface="TeXGyreAdventor" pitchFamily="50" charset="0"/>
               </a:rPr>
-              <a:t>Features für Gate 2</a:t>
+              <a:t>Änderungen Sound</a:t>
             </a:r>
             <a:endParaRPr lang="de-DE" dirty="0">
               <a:solidFill>
@@ -3882,358 +6167,231 @@
         </p:nvSpPr>
         <p:spPr/>
         <p:txBody>
-          <a:bodyPr>
-            <a:normAutofit lnSpcReduction="10000"/>
-          </a:bodyPr>
+          <a:bodyPr/>
           <a:lstStyle/>
           <a:p>
-            <a:r>
-              <a:rPr lang="de-DE" dirty="0" err="1" smtClean="0">
-                <a:solidFill>
-                  <a:schemeClr val="bg1"/>
-                </a:solidFill>
-              </a:rPr>
-              <a:t>Refine</a:t>
-            </a:r>
-            <a:r>
-              <a:rPr lang="de-DE" dirty="0" smtClean="0">
-                <a:solidFill>
-                  <a:schemeClr val="bg1"/>
-                </a:solidFill>
-              </a:rPr>
-              <a:t> </a:t>
-            </a:r>
-            <a:r>
-              <a:rPr lang="de-DE" dirty="0" err="1" smtClean="0">
-                <a:solidFill>
-                  <a:schemeClr val="bg1"/>
-                </a:solidFill>
-              </a:rPr>
-              <a:t>enemy</a:t>
-            </a:r>
-            <a:r>
-              <a:rPr lang="de-DE" dirty="0" smtClean="0">
-                <a:solidFill>
-                  <a:schemeClr val="bg1"/>
-                </a:solidFill>
-              </a:rPr>
-              <a:t> </a:t>
-            </a:r>
-            <a:r>
-              <a:rPr lang="de-DE" dirty="0" err="1" smtClean="0">
-                <a:solidFill>
-                  <a:schemeClr val="bg1"/>
-                </a:solidFill>
-              </a:rPr>
-              <a:t>types</a:t>
-            </a:r>
-            <a:endParaRPr lang="de-DE" dirty="0" smtClean="0">
+            <a:pPr marL="0" indent="0" algn="ctr">
+              <a:buNone/>
+            </a:pPr>
+            <a:r>
+              <a:rPr lang="de-DE" b="1" dirty="0" smtClean="0">
+                <a:solidFill>
+                  <a:schemeClr val="bg1"/>
+                </a:solidFill>
+              </a:rPr>
+              <a:t>Jump</a:t>
+            </a:r>
+          </a:p>
+          <a:p>
+            <a:pPr marL="0" indent="0" algn="ctr">
+              <a:buNone/>
+            </a:pPr>
+            <a:endParaRPr lang="de-DE" b="1" dirty="0">
               <a:solidFill>
                 <a:schemeClr val="bg1"/>
               </a:solidFill>
             </a:endParaRPr>
           </a:p>
-          <a:p>
-            <a:r>
-              <a:rPr lang="de-DE" dirty="0" smtClean="0">
-                <a:solidFill>
-                  <a:schemeClr val="bg1"/>
-                </a:solidFill>
-              </a:rPr>
-              <a:t>Fix </a:t>
-            </a:r>
-            <a:r>
-              <a:rPr lang="de-DE" dirty="0" err="1" smtClean="0">
-                <a:solidFill>
-                  <a:schemeClr val="bg1"/>
-                </a:solidFill>
-              </a:rPr>
-              <a:t>current</a:t>
-            </a:r>
-            <a:r>
-              <a:rPr lang="de-DE" dirty="0" smtClean="0">
-                <a:solidFill>
-                  <a:schemeClr val="bg1"/>
-                </a:solidFill>
-              </a:rPr>
-              <a:t> </a:t>
-            </a:r>
-            <a:r>
-              <a:rPr lang="de-DE" dirty="0" err="1" smtClean="0">
-                <a:solidFill>
-                  <a:schemeClr val="bg1"/>
-                </a:solidFill>
-              </a:rPr>
-              <a:t>bugs</a:t>
-            </a:r>
-            <a:endParaRPr lang="de-DE" dirty="0" smtClean="0">
-              <a:solidFill>
-                <a:schemeClr val="bg1"/>
-              </a:solidFill>
-            </a:endParaRPr>
-          </a:p>
-          <a:p>
-            <a:r>
-              <a:rPr lang="de-DE" dirty="0" err="1" smtClean="0">
-                <a:solidFill>
-                  <a:schemeClr val="bg1"/>
-                </a:solidFill>
-              </a:rPr>
-              <a:t>Spawner</a:t>
-            </a:r>
-            <a:r>
-              <a:rPr lang="de-DE" dirty="0" smtClean="0">
-                <a:solidFill>
-                  <a:schemeClr val="bg1"/>
-                </a:solidFill>
-              </a:rPr>
-              <a:t> </a:t>
-            </a:r>
-            <a:r>
-              <a:rPr lang="de-DE" dirty="0" err="1" smtClean="0">
-                <a:solidFill>
-                  <a:schemeClr val="bg1"/>
-                </a:solidFill>
-              </a:rPr>
-              <a:t>generators</a:t>
-            </a:r>
-            <a:endParaRPr lang="de-DE" dirty="0" smtClean="0">
-              <a:solidFill>
-                <a:schemeClr val="bg1"/>
-              </a:solidFill>
-            </a:endParaRPr>
-          </a:p>
-          <a:p>
-            <a:r>
-              <a:rPr lang="de-DE" dirty="0" smtClean="0">
-                <a:solidFill>
-                  <a:schemeClr val="bg1"/>
-                </a:solidFill>
-              </a:rPr>
-              <a:t>Jump </a:t>
-            </a:r>
-            <a:r>
-              <a:rPr lang="de-DE" dirty="0" err="1" smtClean="0">
-                <a:solidFill>
-                  <a:schemeClr val="bg1"/>
-                </a:solidFill>
-              </a:rPr>
-              <a:t>Attack</a:t>
-            </a:r>
-            <a:endParaRPr lang="de-DE" dirty="0" smtClean="0">
-              <a:solidFill>
-                <a:schemeClr val="bg1"/>
-              </a:solidFill>
-            </a:endParaRPr>
-          </a:p>
-          <a:p>
-            <a:r>
-              <a:rPr lang="de-DE" dirty="0" err="1" smtClean="0">
-                <a:solidFill>
-                  <a:schemeClr val="bg1"/>
-                </a:solidFill>
-              </a:rPr>
-              <a:t>Sync</a:t>
-            </a:r>
-            <a:r>
-              <a:rPr lang="de-DE" dirty="0" smtClean="0">
-                <a:solidFill>
-                  <a:schemeClr val="bg1"/>
-                </a:solidFill>
-              </a:rPr>
-              <a:t> </a:t>
-            </a:r>
-            <a:r>
-              <a:rPr lang="de-DE" dirty="0" err="1" smtClean="0">
-                <a:solidFill>
-                  <a:schemeClr val="bg1"/>
-                </a:solidFill>
-              </a:rPr>
-              <a:t>music</a:t>
-            </a:r>
-            <a:r>
-              <a:rPr lang="de-DE" dirty="0" smtClean="0">
-                <a:solidFill>
-                  <a:schemeClr val="bg1"/>
-                </a:solidFill>
-              </a:rPr>
-              <a:t> </a:t>
-            </a:r>
-            <a:r>
-              <a:rPr lang="de-DE" dirty="0" err="1" smtClean="0">
-                <a:solidFill>
-                  <a:schemeClr val="bg1"/>
-                </a:solidFill>
-              </a:rPr>
-              <a:t>to</a:t>
-            </a:r>
-            <a:r>
-              <a:rPr lang="de-DE" dirty="0" smtClean="0">
-                <a:solidFill>
-                  <a:schemeClr val="bg1"/>
-                </a:solidFill>
-              </a:rPr>
-              <a:t> </a:t>
-            </a:r>
-            <a:r>
-              <a:rPr lang="de-DE" dirty="0" err="1" smtClean="0">
-                <a:solidFill>
-                  <a:schemeClr val="bg1"/>
-                </a:solidFill>
-              </a:rPr>
-              <a:t>hammer</a:t>
-            </a:r>
-            <a:endParaRPr lang="de-DE" dirty="0" smtClean="0">
-              <a:solidFill>
-                <a:schemeClr val="bg1"/>
-              </a:solidFill>
-            </a:endParaRPr>
-          </a:p>
-          <a:p>
-            <a:r>
-              <a:rPr lang="de-DE" dirty="0" err="1" smtClean="0">
-                <a:solidFill>
-                  <a:schemeClr val="bg1"/>
-                </a:solidFill>
-              </a:rPr>
-              <a:t>Health</a:t>
-            </a:r>
-            <a:r>
-              <a:rPr lang="de-DE" dirty="0" smtClean="0">
-                <a:solidFill>
-                  <a:schemeClr val="bg1"/>
-                </a:solidFill>
-              </a:rPr>
-              <a:t> </a:t>
-            </a:r>
-            <a:r>
-              <a:rPr lang="de-DE" dirty="0" err="1" smtClean="0">
-                <a:solidFill>
-                  <a:schemeClr val="bg1"/>
-                </a:solidFill>
-              </a:rPr>
-              <a:t>indicators</a:t>
-            </a:r>
-            <a:r>
-              <a:rPr lang="de-DE" dirty="0" smtClean="0">
-                <a:solidFill>
-                  <a:schemeClr val="bg1"/>
-                </a:solidFill>
-              </a:rPr>
-              <a:t> </a:t>
-            </a:r>
-            <a:r>
-              <a:rPr lang="de-DE" dirty="0" err="1" smtClean="0">
-                <a:solidFill>
-                  <a:schemeClr val="bg1"/>
-                </a:solidFill>
-              </a:rPr>
-              <a:t>exit</a:t>
-            </a:r>
-            <a:r>
-              <a:rPr lang="de-DE" dirty="0" smtClean="0">
-                <a:solidFill>
-                  <a:schemeClr val="bg1"/>
-                </a:solidFill>
-              </a:rPr>
-              <a:t> </a:t>
-            </a:r>
-            <a:r>
-              <a:rPr lang="de-DE" dirty="0" err="1" smtClean="0">
-                <a:solidFill>
-                  <a:schemeClr val="bg1"/>
-                </a:solidFill>
-              </a:rPr>
-              <a:t>and</a:t>
-            </a:r>
-            <a:r>
-              <a:rPr lang="de-DE" dirty="0" smtClean="0">
-                <a:solidFill>
-                  <a:schemeClr val="bg1"/>
-                </a:solidFill>
-              </a:rPr>
-              <a:t> </a:t>
-            </a:r>
-            <a:r>
-              <a:rPr lang="de-DE" dirty="0" err="1" smtClean="0">
-                <a:solidFill>
-                  <a:schemeClr val="bg1"/>
-                </a:solidFill>
-              </a:rPr>
-              <a:t>spawn</a:t>
-            </a:r>
-            <a:endParaRPr lang="de-DE" dirty="0" smtClean="0">
-              <a:solidFill>
-                <a:schemeClr val="bg1"/>
-              </a:solidFill>
-            </a:endParaRPr>
-          </a:p>
-          <a:p>
-            <a:r>
-              <a:rPr lang="de-DE" dirty="0" err="1" smtClean="0">
-                <a:solidFill>
-                  <a:schemeClr val="bg1"/>
-                </a:solidFill>
-              </a:rPr>
-              <a:t>Destructible</a:t>
-            </a:r>
-            <a:r>
-              <a:rPr lang="de-DE" dirty="0" smtClean="0">
-                <a:solidFill>
-                  <a:schemeClr val="bg1"/>
-                </a:solidFill>
-              </a:rPr>
-              <a:t> </a:t>
-            </a:r>
-            <a:r>
-              <a:rPr lang="de-DE" dirty="0" err="1" smtClean="0">
-                <a:solidFill>
-                  <a:schemeClr val="bg1"/>
-                </a:solidFill>
-              </a:rPr>
-              <a:t>furniture</a:t>
-            </a:r>
-            <a:endParaRPr lang="de-DE" dirty="0" smtClean="0">
-              <a:solidFill>
-                <a:schemeClr val="bg1"/>
-              </a:solidFill>
-            </a:endParaRPr>
-          </a:p>
-          <a:p>
-            <a:r>
-              <a:rPr lang="de-DE" dirty="0">
-                <a:solidFill>
-                  <a:schemeClr val="bg1"/>
-                </a:solidFill>
-              </a:rPr>
-              <a:t>More Enemy </a:t>
-            </a:r>
-            <a:r>
-              <a:rPr lang="de-DE" dirty="0" err="1" smtClean="0">
-                <a:solidFill>
-                  <a:schemeClr val="bg1"/>
-                </a:solidFill>
-              </a:rPr>
-              <a:t>types</a:t>
-            </a:r>
-            <a:endParaRPr lang="de-DE" dirty="0">
-              <a:solidFill>
-                <a:schemeClr val="bg1"/>
-              </a:solidFill>
-            </a:endParaRPr>
-          </a:p>
         </p:txBody>
       </p:sp>
+      <p:pic>
+        <p:nvPicPr>
+          <p:cNvPr id="4098" name="Picture 2" descr="C:\Users\jaromir.paarmann\Documents\HammerMan\Art\BilderPPPGate01\JUMP.png"/>
+          <p:cNvPicPr>
+            <a:picLocks noChangeAspect="1" noChangeArrowheads="1"/>
+          </p:cNvPicPr>
+          <p:nvPr/>
+        </p:nvPicPr>
+        <p:blipFill>
+          <a:blip r:embed="rId2">
+            <a:extLst>
+              <a:ext uri="{28A0092B-C50C-407E-A947-70E740481C1C}">
+                <a14:useLocalDpi xmlns:a14="http://schemas.microsoft.com/office/drawing/2010/main" val="0"/>
+              </a:ext>
+            </a:extLst>
+          </a:blip>
+          <a:srcRect/>
+          <a:stretch>
+            <a:fillRect/>
+          </a:stretch>
+        </p:blipFill>
+        <p:spPr bwMode="auto">
+          <a:xfrm>
+            <a:off x="1691680" y="2616200"/>
+            <a:ext cx="5676900" cy="2924175"/>
+          </a:xfrm>
+          <a:prstGeom prst="rect">
+            <a:avLst/>
+          </a:prstGeom>
+          <a:noFill/>
+          <a:extLst>
+            <a:ext uri="{909E8E84-426E-40DD-AFC4-6F175D3DCCD1}">
+              <a14:hiddenFill xmlns:a14="http://schemas.microsoft.com/office/drawing/2010/main">
+                <a:solidFill>
+                  <a:srgbClr val="FFFFFF"/>
+                </a:solidFill>
+              </a14:hiddenFill>
+            </a:ext>
+          </a:extLst>
+        </p:spPr>
+      </p:pic>
     </p:spTree>
     <p:extLst>
       <p:ext uri="{BB962C8B-B14F-4D97-AF65-F5344CB8AC3E}">
-        <p14:creationId xmlns:p14="http://schemas.microsoft.com/office/powerpoint/2010/main" val="1226743436"/>
+        <p14:creationId xmlns:p14="http://schemas.microsoft.com/office/powerpoint/2010/main" val="1159951696"/>
       </p:ext>
     </p:extLst>
   </p:cSld>
   <p:clrMapOvr>
     <a:masterClrMapping/>
   </p:clrMapOvr>
+  <p:timing>
+    <p:tnLst>
+      <p:par>
+        <p:cTn id="1" dur="indefinite" restart="never" nodeType="tmRoot">
+          <p:childTnLst>
+            <p:seq concurrent="1" nextAc="seek">
+              <p:cTn id="2" dur="indefinite" nodeType="mainSeq">
+                <p:childTnLst>
+                  <p:par>
+                    <p:cTn id="3" fill="hold">
+                      <p:stCondLst>
+                        <p:cond delay="indefinite"/>
+                      </p:stCondLst>
+                      <p:childTnLst>
+                        <p:par>
+                          <p:cTn id="4" fill="hold">
+                            <p:stCondLst>
+                              <p:cond delay="0"/>
+                            </p:stCondLst>
+                            <p:childTnLst>
+                              <p:par>
+                                <p:cTn id="5" presetID="10" presetClass="entr" presetSubtype="0" fill="hold" grpId="0" nodeType="clickEffect">
+                                  <p:stCondLst>
+                                    <p:cond delay="0"/>
+                                  </p:stCondLst>
+                                  <p:childTnLst>
+                                    <p:set>
+                                      <p:cBhvr>
+                                        <p:cTn id="6" dur="1" fill="hold">
+                                          <p:stCondLst>
+                                            <p:cond delay="0"/>
+                                          </p:stCondLst>
+                                        </p:cTn>
+                                        <p:tgtEl>
+                                          <p:spTgt spid="3">
+                                            <p:txEl>
+                                              <p:pRg st="0" end="0"/>
+                                            </p:txEl>
+                                          </p:spTgt>
+                                        </p:tgtEl>
+                                        <p:attrNameLst>
+                                          <p:attrName>style.visibility</p:attrName>
+                                        </p:attrNameLst>
+                                      </p:cBhvr>
+                                      <p:to>
+                                        <p:strVal val="visible"/>
+                                      </p:to>
+                                    </p:set>
+                                    <p:animEffect transition="in" filter="fade">
+                                      <p:cBhvr>
+                                        <p:cTn id="7" dur="500"/>
+                                        <p:tgtEl>
+                                          <p:spTgt spid="3">
+                                            <p:txEl>
+                                              <p:pRg st="0" end="0"/>
+                                            </p:txEl>
+                                          </p:spTgt>
+                                        </p:tgtEl>
+                                      </p:cBhvr>
+                                    </p:animEffect>
+                                  </p:childTnLst>
+                                </p:cTn>
+                              </p:par>
+                            </p:childTnLst>
+                          </p:cTn>
+                        </p:par>
+                      </p:childTnLst>
+                    </p:cTn>
+                  </p:par>
+                  <p:par>
+                    <p:cTn id="8" fill="hold">
+                      <p:stCondLst>
+                        <p:cond delay="indefinite"/>
+                      </p:stCondLst>
+                      <p:childTnLst>
+                        <p:par>
+                          <p:cTn id="9" fill="hold">
+                            <p:stCondLst>
+                              <p:cond delay="0"/>
+                            </p:stCondLst>
+                            <p:childTnLst>
+                              <p:par>
+                                <p:cTn id="10" presetID="10" presetClass="entr" presetSubtype="0" fill="hold" nodeType="clickEffect">
+                                  <p:stCondLst>
+                                    <p:cond delay="0"/>
+                                  </p:stCondLst>
+                                  <p:childTnLst>
+                                    <p:set>
+                                      <p:cBhvr>
+                                        <p:cTn id="11" dur="1" fill="hold">
+                                          <p:stCondLst>
+                                            <p:cond delay="0"/>
+                                          </p:stCondLst>
+                                        </p:cTn>
+                                        <p:tgtEl>
+                                          <p:spTgt spid="4098"/>
+                                        </p:tgtEl>
+                                        <p:attrNameLst>
+                                          <p:attrName>style.visibility</p:attrName>
+                                        </p:attrNameLst>
+                                      </p:cBhvr>
+                                      <p:to>
+                                        <p:strVal val="visible"/>
+                                      </p:to>
+                                    </p:set>
+                                    <p:animEffect transition="in" filter="fade">
+                                      <p:cBhvr>
+                                        <p:cTn id="12" dur="500"/>
+                                        <p:tgtEl>
+                                          <p:spTgt spid="4098"/>
+                                        </p:tgtEl>
+                                      </p:cBhvr>
+                                    </p:animEffect>
+                                  </p:childTnLst>
+                                </p:cTn>
+                              </p:par>
+                            </p:childTnLst>
+                          </p:cTn>
+                        </p:par>
+                      </p:childTnLst>
+                    </p:cTn>
+                  </p:par>
+                </p:childTnLst>
+              </p:cTn>
+              <p:prevCondLst>
+                <p:cond evt="onPrev" delay="0">
+                  <p:tgtEl>
+                    <p:sldTgt/>
+                  </p:tgtEl>
+                </p:cond>
+              </p:prevCondLst>
+              <p:nextCondLst>
+                <p:cond evt="onNext" delay="0">
+                  <p:tgtEl>
+                    <p:sldTgt/>
+                  </p:tgtEl>
+                </p:cond>
+              </p:nextCondLst>
+            </p:seq>
+          </p:childTnLst>
+        </p:cTn>
+      </p:par>
+    </p:tnLst>
+    <p:bldLst>
+      <p:bldP spid="3" grpId="0" build="p"/>
+    </p:bldLst>
+  </p:timing>
 </p:sld>
 </file>
 
@@ -4270,15 +6428,15 @@
           <a:lstStyle/>
           <a:p>
             <a:r>
-              <a:rPr lang="de-DE" dirty="0" smtClean="0">
-                <a:solidFill>
-                  <a:schemeClr val="bg1"/>
-                </a:solidFill>
-                <a:latin typeface="TeXGyreAdventor" pitchFamily="50" charset="0"/>
-              </a:rPr>
-              <a:t>Features für Gate 2</a:t>
-            </a:r>
-            <a:endParaRPr lang="de-DE" dirty="0">
+              <a:rPr lang="de-DE" b="1" dirty="0" smtClean="0">
+                <a:solidFill>
+                  <a:schemeClr val="bg1"/>
+                </a:solidFill>
+                <a:latin typeface="TeXGyreAdventor" pitchFamily="50" charset="0"/>
+              </a:rPr>
+              <a:t>Änderungen Art</a:t>
+            </a:r>
+            <a:endParaRPr lang="de-DE" b="1" dirty="0">
               <a:solidFill>
                 <a:schemeClr val="bg1"/>
               </a:solidFill>
@@ -4309,118 +6467,1024 @@
                 <a:solidFill>
                   <a:schemeClr val="bg1"/>
                 </a:solidFill>
-              </a:rPr>
-              <a:t>Enemy </a:t>
-            </a:r>
-            <a:r>
-              <a:rPr lang="de-DE" dirty="0" err="1" smtClean="0">
-                <a:solidFill>
-                  <a:schemeClr val="bg1"/>
-                </a:solidFill>
-              </a:rPr>
-              <a:t>Types</a:t>
-            </a:r>
-            <a:r>
-              <a:rPr lang="de-DE" dirty="0" smtClean="0">
-                <a:solidFill>
-                  <a:schemeClr val="bg1"/>
-                </a:solidFill>
-              </a:rPr>
-              <a:t>:</a:t>
-            </a:r>
-          </a:p>
-          <a:p>
-            <a:pPr lvl="1"/>
-            <a:r>
-              <a:rPr lang="en-US" dirty="0">
-                <a:solidFill>
-                  <a:schemeClr val="bg1"/>
-                </a:solidFill>
-              </a:rPr>
-              <a:t>Exploding enemy</a:t>
-            </a:r>
-            <a:endParaRPr lang="en-US" dirty="0">
+                <a:latin typeface="TeXGyreAdventor" pitchFamily="50" charset="0"/>
+              </a:rPr>
+              <a:t>Hammerschlaganimation</a:t>
+            </a:r>
+          </a:p>
+          <a:p>
+            <a:endParaRPr lang="de-DE" dirty="0" smtClean="0">
               <a:solidFill>
                 <a:schemeClr val="bg1"/>
               </a:solidFill>
+              <a:latin typeface="TeXGyreAdventor" pitchFamily="50" charset="0"/>
             </a:endParaRPr>
           </a:p>
           <a:p>
-            <a:pPr lvl="1"/>
-            <a:r>
-              <a:rPr lang="en-US" dirty="0" err="1">
-                <a:solidFill>
-                  <a:schemeClr val="bg1"/>
-                </a:solidFill>
-              </a:rPr>
-              <a:t>Resurrectable</a:t>
-            </a:r>
-            <a:r>
-              <a:rPr lang="en-US" dirty="0">
-                <a:solidFill>
-                  <a:schemeClr val="bg1"/>
-                </a:solidFill>
-              </a:rPr>
-              <a:t> enemy</a:t>
-            </a:r>
-            <a:endParaRPr lang="en-US" dirty="0">
+            <a:r>
+              <a:rPr lang="de-DE" dirty="0" smtClean="0">
+                <a:solidFill>
+                  <a:schemeClr val="bg1"/>
+                </a:solidFill>
+                <a:latin typeface="TeXGyreAdventor" pitchFamily="50" charset="0"/>
+              </a:rPr>
+              <a:t>Enemy </a:t>
+            </a:r>
+            <a:r>
+              <a:rPr lang="de-DE" dirty="0" err="1" smtClean="0">
+                <a:solidFill>
+                  <a:schemeClr val="bg1"/>
+                </a:solidFill>
+                <a:latin typeface="TeXGyreAdventor" pitchFamily="50" charset="0"/>
+              </a:rPr>
+              <a:t>Walk</a:t>
+            </a:r>
+            <a:r>
+              <a:rPr lang="de-DE" dirty="0" smtClean="0">
+                <a:solidFill>
+                  <a:schemeClr val="bg1"/>
+                </a:solidFill>
+                <a:latin typeface="TeXGyreAdventor" pitchFamily="50" charset="0"/>
+              </a:rPr>
+              <a:t> </a:t>
+            </a:r>
+            <a:r>
+              <a:rPr lang="de-DE" dirty="0" smtClean="0">
+                <a:solidFill>
+                  <a:schemeClr val="bg1"/>
+                </a:solidFill>
+                <a:latin typeface="TeXGyreAdventor" pitchFamily="50" charset="0"/>
+              </a:rPr>
+              <a:t>Animation</a:t>
+            </a:r>
+          </a:p>
+          <a:p>
+            <a:endParaRPr lang="de-DE" dirty="0" smtClean="0">
               <a:solidFill>
                 <a:schemeClr val="bg1"/>
               </a:solidFill>
+              <a:latin typeface="TeXGyreAdventor" pitchFamily="50" charset="0"/>
             </a:endParaRPr>
           </a:p>
           <a:p>
-            <a:pPr lvl="1"/>
-            <a:r>
-              <a:rPr lang="en-US" dirty="0">
-                <a:solidFill>
-                  <a:schemeClr val="bg1"/>
-                </a:solidFill>
-              </a:rPr>
-              <a:t>Armored enemy</a:t>
-            </a:r>
-            <a:endParaRPr lang="en-US" dirty="0">
+            <a:r>
+              <a:rPr lang="de-DE" dirty="0" smtClean="0">
+                <a:solidFill>
+                  <a:schemeClr val="bg1"/>
+                </a:solidFill>
+                <a:latin typeface="TeXGyreAdventor" pitchFamily="50" charset="0"/>
+              </a:rPr>
+              <a:t>Enemy </a:t>
+            </a:r>
+            <a:r>
+              <a:rPr lang="de-DE" dirty="0" err="1" smtClean="0">
+                <a:solidFill>
+                  <a:schemeClr val="bg1"/>
+                </a:solidFill>
+                <a:latin typeface="TeXGyreAdventor" pitchFamily="50" charset="0"/>
+              </a:rPr>
+              <a:t>Types</a:t>
+            </a:r>
+            <a:endParaRPr lang="de-DE" dirty="0" smtClean="0">
               <a:solidFill>
                 <a:schemeClr val="bg1"/>
               </a:solidFill>
+              <a:latin typeface="TeXGyreAdventor" pitchFamily="50" charset="0"/>
             </a:endParaRPr>
           </a:p>
           <a:p>
-            <a:pPr lvl="1"/>
-            <a:r>
-              <a:rPr lang="en-US" dirty="0">
-                <a:solidFill>
-                  <a:schemeClr val="bg1"/>
-                </a:solidFill>
-              </a:rPr>
-              <a:t>Toss-able enemy</a:t>
-            </a:r>
-            <a:endParaRPr lang="en-US" dirty="0">
+            <a:pPr marL="0" indent="0">
+              <a:buNone/>
+            </a:pPr>
+            <a:endParaRPr lang="de-DE" dirty="0" smtClean="0">
               <a:solidFill>
                 <a:schemeClr val="bg1"/>
               </a:solidFill>
+              <a:latin typeface="TeXGyreAdventor" pitchFamily="50" charset="0"/>
             </a:endParaRPr>
           </a:p>
           <a:p>
-            <a:pPr lvl="1"/>
+            <a:r>
+              <a:rPr lang="de-DE" dirty="0" smtClean="0">
+                <a:solidFill>
+                  <a:schemeClr val="bg1"/>
+                </a:solidFill>
+                <a:latin typeface="TeXGyreAdventor" pitchFamily="50" charset="0"/>
+              </a:rPr>
+              <a:t>Hintergrund</a:t>
+            </a:r>
+            <a:endParaRPr lang="de-DE" dirty="0" smtClean="0">
+              <a:solidFill>
+                <a:schemeClr val="bg1"/>
+              </a:solidFill>
+              <a:latin typeface="TeXGyreAdventor" pitchFamily="50" charset="0"/>
+            </a:endParaRPr>
+          </a:p>
+          <a:p>
             <a:endParaRPr lang="de-DE" dirty="0">
               <a:solidFill>
                 <a:schemeClr val="bg1"/>
               </a:solidFill>
+              <a:latin typeface="TeXGyreAdventor" pitchFamily="50" charset="0"/>
             </a:endParaRPr>
           </a:p>
         </p:txBody>
       </p:sp>
+      <p:pic>
+        <p:nvPicPr>
+          <p:cNvPr id="5122" name="Picture 2" descr="C:\Users\jaromir.paarmann\Documents\HammerMan\Art\BilderPPPGate01\BackgroundFlowers.PNG"/>
+          <p:cNvPicPr>
+            <a:picLocks noChangeAspect="1" noChangeArrowheads="1"/>
+          </p:cNvPicPr>
+          <p:nvPr/>
+        </p:nvPicPr>
+        <p:blipFill>
+          <a:blip r:embed="rId2">
+            <a:extLst>
+              <a:ext uri="{28A0092B-C50C-407E-A947-70E740481C1C}">
+                <a14:useLocalDpi xmlns:a14="http://schemas.microsoft.com/office/drawing/2010/main" val="0"/>
+              </a:ext>
+            </a:extLst>
+          </a:blip>
+          <a:srcRect/>
+          <a:stretch>
+            <a:fillRect/>
+          </a:stretch>
+        </p:blipFill>
+        <p:spPr bwMode="auto">
+          <a:xfrm>
+            <a:off x="6425672" y="5171850"/>
+            <a:ext cx="1738678" cy="1266825"/>
+          </a:xfrm>
+          <a:prstGeom prst="rect">
+            <a:avLst/>
+          </a:prstGeom>
+          <a:noFill/>
+          <a:extLst>
+            <a:ext uri="{909E8E84-426E-40DD-AFC4-6F175D3DCCD1}">
+              <a14:hiddenFill xmlns:a14="http://schemas.microsoft.com/office/drawing/2010/main">
+                <a:solidFill>
+                  <a:srgbClr val="FFFFFF"/>
+                </a:solidFill>
+              </a14:hiddenFill>
+            </a:ext>
+          </a:extLst>
+        </p:spPr>
+      </p:pic>
+      <p:pic>
+        <p:nvPicPr>
+          <p:cNvPr id="5123" name="Picture 3" descr="C:\Users\jaromir.paarmann\Documents\HammerMan\Art\BilderPPPGate01\BackgroundTexture.PNG"/>
+          <p:cNvPicPr>
+            <a:picLocks noChangeAspect="1" noChangeArrowheads="1"/>
+          </p:cNvPicPr>
+          <p:nvPr/>
+        </p:nvPicPr>
+        <p:blipFill>
+          <a:blip r:embed="rId3">
+            <a:extLst>
+              <a:ext uri="{28A0092B-C50C-407E-A947-70E740481C1C}">
+                <a14:useLocalDpi xmlns:a14="http://schemas.microsoft.com/office/drawing/2010/main" val="0"/>
+              </a:ext>
+            </a:extLst>
+          </a:blip>
+          <a:srcRect/>
+          <a:stretch>
+            <a:fillRect/>
+          </a:stretch>
+        </p:blipFill>
+        <p:spPr bwMode="auto">
+          <a:xfrm>
+            <a:off x="4864586" y="5171850"/>
+            <a:ext cx="1333500" cy="1266825"/>
+          </a:xfrm>
+          <a:prstGeom prst="rect">
+            <a:avLst/>
+          </a:prstGeom>
+          <a:noFill/>
+          <a:extLst>
+            <a:ext uri="{909E8E84-426E-40DD-AFC4-6F175D3DCCD1}">
+              <a14:hiddenFill xmlns:a14="http://schemas.microsoft.com/office/drawing/2010/main">
+                <a:solidFill>
+                  <a:srgbClr val="FFFFFF"/>
+                </a:solidFill>
+              </a14:hiddenFill>
+            </a:ext>
+          </a:extLst>
+        </p:spPr>
+      </p:pic>
+      <p:pic>
+        <p:nvPicPr>
+          <p:cNvPr id="5132" name="Picture 12" descr="C:\Users\jaromir.paarmann\Documents\HammerMan\Art\EnemyPictures\SpawningEnemy.png"/>
+          <p:cNvPicPr>
+            <a:picLocks noChangeAspect="1" noChangeArrowheads="1"/>
+          </p:cNvPicPr>
+          <p:nvPr/>
+        </p:nvPicPr>
+        <p:blipFill>
+          <a:blip r:embed="rId4" cstate="print">
+            <a:extLst>
+              <a:ext uri="{28A0092B-C50C-407E-A947-70E740481C1C}">
+                <a14:useLocalDpi xmlns:a14="http://schemas.microsoft.com/office/drawing/2010/main" val="0"/>
+              </a:ext>
+            </a:extLst>
+          </a:blip>
+          <a:srcRect/>
+          <a:stretch>
+            <a:fillRect/>
+          </a:stretch>
+        </p:blipFill>
+        <p:spPr bwMode="auto">
+          <a:xfrm>
+            <a:off x="3589684" y="3717032"/>
+            <a:ext cx="1000994" cy="1000994"/>
+          </a:xfrm>
+          <a:prstGeom prst="rect">
+            <a:avLst/>
+          </a:prstGeom>
+          <a:noFill/>
+          <a:extLst>
+            <a:ext uri="{909E8E84-426E-40DD-AFC4-6F175D3DCCD1}">
+              <a14:hiddenFill xmlns:a14="http://schemas.microsoft.com/office/drawing/2010/main">
+                <a:solidFill>
+                  <a:srgbClr val="FFFFFF"/>
+                </a:solidFill>
+              </a14:hiddenFill>
+            </a:ext>
+          </a:extLst>
+        </p:spPr>
+      </p:pic>
+      <p:pic>
+        <p:nvPicPr>
+          <p:cNvPr id="5133" name="Picture 13" descr="C:\Users\jaromir.paarmann\Documents\HammerMan\Art\EnemyPictures\ShockwaveEnemy.png"/>
+          <p:cNvPicPr>
+            <a:picLocks noChangeAspect="1" noChangeArrowheads="1"/>
+          </p:cNvPicPr>
+          <p:nvPr/>
+        </p:nvPicPr>
+        <p:blipFill>
+          <a:blip r:embed="rId5" cstate="print">
+            <a:extLst>
+              <a:ext uri="{28A0092B-C50C-407E-A947-70E740481C1C}">
+                <a14:useLocalDpi xmlns:a14="http://schemas.microsoft.com/office/drawing/2010/main" val="0"/>
+              </a:ext>
+            </a:extLst>
+          </a:blip>
+          <a:srcRect/>
+          <a:stretch>
+            <a:fillRect/>
+          </a:stretch>
+        </p:blipFill>
+        <p:spPr bwMode="auto">
+          <a:xfrm>
+            <a:off x="6454521" y="3663120"/>
+            <a:ext cx="1108817" cy="1108817"/>
+          </a:xfrm>
+          <a:prstGeom prst="rect">
+            <a:avLst/>
+          </a:prstGeom>
+          <a:noFill/>
+          <a:extLst>
+            <a:ext uri="{909E8E84-426E-40DD-AFC4-6F175D3DCCD1}">
+              <a14:hiddenFill xmlns:a14="http://schemas.microsoft.com/office/drawing/2010/main">
+                <a:solidFill>
+                  <a:srgbClr val="FFFFFF"/>
+                </a:solidFill>
+              </a14:hiddenFill>
+            </a:ext>
+          </a:extLst>
+        </p:spPr>
+      </p:pic>
+      <p:pic>
+        <p:nvPicPr>
+          <p:cNvPr id="5134" name="Picture 14" descr="C:\Users\jaromir.paarmann\Documents\HammerMan\Art\EnemyPictures\RepairEnemy.png"/>
+          <p:cNvPicPr>
+            <a:picLocks noChangeAspect="1" noChangeArrowheads="1"/>
+          </p:cNvPicPr>
+          <p:nvPr/>
+        </p:nvPicPr>
+        <p:blipFill>
+          <a:blip r:embed="rId6" cstate="print">
+            <a:extLst>
+              <a:ext uri="{28A0092B-C50C-407E-A947-70E740481C1C}">
+                <a14:useLocalDpi xmlns:a14="http://schemas.microsoft.com/office/drawing/2010/main" val="0"/>
+              </a:ext>
+            </a:extLst>
+          </a:blip>
+          <a:srcRect/>
+          <a:stretch>
+            <a:fillRect/>
+          </a:stretch>
+        </p:blipFill>
+        <p:spPr bwMode="auto">
+          <a:xfrm>
+            <a:off x="5616779" y="2436417"/>
+            <a:ext cx="1162614" cy="1162614"/>
+          </a:xfrm>
+          <a:prstGeom prst="rect">
+            <a:avLst/>
+          </a:prstGeom>
+          <a:noFill/>
+          <a:extLst>
+            <a:ext uri="{909E8E84-426E-40DD-AFC4-6F175D3DCCD1}">
+              <a14:hiddenFill xmlns:a14="http://schemas.microsoft.com/office/drawing/2010/main">
+                <a:solidFill>
+                  <a:srgbClr val="FFFFFF"/>
+                </a:solidFill>
+              </a14:hiddenFill>
+            </a:ext>
+          </a:extLst>
+        </p:spPr>
+      </p:pic>
+      <p:pic>
+        <p:nvPicPr>
+          <p:cNvPr id="5135" name="Picture 15" descr="C:\Users\jaromir.paarmann\Documents\HammerMan\Art\EnemyPictures\OneSidedEnemy.png"/>
+          <p:cNvPicPr>
+            <a:picLocks noChangeAspect="1" noChangeArrowheads="1"/>
+          </p:cNvPicPr>
+          <p:nvPr/>
+        </p:nvPicPr>
+        <p:blipFill>
+          <a:blip r:embed="rId7" cstate="print">
+            <a:extLst>
+              <a:ext uri="{28A0092B-C50C-407E-A947-70E740481C1C}">
+                <a14:useLocalDpi xmlns:a14="http://schemas.microsoft.com/office/drawing/2010/main" val="0"/>
+              </a:ext>
+            </a:extLst>
+          </a:blip>
+          <a:srcRect/>
+          <a:stretch>
+            <a:fillRect/>
+          </a:stretch>
+        </p:blipFill>
+        <p:spPr bwMode="auto">
+          <a:xfrm>
+            <a:off x="4990811" y="3599031"/>
+            <a:ext cx="1118996" cy="1118996"/>
+          </a:xfrm>
+          <a:prstGeom prst="rect">
+            <a:avLst/>
+          </a:prstGeom>
+          <a:noFill/>
+          <a:extLst>
+            <a:ext uri="{909E8E84-426E-40DD-AFC4-6F175D3DCCD1}">
+              <a14:hiddenFill xmlns:a14="http://schemas.microsoft.com/office/drawing/2010/main">
+                <a:solidFill>
+                  <a:srgbClr val="FFFFFF"/>
+                </a:solidFill>
+              </a14:hiddenFill>
+            </a:ext>
+          </a:extLst>
+        </p:spPr>
+      </p:pic>
+      <p:pic>
+        <p:nvPicPr>
+          <p:cNvPr id="5136" name="Picture 16" descr="C:\Users\jaromir.paarmann\Documents\HammerMan\Assets\Graphic\BackgroundTextures\BrickWall.png"/>
+          <p:cNvPicPr>
+            <a:picLocks noChangeAspect="1" noChangeArrowheads="1"/>
+          </p:cNvPicPr>
+          <p:nvPr/>
+        </p:nvPicPr>
+        <p:blipFill>
+          <a:blip r:embed="rId8">
+            <a:extLst>
+              <a:ext uri="{28A0092B-C50C-407E-A947-70E740481C1C}">
+                <a14:useLocalDpi xmlns:a14="http://schemas.microsoft.com/office/drawing/2010/main" val="0"/>
+              </a:ext>
+            </a:extLst>
+          </a:blip>
+          <a:srcRect/>
+          <a:stretch>
+            <a:fillRect/>
+          </a:stretch>
+        </p:blipFill>
+        <p:spPr bwMode="auto">
+          <a:xfrm>
+            <a:off x="3709827" y="5171850"/>
+            <a:ext cx="912133" cy="1368201"/>
+          </a:xfrm>
+          <a:prstGeom prst="rect">
+            <a:avLst/>
+          </a:prstGeom>
+          <a:noFill/>
+          <a:extLst>
+            <a:ext uri="{909E8E84-426E-40DD-AFC4-6F175D3DCCD1}">
+              <a14:hiddenFill xmlns:a14="http://schemas.microsoft.com/office/drawing/2010/main">
+                <a:solidFill>
+                  <a:srgbClr val="FFFFFF"/>
+                </a:solidFill>
+              </a14:hiddenFill>
+            </a:ext>
+          </a:extLst>
+        </p:spPr>
+      </p:pic>
+      <p:pic>
+        <p:nvPicPr>
+          <p:cNvPr id="5137" name="Picture 17" descr="C:\Users\jaromir.paarmann\Documents\HammerMan\Art\BilderPPPGate01\Hammerkaeger.PNG"/>
+          <p:cNvPicPr>
+            <a:picLocks noChangeAspect="1" noChangeArrowheads="1"/>
+          </p:cNvPicPr>
+          <p:nvPr/>
+        </p:nvPicPr>
+        <p:blipFill>
+          <a:blip r:embed="rId9">
+            <a:extLst>
+              <a:ext uri="{28A0092B-C50C-407E-A947-70E740481C1C}">
+                <a14:useLocalDpi xmlns:a14="http://schemas.microsoft.com/office/drawing/2010/main" val="0"/>
+              </a:ext>
+            </a:extLst>
+          </a:blip>
+          <a:srcRect/>
+          <a:stretch>
+            <a:fillRect/>
+          </a:stretch>
+        </p:blipFill>
+        <p:spPr bwMode="auto">
+          <a:xfrm>
+            <a:off x="6944701" y="1052736"/>
+            <a:ext cx="1237274" cy="2341190"/>
+          </a:xfrm>
+          <a:prstGeom prst="rect">
+            <a:avLst/>
+          </a:prstGeom>
+          <a:noFill/>
+          <a:extLst>
+            <a:ext uri="{909E8E84-426E-40DD-AFC4-6F175D3DCCD1}">
+              <a14:hiddenFill xmlns:a14="http://schemas.microsoft.com/office/drawing/2010/main">
+                <a:solidFill>
+                  <a:srgbClr val="FFFFFF"/>
+                </a:solidFill>
+              </a14:hiddenFill>
+            </a:ext>
+          </a:extLst>
+        </p:spPr>
+      </p:pic>
     </p:spTree>
     <p:extLst>
       <p:ext uri="{BB962C8B-B14F-4D97-AF65-F5344CB8AC3E}">
-        <p14:creationId xmlns:p14="http://schemas.microsoft.com/office/powerpoint/2010/main" val="2688108123"/>
+        <p14:creationId xmlns:p14="http://schemas.microsoft.com/office/powerpoint/2010/main" val="368853943"/>
       </p:ext>
     </p:extLst>
   </p:cSld>
   <p:clrMapOvr>
     <a:masterClrMapping/>
   </p:clrMapOvr>
+  <p:timing>
+    <p:tnLst>
+      <p:par>
+        <p:cTn id="1" dur="indefinite" restart="never" nodeType="tmRoot">
+          <p:childTnLst>
+            <p:seq concurrent="1" nextAc="seek">
+              <p:cTn id="2" dur="indefinite" nodeType="mainSeq">
+                <p:childTnLst>
+                  <p:par>
+                    <p:cTn id="3" fill="hold">
+                      <p:stCondLst>
+                        <p:cond delay="indefinite"/>
+                      </p:stCondLst>
+                      <p:childTnLst>
+                        <p:par>
+                          <p:cTn id="4" fill="hold">
+                            <p:stCondLst>
+                              <p:cond delay="0"/>
+                            </p:stCondLst>
+                            <p:childTnLst>
+                              <p:par>
+                                <p:cTn id="5" presetID="10" presetClass="entr" presetSubtype="0" fill="hold" grpId="0" nodeType="clickEffect">
+                                  <p:stCondLst>
+                                    <p:cond delay="0"/>
+                                  </p:stCondLst>
+                                  <p:childTnLst>
+                                    <p:set>
+                                      <p:cBhvr>
+                                        <p:cTn id="6" dur="1" fill="hold">
+                                          <p:stCondLst>
+                                            <p:cond delay="0"/>
+                                          </p:stCondLst>
+                                        </p:cTn>
+                                        <p:tgtEl>
+                                          <p:spTgt spid="3">
+                                            <p:txEl>
+                                              <p:pRg st="0" end="0"/>
+                                            </p:txEl>
+                                          </p:spTgt>
+                                        </p:tgtEl>
+                                        <p:attrNameLst>
+                                          <p:attrName>style.visibility</p:attrName>
+                                        </p:attrNameLst>
+                                      </p:cBhvr>
+                                      <p:to>
+                                        <p:strVal val="visible"/>
+                                      </p:to>
+                                    </p:set>
+                                    <p:animEffect transition="in" filter="fade">
+                                      <p:cBhvr>
+                                        <p:cTn id="7" dur="500"/>
+                                        <p:tgtEl>
+                                          <p:spTgt spid="3">
+                                            <p:txEl>
+                                              <p:pRg st="0" end="0"/>
+                                            </p:txEl>
+                                          </p:spTgt>
+                                        </p:tgtEl>
+                                      </p:cBhvr>
+                                    </p:animEffect>
+                                  </p:childTnLst>
+                                </p:cTn>
+                              </p:par>
+                              <p:par>
+                                <p:cTn id="8" presetID="10" presetClass="entr" presetSubtype="0" fill="hold" nodeType="withEffect">
+                                  <p:stCondLst>
+                                    <p:cond delay="0"/>
+                                  </p:stCondLst>
+                                  <p:childTnLst>
+                                    <p:set>
+                                      <p:cBhvr>
+                                        <p:cTn id="9" dur="1" fill="hold">
+                                          <p:stCondLst>
+                                            <p:cond delay="0"/>
+                                          </p:stCondLst>
+                                        </p:cTn>
+                                        <p:tgtEl>
+                                          <p:spTgt spid="5137"/>
+                                        </p:tgtEl>
+                                        <p:attrNameLst>
+                                          <p:attrName>style.visibility</p:attrName>
+                                        </p:attrNameLst>
+                                      </p:cBhvr>
+                                      <p:to>
+                                        <p:strVal val="visible"/>
+                                      </p:to>
+                                    </p:set>
+                                    <p:animEffect transition="in" filter="fade">
+                                      <p:cBhvr>
+                                        <p:cTn id="10" dur="500"/>
+                                        <p:tgtEl>
+                                          <p:spTgt spid="5137"/>
+                                        </p:tgtEl>
+                                      </p:cBhvr>
+                                    </p:animEffect>
+                                  </p:childTnLst>
+                                </p:cTn>
+                              </p:par>
+                            </p:childTnLst>
+                          </p:cTn>
+                        </p:par>
+                      </p:childTnLst>
+                    </p:cTn>
+                  </p:par>
+                  <p:par>
+                    <p:cTn id="11" fill="hold">
+                      <p:stCondLst>
+                        <p:cond delay="indefinite"/>
+                      </p:stCondLst>
+                      <p:childTnLst>
+                        <p:par>
+                          <p:cTn id="12" fill="hold">
+                            <p:stCondLst>
+                              <p:cond delay="0"/>
+                            </p:stCondLst>
+                            <p:childTnLst>
+                              <p:par>
+                                <p:cTn id="13" presetID="10" presetClass="entr" presetSubtype="0" fill="hold" grpId="0" nodeType="clickEffect">
+                                  <p:stCondLst>
+                                    <p:cond delay="0"/>
+                                  </p:stCondLst>
+                                  <p:childTnLst>
+                                    <p:set>
+                                      <p:cBhvr>
+                                        <p:cTn id="14" dur="1" fill="hold">
+                                          <p:stCondLst>
+                                            <p:cond delay="0"/>
+                                          </p:stCondLst>
+                                        </p:cTn>
+                                        <p:tgtEl>
+                                          <p:spTgt spid="3">
+                                            <p:txEl>
+                                              <p:pRg st="2" end="2"/>
+                                            </p:txEl>
+                                          </p:spTgt>
+                                        </p:tgtEl>
+                                        <p:attrNameLst>
+                                          <p:attrName>style.visibility</p:attrName>
+                                        </p:attrNameLst>
+                                      </p:cBhvr>
+                                      <p:to>
+                                        <p:strVal val="visible"/>
+                                      </p:to>
+                                    </p:set>
+                                    <p:animEffect transition="in" filter="fade">
+                                      <p:cBhvr>
+                                        <p:cTn id="15" dur="500"/>
+                                        <p:tgtEl>
+                                          <p:spTgt spid="3">
+                                            <p:txEl>
+                                              <p:pRg st="2" end="2"/>
+                                            </p:txEl>
+                                          </p:spTgt>
+                                        </p:tgtEl>
+                                      </p:cBhvr>
+                                    </p:animEffect>
+                                  </p:childTnLst>
+                                </p:cTn>
+                              </p:par>
+                              <p:par>
+                                <p:cTn id="16" presetID="10" presetClass="entr" presetSubtype="0" fill="hold" nodeType="withEffect">
+                                  <p:stCondLst>
+                                    <p:cond delay="0"/>
+                                  </p:stCondLst>
+                                  <p:childTnLst>
+                                    <p:set>
+                                      <p:cBhvr>
+                                        <p:cTn id="17" dur="1" fill="hold">
+                                          <p:stCondLst>
+                                            <p:cond delay="0"/>
+                                          </p:stCondLst>
+                                        </p:cTn>
+                                        <p:tgtEl>
+                                          <p:spTgt spid="5134"/>
+                                        </p:tgtEl>
+                                        <p:attrNameLst>
+                                          <p:attrName>style.visibility</p:attrName>
+                                        </p:attrNameLst>
+                                      </p:cBhvr>
+                                      <p:to>
+                                        <p:strVal val="visible"/>
+                                      </p:to>
+                                    </p:set>
+                                    <p:animEffect transition="in" filter="fade">
+                                      <p:cBhvr>
+                                        <p:cTn id="18" dur="500"/>
+                                        <p:tgtEl>
+                                          <p:spTgt spid="5134"/>
+                                        </p:tgtEl>
+                                      </p:cBhvr>
+                                    </p:animEffect>
+                                  </p:childTnLst>
+                                </p:cTn>
+                              </p:par>
+                            </p:childTnLst>
+                          </p:cTn>
+                        </p:par>
+                      </p:childTnLst>
+                    </p:cTn>
+                  </p:par>
+                  <p:par>
+                    <p:cTn id="19" fill="hold">
+                      <p:stCondLst>
+                        <p:cond delay="indefinite"/>
+                      </p:stCondLst>
+                      <p:childTnLst>
+                        <p:par>
+                          <p:cTn id="20" fill="hold">
+                            <p:stCondLst>
+                              <p:cond delay="0"/>
+                            </p:stCondLst>
+                            <p:childTnLst>
+                              <p:par>
+                                <p:cTn id="21" presetID="10" presetClass="entr" presetSubtype="0" fill="hold" grpId="0" nodeType="clickEffect">
+                                  <p:stCondLst>
+                                    <p:cond delay="0"/>
+                                  </p:stCondLst>
+                                  <p:childTnLst>
+                                    <p:set>
+                                      <p:cBhvr>
+                                        <p:cTn id="22" dur="1" fill="hold">
+                                          <p:stCondLst>
+                                            <p:cond delay="0"/>
+                                          </p:stCondLst>
+                                        </p:cTn>
+                                        <p:tgtEl>
+                                          <p:spTgt spid="3">
+                                            <p:txEl>
+                                              <p:pRg st="4" end="4"/>
+                                            </p:txEl>
+                                          </p:spTgt>
+                                        </p:tgtEl>
+                                        <p:attrNameLst>
+                                          <p:attrName>style.visibility</p:attrName>
+                                        </p:attrNameLst>
+                                      </p:cBhvr>
+                                      <p:to>
+                                        <p:strVal val="visible"/>
+                                      </p:to>
+                                    </p:set>
+                                    <p:animEffect transition="in" filter="fade">
+                                      <p:cBhvr>
+                                        <p:cTn id="23" dur="500"/>
+                                        <p:tgtEl>
+                                          <p:spTgt spid="3">
+                                            <p:txEl>
+                                              <p:pRg st="4" end="4"/>
+                                            </p:txEl>
+                                          </p:spTgt>
+                                        </p:tgtEl>
+                                      </p:cBhvr>
+                                    </p:animEffect>
+                                  </p:childTnLst>
+                                </p:cTn>
+                              </p:par>
+                              <p:par>
+                                <p:cTn id="24" presetID="10" presetClass="entr" presetSubtype="0" fill="hold" nodeType="withEffect">
+                                  <p:stCondLst>
+                                    <p:cond delay="0"/>
+                                  </p:stCondLst>
+                                  <p:childTnLst>
+                                    <p:set>
+                                      <p:cBhvr>
+                                        <p:cTn id="25" dur="1" fill="hold">
+                                          <p:stCondLst>
+                                            <p:cond delay="0"/>
+                                          </p:stCondLst>
+                                        </p:cTn>
+                                        <p:tgtEl>
+                                          <p:spTgt spid="5132"/>
+                                        </p:tgtEl>
+                                        <p:attrNameLst>
+                                          <p:attrName>style.visibility</p:attrName>
+                                        </p:attrNameLst>
+                                      </p:cBhvr>
+                                      <p:to>
+                                        <p:strVal val="visible"/>
+                                      </p:to>
+                                    </p:set>
+                                    <p:animEffect transition="in" filter="fade">
+                                      <p:cBhvr>
+                                        <p:cTn id="26" dur="500"/>
+                                        <p:tgtEl>
+                                          <p:spTgt spid="5132"/>
+                                        </p:tgtEl>
+                                      </p:cBhvr>
+                                    </p:animEffect>
+                                  </p:childTnLst>
+                                </p:cTn>
+                              </p:par>
+                              <p:par>
+                                <p:cTn id="27" presetID="10" presetClass="entr" presetSubtype="0" fill="hold" nodeType="withEffect">
+                                  <p:stCondLst>
+                                    <p:cond delay="0"/>
+                                  </p:stCondLst>
+                                  <p:childTnLst>
+                                    <p:set>
+                                      <p:cBhvr>
+                                        <p:cTn id="28" dur="1" fill="hold">
+                                          <p:stCondLst>
+                                            <p:cond delay="0"/>
+                                          </p:stCondLst>
+                                        </p:cTn>
+                                        <p:tgtEl>
+                                          <p:spTgt spid="5135"/>
+                                        </p:tgtEl>
+                                        <p:attrNameLst>
+                                          <p:attrName>style.visibility</p:attrName>
+                                        </p:attrNameLst>
+                                      </p:cBhvr>
+                                      <p:to>
+                                        <p:strVal val="visible"/>
+                                      </p:to>
+                                    </p:set>
+                                    <p:animEffect transition="in" filter="fade">
+                                      <p:cBhvr>
+                                        <p:cTn id="29" dur="500"/>
+                                        <p:tgtEl>
+                                          <p:spTgt spid="5135"/>
+                                        </p:tgtEl>
+                                      </p:cBhvr>
+                                    </p:animEffect>
+                                  </p:childTnLst>
+                                </p:cTn>
+                              </p:par>
+                              <p:par>
+                                <p:cTn id="30" presetID="10" presetClass="entr" presetSubtype="0" fill="hold" nodeType="withEffect">
+                                  <p:stCondLst>
+                                    <p:cond delay="0"/>
+                                  </p:stCondLst>
+                                  <p:childTnLst>
+                                    <p:set>
+                                      <p:cBhvr>
+                                        <p:cTn id="31" dur="1" fill="hold">
+                                          <p:stCondLst>
+                                            <p:cond delay="0"/>
+                                          </p:stCondLst>
+                                        </p:cTn>
+                                        <p:tgtEl>
+                                          <p:spTgt spid="5133"/>
+                                        </p:tgtEl>
+                                        <p:attrNameLst>
+                                          <p:attrName>style.visibility</p:attrName>
+                                        </p:attrNameLst>
+                                      </p:cBhvr>
+                                      <p:to>
+                                        <p:strVal val="visible"/>
+                                      </p:to>
+                                    </p:set>
+                                    <p:animEffect transition="in" filter="fade">
+                                      <p:cBhvr>
+                                        <p:cTn id="32" dur="500"/>
+                                        <p:tgtEl>
+                                          <p:spTgt spid="5133"/>
+                                        </p:tgtEl>
+                                      </p:cBhvr>
+                                    </p:animEffect>
+                                  </p:childTnLst>
+                                </p:cTn>
+                              </p:par>
+                            </p:childTnLst>
+                          </p:cTn>
+                        </p:par>
+                      </p:childTnLst>
+                    </p:cTn>
+                  </p:par>
+                  <p:par>
+                    <p:cTn id="33" fill="hold">
+                      <p:stCondLst>
+                        <p:cond delay="indefinite"/>
+                      </p:stCondLst>
+                      <p:childTnLst>
+                        <p:par>
+                          <p:cTn id="34" fill="hold">
+                            <p:stCondLst>
+                              <p:cond delay="0"/>
+                            </p:stCondLst>
+                            <p:childTnLst>
+                              <p:par>
+                                <p:cTn id="35" presetID="10" presetClass="entr" presetSubtype="0" fill="hold" grpId="0" nodeType="clickEffect">
+                                  <p:stCondLst>
+                                    <p:cond delay="0"/>
+                                  </p:stCondLst>
+                                  <p:childTnLst>
+                                    <p:set>
+                                      <p:cBhvr>
+                                        <p:cTn id="36" dur="1" fill="hold">
+                                          <p:stCondLst>
+                                            <p:cond delay="0"/>
+                                          </p:stCondLst>
+                                        </p:cTn>
+                                        <p:tgtEl>
+                                          <p:spTgt spid="3">
+                                            <p:txEl>
+                                              <p:pRg st="6" end="6"/>
+                                            </p:txEl>
+                                          </p:spTgt>
+                                        </p:tgtEl>
+                                        <p:attrNameLst>
+                                          <p:attrName>style.visibility</p:attrName>
+                                        </p:attrNameLst>
+                                      </p:cBhvr>
+                                      <p:to>
+                                        <p:strVal val="visible"/>
+                                      </p:to>
+                                    </p:set>
+                                    <p:animEffect transition="in" filter="fade">
+                                      <p:cBhvr>
+                                        <p:cTn id="37" dur="500"/>
+                                        <p:tgtEl>
+                                          <p:spTgt spid="3">
+                                            <p:txEl>
+                                              <p:pRg st="6" end="6"/>
+                                            </p:txEl>
+                                          </p:spTgt>
+                                        </p:tgtEl>
+                                      </p:cBhvr>
+                                    </p:animEffect>
+                                  </p:childTnLst>
+                                </p:cTn>
+                              </p:par>
+                              <p:par>
+                                <p:cTn id="38" presetID="10" presetClass="entr" presetSubtype="0" fill="hold" nodeType="withEffect">
+                                  <p:stCondLst>
+                                    <p:cond delay="0"/>
+                                  </p:stCondLst>
+                                  <p:childTnLst>
+                                    <p:set>
+                                      <p:cBhvr>
+                                        <p:cTn id="39" dur="1" fill="hold">
+                                          <p:stCondLst>
+                                            <p:cond delay="0"/>
+                                          </p:stCondLst>
+                                        </p:cTn>
+                                        <p:tgtEl>
+                                          <p:spTgt spid="5136"/>
+                                        </p:tgtEl>
+                                        <p:attrNameLst>
+                                          <p:attrName>style.visibility</p:attrName>
+                                        </p:attrNameLst>
+                                      </p:cBhvr>
+                                      <p:to>
+                                        <p:strVal val="visible"/>
+                                      </p:to>
+                                    </p:set>
+                                    <p:animEffect transition="in" filter="fade">
+                                      <p:cBhvr>
+                                        <p:cTn id="40" dur="500"/>
+                                        <p:tgtEl>
+                                          <p:spTgt spid="5136"/>
+                                        </p:tgtEl>
+                                      </p:cBhvr>
+                                    </p:animEffect>
+                                  </p:childTnLst>
+                                </p:cTn>
+                              </p:par>
+                              <p:par>
+                                <p:cTn id="41" presetID="10" presetClass="entr" presetSubtype="0" fill="hold" nodeType="withEffect">
+                                  <p:stCondLst>
+                                    <p:cond delay="0"/>
+                                  </p:stCondLst>
+                                  <p:childTnLst>
+                                    <p:set>
+                                      <p:cBhvr>
+                                        <p:cTn id="42" dur="1" fill="hold">
+                                          <p:stCondLst>
+                                            <p:cond delay="0"/>
+                                          </p:stCondLst>
+                                        </p:cTn>
+                                        <p:tgtEl>
+                                          <p:spTgt spid="5123"/>
+                                        </p:tgtEl>
+                                        <p:attrNameLst>
+                                          <p:attrName>style.visibility</p:attrName>
+                                        </p:attrNameLst>
+                                      </p:cBhvr>
+                                      <p:to>
+                                        <p:strVal val="visible"/>
+                                      </p:to>
+                                    </p:set>
+                                    <p:animEffect transition="in" filter="fade">
+                                      <p:cBhvr>
+                                        <p:cTn id="43" dur="500"/>
+                                        <p:tgtEl>
+                                          <p:spTgt spid="5123"/>
+                                        </p:tgtEl>
+                                      </p:cBhvr>
+                                    </p:animEffect>
+                                  </p:childTnLst>
+                                </p:cTn>
+                              </p:par>
+                              <p:par>
+                                <p:cTn id="44" presetID="10" presetClass="entr" presetSubtype="0" fill="hold" nodeType="withEffect">
+                                  <p:stCondLst>
+                                    <p:cond delay="0"/>
+                                  </p:stCondLst>
+                                  <p:childTnLst>
+                                    <p:set>
+                                      <p:cBhvr>
+                                        <p:cTn id="45" dur="1" fill="hold">
+                                          <p:stCondLst>
+                                            <p:cond delay="0"/>
+                                          </p:stCondLst>
+                                        </p:cTn>
+                                        <p:tgtEl>
+                                          <p:spTgt spid="5122"/>
+                                        </p:tgtEl>
+                                        <p:attrNameLst>
+                                          <p:attrName>style.visibility</p:attrName>
+                                        </p:attrNameLst>
+                                      </p:cBhvr>
+                                      <p:to>
+                                        <p:strVal val="visible"/>
+                                      </p:to>
+                                    </p:set>
+                                    <p:animEffect transition="in" filter="fade">
+                                      <p:cBhvr>
+                                        <p:cTn id="46" dur="500"/>
+                                        <p:tgtEl>
+                                          <p:spTgt spid="5122"/>
+                                        </p:tgtEl>
+                                      </p:cBhvr>
+                                    </p:animEffect>
+                                  </p:childTnLst>
+                                </p:cTn>
+                              </p:par>
+                            </p:childTnLst>
+                          </p:cTn>
+                        </p:par>
+                      </p:childTnLst>
+                    </p:cTn>
+                  </p:par>
+                </p:childTnLst>
+              </p:cTn>
+              <p:prevCondLst>
+                <p:cond evt="onPrev" delay="0">
+                  <p:tgtEl>
+                    <p:sldTgt/>
+                  </p:tgtEl>
+                </p:cond>
+              </p:prevCondLst>
+              <p:nextCondLst>
+                <p:cond evt="onNext" delay="0">
+                  <p:tgtEl>
+                    <p:sldTgt/>
+                  </p:tgtEl>
+                </p:cond>
+              </p:nextCondLst>
+            </p:seq>
+          </p:childTnLst>
+        </p:cTn>
+      </p:par>
+    </p:tnLst>
+    <p:bldLst>
+      <p:bldP spid="3" grpId="0" uiExpand="1" build="p"/>
+    </p:bldLst>
+  </p:timing>
 </p:sld>
 </file>
 
@@ -4457,15 +7521,15 @@
           <a:lstStyle/>
           <a:p>
             <a:r>
-              <a:rPr lang="de-DE" dirty="0" smtClean="0">
-                <a:solidFill>
-                  <a:schemeClr val="bg1"/>
-                </a:solidFill>
-                <a:latin typeface="TeXGyreAdventor" pitchFamily="50" charset="0"/>
-              </a:rPr>
-              <a:t>Das Team</a:t>
-            </a:r>
-            <a:endParaRPr lang="de-DE" dirty="0">
+              <a:rPr lang="de-DE" b="1" dirty="0" smtClean="0">
+                <a:solidFill>
+                  <a:schemeClr val="bg1"/>
+                </a:solidFill>
+                <a:latin typeface="TeXGyreAdventor" pitchFamily="50" charset="0"/>
+              </a:rPr>
+              <a:t>Änderungen Art</a:t>
+            </a:r>
+            <a:endParaRPr lang="de-DE" b="1" dirty="0">
               <a:solidFill>
                 <a:schemeClr val="bg1"/>
               </a:solidFill>
@@ -4484,178 +7548,277 @@
             <p:ph idx="1"/>
           </p:nvPr>
         </p:nvSpPr>
-        <p:spPr>
-          <a:xfrm>
-            <a:off x="971600" y="1628800"/>
-            <a:ext cx="7560840" cy="4525963"/>
-          </a:xfrm>
-        </p:spPr>
+        <p:spPr/>
         <p:txBody>
-          <a:bodyPr anchor="ctr">
-            <a:normAutofit/>
-          </a:bodyPr>
+          <a:bodyPr/>
           <a:lstStyle/>
           <a:p>
-            <a:pPr marL="0" indent="0">
-              <a:lnSpc>
-                <a:spcPct val="150000"/>
-              </a:lnSpc>
-              <a:buNone/>
-            </a:pPr>
-            <a:r>
-              <a:rPr lang="de-DE" sz="2400" dirty="0" smtClean="0">
-                <a:solidFill>
-                  <a:schemeClr val="bg1"/>
-                </a:solidFill>
-                <a:latin typeface="TeXGyreAdventor" pitchFamily="50" charset="0"/>
-              </a:rPr>
-              <a:t>Alina </a:t>
-            </a:r>
-            <a:r>
-              <a:rPr lang="de-DE" sz="2400" dirty="0" err="1" smtClean="0">
-                <a:solidFill>
-                  <a:schemeClr val="bg1"/>
-                </a:solidFill>
-                <a:latin typeface="TeXGyreAdventor" pitchFamily="50" charset="0"/>
-              </a:rPr>
-              <a:t>Quentmeier</a:t>
-            </a:r>
-            <a:r>
-              <a:rPr lang="de-DE" sz="2400" dirty="0" smtClean="0">
-                <a:solidFill>
-                  <a:schemeClr val="bg1"/>
-                </a:solidFill>
-                <a:latin typeface="TeXGyreAdventor" pitchFamily="50" charset="0"/>
-              </a:rPr>
-              <a:t> 		Game Design</a:t>
-            </a:r>
-          </a:p>
-          <a:p>
-            <a:pPr marL="0" indent="0">
-              <a:lnSpc>
-                <a:spcPct val="150000"/>
-              </a:lnSpc>
-              <a:buNone/>
-            </a:pPr>
-            <a:r>
-              <a:rPr lang="de-DE" sz="2400" dirty="0" smtClean="0">
-                <a:solidFill>
-                  <a:schemeClr val="bg1"/>
-                </a:solidFill>
-                <a:latin typeface="TeXGyreAdventor" pitchFamily="50" charset="0"/>
-              </a:rPr>
-              <a:t>Jaromir </a:t>
-            </a:r>
-            <a:r>
-              <a:rPr lang="de-DE" sz="2400" dirty="0" err="1" smtClean="0">
-                <a:solidFill>
-                  <a:schemeClr val="bg1"/>
-                </a:solidFill>
-                <a:latin typeface="TeXGyreAdventor" pitchFamily="50" charset="0"/>
-              </a:rPr>
-              <a:t>Paarmann</a:t>
-            </a:r>
-            <a:r>
-              <a:rPr lang="de-DE" sz="2400" dirty="0" smtClean="0">
-                <a:solidFill>
-                  <a:schemeClr val="bg1"/>
-                </a:solidFill>
-                <a:latin typeface="TeXGyreAdventor" pitchFamily="50" charset="0"/>
-              </a:rPr>
-              <a:t> 	Game Design</a:t>
-            </a:r>
-          </a:p>
-          <a:p>
-            <a:pPr marL="0" indent="0">
-              <a:lnSpc>
-                <a:spcPct val="150000"/>
-              </a:lnSpc>
-              <a:buNone/>
-            </a:pPr>
-            <a:r>
-              <a:rPr lang="de-DE" sz="2400" dirty="0" smtClean="0">
-                <a:solidFill>
-                  <a:schemeClr val="bg1"/>
-                </a:solidFill>
-                <a:latin typeface="TeXGyreAdventor" pitchFamily="50" charset="0"/>
-              </a:rPr>
-              <a:t>Andreas </a:t>
-            </a:r>
-            <a:r>
-              <a:rPr lang="de-DE" sz="2400" dirty="0" err="1" smtClean="0">
-                <a:solidFill>
-                  <a:schemeClr val="bg1"/>
-                </a:solidFill>
-                <a:latin typeface="TeXGyreAdventor" pitchFamily="50" charset="0"/>
-              </a:rPr>
-              <a:t>Edmeier</a:t>
-            </a:r>
-            <a:r>
-              <a:rPr lang="de-DE" sz="2400" dirty="0" smtClean="0">
-                <a:solidFill>
-                  <a:schemeClr val="bg1"/>
-                </a:solidFill>
-                <a:latin typeface="TeXGyreAdventor" pitchFamily="50" charset="0"/>
-              </a:rPr>
-              <a:t> 		Programmierung</a:t>
-            </a:r>
-          </a:p>
-          <a:p>
-            <a:pPr marL="0" indent="0">
-              <a:lnSpc>
-                <a:spcPct val="150000"/>
-              </a:lnSpc>
-              <a:buNone/>
-            </a:pPr>
-            <a:r>
-              <a:rPr lang="de-DE" sz="2400" dirty="0" smtClean="0">
-                <a:solidFill>
-                  <a:schemeClr val="bg1"/>
-                </a:solidFill>
-                <a:latin typeface="TeXGyreAdventor" pitchFamily="50" charset="0"/>
-              </a:rPr>
-              <a:t>Harun </a:t>
-            </a:r>
-            <a:r>
-              <a:rPr lang="de-DE" sz="2400" dirty="0" err="1" smtClean="0">
-                <a:solidFill>
-                  <a:schemeClr val="bg1"/>
-                </a:solidFill>
-                <a:latin typeface="TeXGyreAdventor" pitchFamily="50" charset="0"/>
-              </a:rPr>
-              <a:t>Ahmadie</a:t>
-            </a:r>
-            <a:r>
-              <a:rPr lang="de-DE" sz="2400" dirty="0" smtClean="0">
-                <a:solidFill>
-                  <a:schemeClr val="bg1"/>
-                </a:solidFill>
-                <a:latin typeface="TeXGyreAdventor" pitchFamily="50" charset="0"/>
-              </a:rPr>
-              <a:t> 	</a:t>
-            </a:r>
-            <a:r>
-              <a:rPr lang="de-DE" sz="2400" smtClean="0">
-                <a:solidFill>
-                  <a:schemeClr val="bg1"/>
-                </a:solidFill>
-                <a:latin typeface="TeXGyreAdventor" pitchFamily="50" charset="0"/>
-              </a:rPr>
-              <a:t>	Art</a:t>
-            </a:r>
-            <a:endParaRPr lang="de-DE" sz="2400" dirty="0" smtClean="0">
+            <a:r>
+              <a:rPr lang="de-DE" dirty="0" err="1" smtClean="0">
+                <a:solidFill>
+                  <a:schemeClr val="bg1"/>
+                </a:solidFill>
+                <a:latin typeface="TeXGyreAdventor" pitchFamily="50" charset="0"/>
+              </a:rPr>
+              <a:t>Leveltiles</a:t>
+            </a:r>
+            <a:endParaRPr lang="de-DE" dirty="0" smtClean="0">
               <a:solidFill>
                 <a:schemeClr val="bg1"/>
               </a:solidFill>
               <a:latin typeface="TeXGyreAdventor" pitchFamily="50" charset="0"/>
             </a:endParaRPr>
           </a:p>
+          <a:p>
+            <a:endParaRPr lang="de-DE" dirty="0" smtClean="0">
+              <a:solidFill>
+                <a:schemeClr val="bg1"/>
+              </a:solidFill>
+              <a:latin typeface="TeXGyreAdventor" pitchFamily="50" charset="0"/>
+            </a:endParaRPr>
+          </a:p>
+          <a:p>
+            <a:r>
+              <a:rPr lang="de-DE" dirty="0" smtClean="0">
+                <a:solidFill>
+                  <a:schemeClr val="bg1"/>
+                </a:solidFill>
+                <a:latin typeface="TeXGyreAdventor" pitchFamily="50" charset="0"/>
+              </a:rPr>
+              <a:t>Exits</a:t>
+            </a:r>
+          </a:p>
+          <a:p>
+            <a:pPr marL="0" indent="0">
+              <a:buNone/>
+            </a:pPr>
+            <a:endParaRPr lang="de-DE" dirty="0" smtClean="0">
+              <a:solidFill>
+                <a:schemeClr val="bg1"/>
+              </a:solidFill>
+              <a:latin typeface="TeXGyreAdventor" pitchFamily="50" charset="0"/>
+            </a:endParaRPr>
+          </a:p>
+          <a:p>
+            <a:r>
+              <a:rPr lang="de-DE" dirty="0" err="1" smtClean="0">
+                <a:solidFill>
+                  <a:schemeClr val="bg1"/>
+                </a:solidFill>
+                <a:latin typeface="TeXGyreAdventor" pitchFamily="50" charset="0"/>
+              </a:rPr>
+              <a:t>Spawner</a:t>
+            </a:r>
+            <a:endParaRPr lang="de-DE" dirty="0" smtClean="0">
+              <a:solidFill>
+                <a:schemeClr val="bg1"/>
+              </a:solidFill>
+              <a:latin typeface="TeXGyreAdventor" pitchFamily="50" charset="0"/>
+            </a:endParaRPr>
+          </a:p>
+          <a:p>
+            <a:endParaRPr lang="de-DE" dirty="0">
+              <a:solidFill>
+                <a:schemeClr val="bg1"/>
+              </a:solidFill>
+              <a:latin typeface="TeXGyreAdventor" pitchFamily="50" charset="0"/>
+            </a:endParaRPr>
+          </a:p>
+          <a:p>
+            <a:r>
+              <a:rPr lang="de-DE" dirty="0" err="1" smtClean="0">
+                <a:solidFill>
+                  <a:schemeClr val="bg1"/>
+                </a:solidFill>
+                <a:latin typeface="TeXGyreAdventor" pitchFamily="50" charset="0"/>
+              </a:rPr>
+              <a:t>Ladders</a:t>
+            </a:r>
+            <a:endParaRPr lang="de-DE" dirty="0" smtClean="0">
+              <a:solidFill>
+                <a:schemeClr val="bg1"/>
+              </a:solidFill>
+              <a:latin typeface="TeXGyreAdventor" pitchFamily="50" charset="0"/>
+            </a:endParaRPr>
+          </a:p>
+          <a:p>
+            <a:endParaRPr lang="de-DE" dirty="0">
+              <a:solidFill>
+                <a:schemeClr val="bg1"/>
+              </a:solidFill>
+              <a:latin typeface="TeXGyreAdventor" pitchFamily="50" charset="0"/>
+            </a:endParaRPr>
+          </a:p>
         </p:txBody>
       </p:sp>
+      <p:pic>
+        <p:nvPicPr>
+          <p:cNvPr id="6146" name="Picture 2" descr="C:\Users\jaromir.paarmann\Documents\HammerMan\Art\BilderPPPGate01\Tile.PNG"/>
+          <p:cNvPicPr>
+            <a:picLocks noChangeAspect="1" noChangeArrowheads="1"/>
+          </p:cNvPicPr>
+          <p:nvPr/>
+        </p:nvPicPr>
+        <p:blipFill>
+          <a:blip r:embed="rId2">
+            <a:extLst>
+              <a:ext uri="{28A0092B-C50C-407E-A947-70E740481C1C}">
+                <a14:useLocalDpi xmlns:a14="http://schemas.microsoft.com/office/drawing/2010/main" val="0"/>
+              </a:ext>
+            </a:extLst>
+          </a:blip>
+          <a:srcRect/>
+          <a:stretch>
+            <a:fillRect/>
+          </a:stretch>
+        </p:blipFill>
+        <p:spPr bwMode="auto">
+          <a:xfrm>
+            <a:off x="2803880" y="1512686"/>
+            <a:ext cx="1719287" cy="817710"/>
+          </a:xfrm>
+          <a:prstGeom prst="rect">
+            <a:avLst/>
+          </a:prstGeom>
+          <a:noFill/>
+          <a:extLst>
+            <a:ext uri="{909E8E84-426E-40DD-AFC4-6F175D3DCCD1}">
+              <a14:hiddenFill xmlns:a14="http://schemas.microsoft.com/office/drawing/2010/main">
+                <a:solidFill>
+                  <a:srgbClr val="FFFFFF"/>
+                </a:solidFill>
+              </a14:hiddenFill>
+            </a:ext>
+          </a:extLst>
+        </p:spPr>
+      </p:pic>
+      <p:pic>
+        <p:nvPicPr>
+          <p:cNvPr id="6147" name="Picture 3" descr="C:\Users\jaromir.paarmann\Documents\HammerMan\Art\BilderPPPGate01\Ladder.PNG"/>
+          <p:cNvPicPr>
+            <a:picLocks noChangeAspect="1" noChangeArrowheads="1"/>
+          </p:cNvPicPr>
+          <p:nvPr/>
+        </p:nvPicPr>
+        <p:blipFill>
+          <a:blip r:embed="rId3">
+            <a:extLst>
+              <a:ext uri="{28A0092B-C50C-407E-A947-70E740481C1C}">
+                <a14:useLocalDpi xmlns:a14="http://schemas.microsoft.com/office/drawing/2010/main" val="0"/>
+              </a:ext>
+            </a:extLst>
+          </a:blip>
+          <a:srcRect/>
+          <a:stretch>
+            <a:fillRect/>
+          </a:stretch>
+        </p:blipFill>
+        <p:spPr bwMode="auto">
+          <a:xfrm>
+            <a:off x="6372200" y="4137496"/>
+            <a:ext cx="1039038" cy="2708920"/>
+          </a:xfrm>
+          <a:prstGeom prst="rect">
+            <a:avLst/>
+          </a:prstGeom>
+          <a:noFill/>
+          <a:extLst>
+            <a:ext uri="{909E8E84-426E-40DD-AFC4-6F175D3DCCD1}">
+              <a14:hiddenFill xmlns:a14="http://schemas.microsoft.com/office/drawing/2010/main">
+                <a:solidFill>
+                  <a:srgbClr val="FFFFFF"/>
+                </a:solidFill>
+              </a14:hiddenFill>
+            </a:ext>
+          </a:extLst>
+        </p:spPr>
+      </p:pic>
+      <p:pic>
+        <p:nvPicPr>
+          <p:cNvPr id="6148" name="Picture 4" descr="C:\Users\jaromir.paarmann\Documents\HammerMan\Art\BilderPPPGate01\Spawner.PNG"/>
+          <p:cNvPicPr>
+            <a:picLocks noChangeAspect="1" noChangeArrowheads="1"/>
+          </p:cNvPicPr>
+          <p:nvPr/>
+        </p:nvPicPr>
+        <p:blipFill>
+          <a:blip r:embed="rId4">
+            <a:extLst>
+              <a:ext uri="{28A0092B-C50C-407E-A947-70E740481C1C}">
+                <a14:useLocalDpi xmlns:a14="http://schemas.microsoft.com/office/drawing/2010/main" val="0"/>
+              </a:ext>
+            </a:extLst>
+          </a:blip>
+          <a:srcRect/>
+          <a:stretch>
+            <a:fillRect/>
+          </a:stretch>
+        </p:blipFill>
+        <p:spPr bwMode="auto">
+          <a:xfrm>
+            <a:off x="3185819" y="3767144"/>
+            <a:ext cx="1336650" cy="1736396"/>
+          </a:xfrm>
+          <a:prstGeom prst="rect">
+            <a:avLst/>
+          </a:prstGeom>
+          <a:noFill/>
+          <a:extLst>
+            <a:ext uri="{909E8E84-426E-40DD-AFC4-6F175D3DCCD1}">
+              <a14:hiddenFill xmlns:a14="http://schemas.microsoft.com/office/drawing/2010/main">
+                <a:solidFill>
+                  <a:srgbClr val="FFFFFF"/>
+                </a:solidFill>
+              </a14:hiddenFill>
+            </a:ext>
+          </a:extLst>
+        </p:spPr>
+      </p:pic>
+      <p:pic>
+        <p:nvPicPr>
+          <p:cNvPr id="6150" name="Picture 6" descr="C:\Users\jaromir.paarmann\Documents\HammerMan\Art\BilderPPPGate01\Door.PNG"/>
+          <p:cNvPicPr>
+            <a:picLocks noChangeAspect="1" noChangeArrowheads="1"/>
+          </p:cNvPicPr>
+          <p:nvPr/>
+        </p:nvPicPr>
+        <p:blipFill>
+          <a:blip r:embed="rId5">
+            <a:extLst>
+              <a:ext uri="{28A0092B-C50C-407E-A947-70E740481C1C}">
+                <a14:useLocalDpi xmlns:a14="http://schemas.microsoft.com/office/drawing/2010/main" val="0"/>
+              </a:ext>
+            </a:extLst>
+          </a:blip>
+          <a:srcRect/>
+          <a:stretch>
+            <a:fillRect/>
+          </a:stretch>
+        </p:blipFill>
+        <p:spPr bwMode="auto">
+          <a:xfrm>
+            <a:off x="4788344" y="2330396"/>
+            <a:ext cx="1295824" cy="1582511"/>
+          </a:xfrm>
+          <a:prstGeom prst="rect">
+            <a:avLst/>
+          </a:prstGeom>
+          <a:noFill/>
+          <a:extLst>
+            <a:ext uri="{909E8E84-426E-40DD-AFC4-6F175D3DCCD1}">
+              <a14:hiddenFill xmlns:a14="http://schemas.microsoft.com/office/drawing/2010/main">
+                <a:solidFill>
+                  <a:srgbClr val="FFFFFF"/>
+                </a:solidFill>
+              </a14:hiddenFill>
+            </a:ext>
+          </a:extLst>
+        </p:spPr>
+      </p:pic>
     </p:spTree>
     <p:extLst>
       <p:ext uri="{BB962C8B-B14F-4D97-AF65-F5344CB8AC3E}">
-        <p14:creationId xmlns:p14="http://schemas.microsoft.com/office/powerpoint/2010/main" val="2076931422"/>
+        <p14:creationId xmlns:p14="http://schemas.microsoft.com/office/powerpoint/2010/main" val="3871576905"/>
       </p:ext>
     </p:extLst>
   </p:cSld>
@@ -4665,9 +7828,2406 @@
   <p:timing>
     <p:tnLst>
       <p:par>
-        <p:cTn id="1" dur="indefinite" restart="never" nodeType="tmRoot"/>
+        <p:cTn id="1" dur="indefinite" restart="never" nodeType="tmRoot">
+          <p:childTnLst>
+            <p:seq concurrent="1" nextAc="seek">
+              <p:cTn id="2" dur="indefinite" nodeType="mainSeq">
+                <p:childTnLst>
+                  <p:par>
+                    <p:cTn id="3" fill="hold">
+                      <p:stCondLst>
+                        <p:cond delay="indefinite"/>
+                      </p:stCondLst>
+                      <p:childTnLst>
+                        <p:par>
+                          <p:cTn id="4" fill="hold">
+                            <p:stCondLst>
+                              <p:cond delay="0"/>
+                            </p:stCondLst>
+                            <p:childTnLst>
+                              <p:par>
+                                <p:cTn id="5" presetID="10" presetClass="entr" presetSubtype="0" fill="hold" grpId="0" nodeType="clickEffect">
+                                  <p:stCondLst>
+                                    <p:cond delay="0"/>
+                                  </p:stCondLst>
+                                  <p:childTnLst>
+                                    <p:set>
+                                      <p:cBhvr>
+                                        <p:cTn id="6" dur="1" fill="hold">
+                                          <p:stCondLst>
+                                            <p:cond delay="0"/>
+                                          </p:stCondLst>
+                                        </p:cTn>
+                                        <p:tgtEl>
+                                          <p:spTgt spid="3">
+                                            <p:txEl>
+                                              <p:pRg st="0" end="0"/>
+                                            </p:txEl>
+                                          </p:spTgt>
+                                        </p:tgtEl>
+                                        <p:attrNameLst>
+                                          <p:attrName>style.visibility</p:attrName>
+                                        </p:attrNameLst>
+                                      </p:cBhvr>
+                                      <p:to>
+                                        <p:strVal val="visible"/>
+                                      </p:to>
+                                    </p:set>
+                                    <p:animEffect transition="in" filter="fade">
+                                      <p:cBhvr>
+                                        <p:cTn id="7" dur="500"/>
+                                        <p:tgtEl>
+                                          <p:spTgt spid="3">
+                                            <p:txEl>
+                                              <p:pRg st="0" end="0"/>
+                                            </p:txEl>
+                                          </p:spTgt>
+                                        </p:tgtEl>
+                                      </p:cBhvr>
+                                    </p:animEffect>
+                                  </p:childTnLst>
+                                </p:cTn>
+                              </p:par>
+                              <p:par>
+                                <p:cTn id="8" presetID="10" presetClass="entr" presetSubtype="0" fill="hold" nodeType="withEffect">
+                                  <p:stCondLst>
+                                    <p:cond delay="0"/>
+                                  </p:stCondLst>
+                                  <p:childTnLst>
+                                    <p:set>
+                                      <p:cBhvr>
+                                        <p:cTn id="9" dur="1" fill="hold">
+                                          <p:stCondLst>
+                                            <p:cond delay="0"/>
+                                          </p:stCondLst>
+                                        </p:cTn>
+                                        <p:tgtEl>
+                                          <p:spTgt spid="6146"/>
+                                        </p:tgtEl>
+                                        <p:attrNameLst>
+                                          <p:attrName>style.visibility</p:attrName>
+                                        </p:attrNameLst>
+                                      </p:cBhvr>
+                                      <p:to>
+                                        <p:strVal val="visible"/>
+                                      </p:to>
+                                    </p:set>
+                                    <p:animEffect transition="in" filter="fade">
+                                      <p:cBhvr>
+                                        <p:cTn id="10" dur="500"/>
+                                        <p:tgtEl>
+                                          <p:spTgt spid="6146"/>
+                                        </p:tgtEl>
+                                      </p:cBhvr>
+                                    </p:animEffect>
+                                  </p:childTnLst>
+                                </p:cTn>
+                              </p:par>
+                            </p:childTnLst>
+                          </p:cTn>
+                        </p:par>
+                      </p:childTnLst>
+                    </p:cTn>
+                  </p:par>
+                  <p:par>
+                    <p:cTn id="11" fill="hold">
+                      <p:stCondLst>
+                        <p:cond delay="indefinite"/>
+                      </p:stCondLst>
+                      <p:childTnLst>
+                        <p:par>
+                          <p:cTn id="12" fill="hold">
+                            <p:stCondLst>
+                              <p:cond delay="0"/>
+                            </p:stCondLst>
+                            <p:childTnLst>
+                              <p:par>
+                                <p:cTn id="13" presetID="10" presetClass="entr" presetSubtype="0" fill="hold" grpId="0" nodeType="clickEffect">
+                                  <p:stCondLst>
+                                    <p:cond delay="0"/>
+                                  </p:stCondLst>
+                                  <p:childTnLst>
+                                    <p:set>
+                                      <p:cBhvr>
+                                        <p:cTn id="14" dur="1" fill="hold">
+                                          <p:stCondLst>
+                                            <p:cond delay="0"/>
+                                          </p:stCondLst>
+                                        </p:cTn>
+                                        <p:tgtEl>
+                                          <p:spTgt spid="3">
+                                            <p:txEl>
+                                              <p:pRg st="2" end="2"/>
+                                            </p:txEl>
+                                          </p:spTgt>
+                                        </p:tgtEl>
+                                        <p:attrNameLst>
+                                          <p:attrName>style.visibility</p:attrName>
+                                        </p:attrNameLst>
+                                      </p:cBhvr>
+                                      <p:to>
+                                        <p:strVal val="visible"/>
+                                      </p:to>
+                                    </p:set>
+                                    <p:animEffect transition="in" filter="fade">
+                                      <p:cBhvr>
+                                        <p:cTn id="15" dur="500"/>
+                                        <p:tgtEl>
+                                          <p:spTgt spid="3">
+                                            <p:txEl>
+                                              <p:pRg st="2" end="2"/>
+                                            </p:txEl>
+                                          </p:spTgt>
+                                        </p:tgtEl>
+                                      </p:cBhvr>
+                                    </p:animEffect>
+                                  </p:childTnLst>
+                                </p:cTn>
+                              </p:par>
+                              <p:par>
+                                <p:cTn id="16" presetID="10" presetClass="entr" presetSubtype="0" fill="hold" nodeType="withEffect">
+                                  <p:stCondLst>
+                                    <p:cond delay="0"/>
+                                  </p:stCondLst>
+                                  <p:childTnLst>
+                                    <p:set>
+                                      <p:cBhvr>
+                                        <p:cTn id="17" dur="1" fill="hold">
+                                          <p:stCondLst>
+                                            <p:cond delay="0"/>
+                                          </p:stCondLst>
+                                        </p:cTn>
+                                        <p:tgtEl>
+                                          <p:spTgt spid="6150"/>
+                                        </p:tgtEl>
+                                        <p:attrNameLst>
+                                          <p:attrName>style.visibility</p:attrName>
+                                        </p:attrNameLst>
+                                      </p:cBhvr>
+                                      <p:to>
+                                        <p:strVal val="visible"/>
+                                      </p:to>
+                                    </p:set>
+                                    <p:animEffect transition="in" filter="fade">
+                                      <p:cBhvr>
+                                        <p:cTn id="18" dur="500"/>
+                                        <p:tgtEl>
+                                          <p:spTgt spid="6150"/>
+                                        </p:tgtEl>
+                                      </p:cBhvr>
+                                    </p:animEffect>
+                                  </p:childTnLst>
+                                </p:cTn>
+                              </p:par>
+                            </p:childTnLst>
+                          </p:cTn>
+                        </p:par>
+                      </p:childTnLst>
+                    </p:cTn>
+                  </p:par>
+                  <p:par>
+                    <p:cTn id="19" fill="hold">
+                      <p:stCondLst>
+                        <p:cond delay="indefinite"/>
+                      </p:stCondLst>
+                      <p:childTnLst>
+                        <p:par>
+                          <p:cTn id="20" fill="hold">
+                            <p:stCondLst>
+                              <p:cond delay="0"/>
+                            </p:stCondLst>
+                            <p:childTnLst>
+                              <p:par>
+                                <p:cTn id="21" presetID="10" presetClass="entr" presetSubtype="0" fill="hold" grpId="0" nodeType="clickEffect">
+                                  <p:stCondLst>
+                                    <p:cond delay="0"/>
+                                  </p:stCondLst>
+                                  <p:childTnLst>
+                                    <p:set>
+                                      <p:cBhvr>
+                                        <p:cTn id="22" dur="1" fill="hold">
+                                          <p:stCondLst>
+                                            <p:cond delay="0"/>
+                                          </p:stCondLst>
+                                        </p:cTn>
+                                        <p:tgtEl>
+                                          <p:spTgt spid="3">
+                                            <p:txEl>
+                                              <p:pRg st="4" end="4"/>
+                                            </p:txEl>
+                                          </p:spTgt>
+                                        </p:tgtEl>
+                                        <p:attrNameLst>
+                                          <p:attrName>style.visibility</p:attrName>
+                                        </p:attrNameLst>
+                                      </p:cBhvr>
+                                      <p:to>
+                                        <p:strVal val="visible"/>
+                                      </p:to>
+                                    </p:set>
+                                    <p:animEffect transition="in" filter="fade">
+                                      <p:cBhvr>
+                                        <p:cTn id="23" dur="500"/>
+                                        <p:tgtEl>
+                                          <p:spTgt spid="3">
+                                            <p:txEl>
+                                              <p:pRg st="4" end="4"/>
+                                            </p:txEl>
+                                          </p:spTgt>
+                                        </p:tgtEl>
+                                      </p:cBhvr>
+                                    </p:animEffect>
+                                  </p:childTnLst>
+                                </p:cTn>
+                              </p:par>
+                              <p:par>
+                                <p:cTn id="24" presetID="10" presetClass="entr" presetSubtype="0" fill="hold" nodeType="withEffect">
+                                  <p:stCondLst>
+                                    <p:cond delay="0"/>
+                                  </p:stCondLst>
+                                  <p:childTnLst>
+                                    <p:set>
+                                      <p:cBhvr>
+                                        <p:cTn id="25" dur="1" fill="hold">
+                                          <p:stCondLst>
+                                            <p:cond delay="0"/>
+                                          </p:stCondLst>
+                                        </p:cTn>
+                                        <p:tgtEl>
+                                          <p:spTgt spid="6148"/>
+                                        </p:tgtEl>
+                                        <p:attrNameLst>
+                                          <p:attrName>style.visibility</p:attrName>
+                                        </p:attrNameLst>
+                                      </p:cBhvr>
+                                      <p:to>
+                                        <p:strVal val="visible"/>
+                                      </p:to>
+                                    </p:set>
+                                    <p:animEffect transition="in" filter="fade">
+                                      <p:cBhvr>
+                                        <p:cTn id="26" dur="500"/>
+                                        <p:tgtEl>
+                                          <p:spTgt spid="6148"/>
+                                        </p:tgtEl>
+                                      </p:cBhvr>
+                                    </p:animEffect>
+                                  </p:childTnLst>
+                                </p:cTn>
+                              </p:par>
+                            </p:childTnLst>
+                          </p:cTn>
+                        </p:par>
+                      </p:childTnLst>
+                    </p:cTn>
+                  </p:par>
+                  <p:par>
+                    <p:cTn id="27" fill="hold">
+                      <p:stCondLst>
+                        <p:cond delay="indefinite"/>
+                      </p:stCondLst>
+                      <p:childTnLst>
+                        <p:par>
+                          <p:cTn id="28" fill="hold">
+                            <p:stCondLst>
+                              <p:cond delay="0"/>
+                            </p:stCondLst>
+                            <p:childTnLst>
+                              <p:par>
+                                <p:cTn id="29" presetID="10" presetClass="entr" presetSubtype="0" fill="hold" grpId="0" nodeType="clickEffect">
+                                  <p:stCondLst>
+                                    <p:cond delay="0"/>
+                                  </p:stCondLst>
+                                  <p:childTnLst>
+                                    <p:set>
+                                      <p:cBhvr>
+                                        <p:cTn id="30" dur="1" fill="hold">
+                                          <p:stCondLst>
+                                            <p:cond delay="0"/>
+                                          </p:stCondLst>
+                                        </p:cTn>
+                                        <p:tgtEl>
+                                          <p:spTgt spid="3">
+                                            <p:txEl>
+                                              <p:pRg st="6" end="6"/>
+                                            </p:txEl>
+                                          </p:spTgt>
+                                        </p:tgtEl>
+                                        <p:attrNameLst>
+                                          <p:attrName>style.visibility</p:attrName>
+                                        </p:attrNameLst>
+                                      </p:cBhvr>
+                                      <p:to>
+                                        <p:strVal val="visible"/>
+                                      </p:to>
+                                    </p:set>
+                                    <p:animEffect transition="in" filter="fade">
+                                      <p:cBhvr>
+                                        <p:cTn id="31" dur="500"/>
+                                        <p:tgtEl>
+                                          <p:spTgt spid="3">
+                                            <p:txEl>
+                                              <p:pRg st="6" end="6"/>
+                                            </p:txEl>
+                                          </p:spTgt>
+                                        </p:tgtEl>
+                                      </p:cBhvr>
+                                    </p:animEffect>
+                                  </p:childTnLst>
+                                </p:cTn>
+                              </p:par>
+                              <p:par>
+                                <p:cTn id="32" presetID="10" presetClass="entr" presetSubtype="0" fill="hold" nodeType="withEffect">
+                                  <p:stCondLst>
+                                    <p:cond delay="0"/>
+                                  </p:stCondLst>
+                                  <p:childTnLst>
+                                    <p:set>
+                                      <p:cBhvr>
+                                        <p:cTn id="33" dur="1" fill="hold">
+                                          <p:stCondLst>
+                                            <p:cond delay="0"/>
+                                          </p:stCondLst>
+                                        </p:cTn>
+                                        <p:tgtEl>
+                                          <p:spTgt spid="6147"/>
+                                        </p:tgtEl>
+                                        <p:attrNameLst>
+                                          <p:attrName>style.visibility</p:attrName>
+                                        </p:attrNameLst>
+                                      </p:cBhvr>
+                                      <p:to>
+                                        <p:strVal val="visible"/>
+                                      </p:to>
+                                    </p:set>
+                                    <p:animEffect transition="in" filter="fade">
+                                      <p:cBhvr>
+                                        <p:cTn id="34" dur="500"/>
+                                        <p:tgtEl>
+                                          <p:spTgt spid="6147"/>
+                                        </p:tgtEl>
+                                      </p:cBhvr>
+                                    </p:animEffect>
+                                  </p:childTnLst>
+                                </p:cTn>
+                              </p:par>
+                            </p:childTnLst>
+                          </p:cTn>
+                        </p:par>
+                      </p:childTnLst>
+                    </p:cTn>
+                  </p:par>
+                </p:childTnLst>
+              </p:cTn>
+              <p:prevCondLst>
+                <p:cond evt="onPrev" delay="0">
+                  <p:tgtEl>
+                    <p:sldTgt/>
+                  </p:tgtEl>
+                </p:cond>
+              </p:prevCondLst>
+              <p:nextCondLst>
+                <p:cond evt="onNext" delay="0">
+                  <p:tgtEl>
+                    <p:sldTgt/>
+                  </p:tgtEl>
+                </p:cond>
+              </p:nextCondLst>
+            </p:seq>
+          </p:childTnLst>
+        </p:cTn>
       </p:par>
     </p:tnLst>
+    <p:bldLst>
+      <p:bldP spid="3" grpId="0" uiExpand="1" build="p"/>
+    </p:bldLst>
+  </p:timing>
+</p:sld>
+</file>
+
+<file path=ppt/slides/slide8.xml><?xml version="1.0" encoding="utf-8"?>
+<p:sld xmlns:a="http://schemas.openxmlformats.org/drawingml/2006/main" xmlns:r="http://schemas.openxmlformats.org/officeDocument/2006/relationships" xmlns:p="http://schemas.openxmlformats.org/presentationml/2006/main">
+  <p:cSld>
+    <p:spTree>
+      <p:nvGrpSpPr>
+        <p:cNvPr id="1" name=""/>
+        <p:cNvGrpSpPr/>
+        <p:nvPr/>
+      </p:nvGrpSpPr>
+      <p:grpSpPr>
+        <a:xfrm>
+          <a:off x="0" y="0"/>
+          <a:ext cx="0" cy="0"/>
+          <a:chOff x="0" y="0"/>
+          <a:chExt cx="0" cy="0"/>
+        </a:xfrm>
+      </p:grpSpPr>
+      <p:sp>
+        <p:nvSpPr>
+          <p:cNvPr id="2" name="Titel 1"/>
+          <p:cNvSpPr>
+            <a:spLocks noGrp="1"/>
+          </p:cNvSpPr>
+          <p:nvPr>
+            <p:ph type="title"/>
+          </p:nvPr>
+        </p:nvSpPr>
+        <p:spPr/>
+        <p:txBody>
+          <a:bodyPr/>
+          <a:lstStyle/>
+          <a:p>
+            <a:r>
+              <a:rPr lang="de-DE" b="1" dirty="0" smtClean="0">
+                <a:solidFill>
+                  <a:schemeClr val="bg1"/>
+                </a:solidFill>
+                <a:latin typeface="TeXGyreAdventor" pitchFamily="50" charset="0"/>
+              </a:rPr>
+              <a:t>Features für Gate 2</a:t>
+            </a:r>
+            <a:endParaRPr lang="de-DE" b="1" dirty="0">
+              <a:solidFill>
+                <a:schemeClr val="bg1"/>
+              </a:solidFill>
+              <a:latin typeface="TeXGyreAdventor" pitchFamily="50" charset="0"/>
+            </a:endParaRPr>
+          </a:p>
+        </p:txBody>
+      </p:sp>
+      <p:sp>
+        <p:nvSpPr>
+          <p:cNvPr id="3" name="Inhaltsplatzhalter 2"/>
+          <p:cNvSpPr>
+            <a:spLocks noGrp="1"/>
+          </p:cNvSpPr>
+          <p:nvPr>
+            <p:ph idx="1"/>
+          </p:nvPr>
+        </p:nvSpPr>
+        <p:spPr/>
+        <p:txBody>
+          <a:bodyPr>
+            <a:normAutofit/>
+          </a:bodyPr>
+          <a:lstStyle/>
+          <a:p>
+            <a:r>
+              <a:rPr lang="de-DE" dirty="0" err="1" smtClean="0">
+                <a:solidFill>
+                  <a:schemeClr val="bg1"/>
+                </a:solidFill>
+                <a:latin typeface="TeXGyreAdventor" pitchFamily="50" charset="0"/>
+              </a:rPr>
+              <a:t>Refine</a:t>
+            </a:r>
+            <a:r>
+              <a:rPr lang="de-DE" dirty="0" smtClean="0">
+                <a:solidFill>
+                  <a:schemeClr val="bg1"/>
+                </a:solidFill>
+                <a:latin typeface="TeXGyreAdventor" pitchFamily="50" charset="0"/>
+              </a:rPr>
+              <a:t> </a:t>
+            </a:r>
+            <a:r>
+              <a:rPr lang="de-DE" dirty="0" err="1" smtClean="0">
+                <a:solidFill>
+                  <a:schemeClr val="bg1"/>
+                </a:solidFill>
+                <a:latin typeface="TeXGyreAdventor" pitchFamily="50" charset="0"/>
+              </a:rPr>
+              <a:t>enemy</a:t>
+            </a:r>
+            <a:r>
+              <a:rPr lang="de-DE" dirty="0" smtClean="0">
+                <a:solidFill>
+                  <a:schemeClr val="bg1"/>
+                </a:solidFill>
+                <a:latin typeface="TeXGyreAdventor" pitchFamily="50" charset="0"/>
+              </a:rPr>
+              <a:t> </a:t>
+            </a:r>
+            <a:r>
+              <a:rPr lang="de-DE" dirty="0" err="1" smtClean="0">
+                <a:solidFill>
+                  <a:schemeClr val="bg1"/>
+                </a:solidFill>
+                <a:latin typeface="TeXGyreAdventor" pitchFamily="50" charset="0"/>
+              </a:rPr>
+              <a:t>types</a:t>
+            </a:r>
+            <a:endParaRPr lang="de-DE" dirty="0" smtClean="0">
+              <a:solidFill>
+                <a:schemeClr val="bg1"/>
+              </a:solidFill>
+              <a:latin typeface="TeXGyreAdventor" pitchFamily="50" charset="0"/>
+            </a:endParaRPr>
+          </a:p>
+          <a:p>
+            <a:r>
+              <a:rPr lang="de-DE" dirty="0" smtClean="0">
+                <a:solidFill>
+                  <a:schemeClr val="bg1"/>
+                </a:solidFill>
+                <a:latin typeface="TeXGyreAdventor" pitchFamily="50" charset="0"/>
+              </a:rPr>
+              <a:t>Fix </a:t>
+            </a:r>
+            <a:r>
+              <a:rPr lang="de-DE" dirty="0" err="1" smtClean="0">
+                <a:solidFill>
+                  <a:schemeClr val="bg1"/>
+                </a:solidFill>
+                <a:latin typeface="TeXGyreAdventor" pitchFamily="50" charset="0"/>
+              </a:rPr>
+              <a:t>current</a:t>
+            </a:r>
+            <a:r>
+              <a:rPr lang="de-DE" dirty="0" smtClean="0">
+                <a:solidFill>
+                  <a:schemeClr val="bg1"/>
+                </a:solidFill>
+                <a:latin typeface="TeXGyreAdventor" pitchFamily="50" charset="0"/>
+              </a:rPr>
+              <a:t> </a:t>
+            </a:r>
+            <a:r>
+              <a:rPr lang="de-DE" dirty="0" err="1" smtClean="0">
+                <a:solidFill>
+                  <a:schemeClr val="bg1"/>
+                </a:solidFill>
+                <a:latin typeface="TeXGyreAdventor" pitchFamily="50" charset="0"/>
+              </a:rPr>
+              <a:t>bugs</a:t>
+            </a:r>
+            <a:endParaRPr lang="de-DE" dirty="0" smtClean="0">
+              <a:solidFill>
+                <a:schemeClr val="bg1"/>
+              </a:solidFill>
+              <a:latin typeface="TeXGyreAdventor" pitchFamily="50" charset="0"/>
+            </a:endParaRPr>
+          </a:p>
+          <a:p>
+            <a:r>
+              <a:rPr lang="de-DE" dirty="0" err="1" smtClean="0">
+                <a:solidFill>
+                  <a:schemeClr val="bg1"/>
+                </a:solidFill>
+                <a:latin typeface="TeXGyreAdventor" pitchFamily="50" charset="0"/>
+              </a:rPr>
+              <a:t>Spawner</a:t>
+            </a:r>
+            <a:r>
+              <a:rPr lang="de-DE" dirty="0" smtClean="0">
+                <a:solidFill>
+                  <a:schemeClr val="bg1"/>
+                </a:solidFill>
+                <a:latin typeface="TeXGyreAdventor" pitchFamily="50" charset="0"/>
+              </a:rPr>
+              <a:t> </a:t>
+            </a:r>
+            <a:r>
+              <a:rPr lang="de-DE" dirty="0" err="1" smtClean="0">
+                <a:solidFill>
+                  <a:schemeClr val="bg1"/>
+                </a:solidFill>
+                <a:latin typeface="TeXGyreAdventor" pitchFamily="50" charset="0"/>
+              </a:rPr>
+              <a:t>generators</a:t>
+            </a:r>
+            <a:endParaRPr lang="de-DE" dirty="0" smtClean="0">
+              <a:solidFill>
+                <a:schemeClr val="bg1"/>
+              </a:solidFill>
+              <a:latin typeface="TeXGyreAdventor" pitchFamily="50" charset="0"/>
+            </a:endParaRPr>
+          </a:p>
+          <a:p>
+            <a:r>
+              <a:rPr lang="de-DE" dirty="0" smtClean="0">
+                <a:solidFill>
+                  <a:schemeClr val="bg1"/>
+                </a:solidFill>
+                <a:latin typeface="TeXGyreAdventor" pitchFamily="50" charset="0"/>
+              </a:rPr>
+              <a:t>Jump </a:t>
+            </a:r>
+            <a:r>
+              <a:rPr lang="de-DE" dirty="0" err="1" smtClean="0">
+                <a:solidFill>
+                  <a:schemeClr val="bg1"/>
+                </a:solidFill>
+                <a:latin typeface="TeXGyreAdventor" pitchFamily="50" charset="0"/>
+              </a:rPr>
+              <a:t>Attack</a:t>
+            </a:r>
+            <a:endParaRPr lang="de-DE" dirty="0" smtClean="0">
+              <a:solidFill>
+                <a:schemeClr val="bg1"/>
+              </a:solidFill>
+              <a:latin typeface="TeXGyreAdventor" pitchFamily="50" charset="0"/>
+            </a:endParaRPr>
+          </a:p>
+          <a:p>
+            <a:r>
+              <a:rPr lang="de-DE" dirty="0" err="1" smtClean="0">
+                <a:solidFill>
+                  <a:schemeClr val="bg1"/>
+                </a:solidFill>
+                <a:latin typeface="TeXGyreAdventor" pitchFamily="50" charset="0"/>
+              </a:rPr>
+              <a:t>Sync</a:t>
+            </a:r>
+            <a:r>
+              <a:rPr lang="de-DE" dirty="0" smtClean="0">
+                <a:solidFill>
+                  <a:schemeClr val="bg1"/>
+                </a:solidFill>
+                <a:latin typeface="TeXGyreAdventor" pitchFamily="50" charset="0"/>
+              </a:rPr>
+              <a:t> </a:t>
+            </a:r>
+            <a:r>
+              <a:rPr lang="de-DE" dirty="0" err="1" smtClean="0">
+                <a:solidFill>
+                  <a:schemeClr val="bg1"/>
+                </a:solidFill>
+                <a:latin typeface="TeXGyreAdventor" pitchFamily="50" charset="0"/>
+              </a:rPr>
+              <a:t>music</a:t>
+            </a:r>
+            <a:r>
+              <a:rPr lang="de-DE" dirty="0" smtClean="0">
+                <a:solidFill>
+                  <a:schemeClr val="bg1"/>
+                </a:solidFill>
+                <a:latin typeface="TeXGyreAdventor" pitchFamily="50" charset="0"/>
+              </a:rPr>
+              <a:t> </a:t>
+            </a:r>
+            <a:r>
+              <a:rPr lang="de-DE" dirty="0" err="1" smtClean="0">
+                <a:solidFill>
+                  <a:schemeClr val="bg1"/>
+                </a:solidFill>
+                <a:latin typeface="TeXGyreAdventor" pitchFamily="50" charset="0"/>
+              </a:rPr>
+              <a:t>to</a:t>
+            </a:r>
+            <a:r>
+              <a:rPr lang="de-DE" dirty="0" smtClean="0">
+                <a:solidFill>
+                  <a:schemeClr val="bg1"/>
+                </a:solidFill>
+                <a:latin typeface="TeXGyreAdventor" pitchFamily="50" charset="0"/>
+              </a:rPr>
+              <a:t> </a:t>
+            </a:r>
+            <a:r>
+              <a:rPr lang="de-DE" dirty="0" err="1" smtClean="0">
+                <a:solidFill>
+                  <a:schemeClr val="bg1"/>
+                </a:solidFill>
+                <a:latin typeface="TeXGyreAdventor" pitchFamily="50" charset="0"/>
+              </a:rPr>
+              <a:t>hammer</a:t>
+            </a:r>
+            <a:endParaRPr lang="de-DE" dirty="0" smtClean="0">
+              <a:solidFill>
+                <a:schemeClr val="bg1"/>
+              </a:solidFill>
+              <a:latin typeface="TeXGyreAdventor" pitchFamily="50" charset="0"/>
+            </a:endParaRPr>
+          </a:p>
+          <a:p>
+            <a:r>
+              <a:rPr lang="de-DE" dirty="0" err="1" smtClean="0">
+                <a:solidFill>
+                  <a:schemeClr val="bg1"/>
+                </a:solidFill>
+                <a:latin typeface="TeXGyreAdventor" pitchFamily="50" charset="0"/>
+              </a:rPr>
+              <a:t>Health</a:t>
+            </a:r>
+            <a:r>
+              <a:rPr lang="de-DE" dirty="0" smtClean="0">
+                <a:solidFill>
+                  <a:schemeClr val="bg1"/>
+                </a:solidFill>
+                <a:latin typeface="TeXGyreAdventor" pitchFamily="50" charset="0"/>
+              </a:rPr>
+              <a:t> </a:t>
+            </a:r>
+            <a:r>
+              <a:rPr lang="de-DE" dirty="0" err="1" smtClean="0">
+                <a:solidFill>
+                  <a:schemeClr val="bg1"/>
+                </a:solidFill>
+                <a:latin typeface="TeXGyreAdventor" pitchFamily="50" charset="0"/>
+              </a:rPr>
+              <a:t>indicators</a:t>
+            </a:r>
+            <a:r>
+              <a:rPr lang="de-DE" dirty="0" smtClean="0">
+                <a:solidFill>
+                  <a:schemeClr val="bg1"/>
+                </a:solidFill>
+                <a:latin typeface="TeXGyreAdventor" pitchFamily="50" charset="0"/>
+              </a:rPr>
+              <a:t> </a:t>
+            </a:r>
+            <a:r>
+              <a:rPr lang="de-DE" dirty="0" err="1" smtClean="0">
+                <a:solidFill>
+                  <a:schemeClr val="bg1"/>
+                </a:solidFill>
+                <a:latin typeface="TeXGyreAdventor" pitchFamily="50" charset="0"/>
+              </a:rPr>
+              <a:t>exit</a:t>
+            </a:r>
+            <a:r>
+              <a:rPr lang="de-DE" dirty="0" smtClean="0">
+                <a:solidFill>
+                  <a:schemeClr val="bg1"/>
+                </a:solidFill>
+                <a:latin typeface="TeXGyreAdventor" pitchFamily="50" charset="0"/>
+              </a:rPr>
+              <a:t> </a:t>
+            </a:r>
+            <a:r>
+              <a:rPr lang="de-DE" dirty="0" err="1" smtClean="0">
+                <a:solidFill>
+                  <a:schemeClr val="bg1"/>
+                </a:solidFill>
+                <a:latin typeface="TeXGyreAdventor" pitchFamily="50" charset="0"/>
+              </a:rPr>
+              <a:t>and</a:t>
+            </a:r>
+            <a:r>
+              <a:rPr lang="de-DE" dirty="0" smtClean="0">
+                <a:solidFill>
+                  <a:schemeClr val="bg1"/>
+                </a:solidFill>
+                <a:latin typeface="TeXGyreAdventor" pitchFamily="50" charset="0"/>
+              </a:rPr>
+              <a:t> </a:t>
+            </a:r>
+            <a:r>
+              <a:rPr lang="de-DE" dirty="0" err="1" smtClean="0">
+                <a:solidFill>
+                  <a:schemeClr val="bg1"/>
+                </a:solidFill>
+                <a:latin typeface="TeXGyreAdventor" pitchFamily="50" charset="0"/>
+              </a:rPr>
+              <a:t>spawn</a:t>
+            </a:r>
+            <a:endParaRPr lang="de-DE" dirty="0" smtClean="0">
+              <a:solidFill>
+                <a:schemeClr val="bg1"/>
+              </a:solidFill>
+              <a:latin typeface="TeXGyreAdventor" pitchFamily="50" charset="0"/>
+            </a:endParaRPr>
+          </a:p>
+          <a:p>
+            <a:r>
+              <a:rPr lang="de-DE" dirty="0" err="1" smtClean="0">
+                <a:solidFill>
+                  <a:schemeClr val="bg1"/>
+                </a:solidFill>
+                <a:latin typeface="TeXGyreAdventor" pitchFamily="50" charset="0"/>
+              </a:rPr>
+              <a:t>Destructible</a:t>
+            </a:r>
+            <a:r>
+              <a:rPr lang="de-DE" dirty="0" smtClean="0">
+                <a:solidFill>
+                  <a:schemeClr val="bg1"/>
+                </a:solidFill>
+                <a:latin typeface="TeXGyreAdventor" pitchFamily="50" charset="0"/>
+              </a:rPr>
+              <a:t> </a:t>
+            </a:r>
+            <a:r>
+              <a:rPr lang="de-DE" dirty="0" err="1" smtClean="0">
+                <a:solidFill>
+                  <a:schemeClr val="bg1"/>
+                </a:solidFill>
+                <a:latin typeface="TeXGyreAdventor" pitchFamily="50" charset="0"/>
+              </a:rPr>
+              <a:t>furniture</a:t>
+            </a:r>
+            <a:endParaRPr lang="de-DE" dirty="0" smtClean="0">
+              <a:solidFill>
+                <a:schemeClr val="bg1"/>
+              </a:solidFill>
+              <a:latin typeface="TeXGyreAdventor" pitchFamily="50" charset="0"/>
+            </a:endParaRPr>
+          </a:p>
+        </p:txBody>
+      </p:sp>
+      <p:pic>
+        <p:nvPicPr>
+          <p:cNvPr id="7170" name="Picture 2" descr="C:\Users\jaromir.paarmann\Documents\HammerMan\Art\BilderPPPGate01\SmashFurniture.jpg"/>
+          <p:cNvPicPr>
+            <a:picLocks noChangeAspect="1" noChangeArrowheads="1"/>
+          </p:cNvPicPr>
+          <p:nvPr/>
+        </p:nvPicPr>
+        <p:blipFill>
+          <a:blip r:embed="rId2" cstate="print">
+            <a:extLst>
+              <a:ext uri="{28A0092B-C50C-407E-A947-70E740481C1C}">
+                <a14:useLocalDpi xmlns:a14="http://schemas.microsoft.com/office/drawing/2010/main" val="0"/>
+              </a:ext>
+            </a:extLst>
+          </a:blip>
+          <a:srcRect/>
+          <a:stretch>
+            <a:fillRect/>
+          </a:stretch>
+        </p:blipFill>
+        <p:spPr bwMode="auto">
+          <a:xfrm>
+            <a:off x="5076056" y="5157192"/>
+            <a:ext cx="3023659" cy="1700808"/>
+          </a:xfrm>
+          <a:prstGeom prst="rect">
+            <a:avLst/>
+          </a:prstGeom>
+          <a:noFill/>
+          <a:extLst>
+            <a:ext uri="{909E8E84-426E-40DD-AFC4-6F175D3DCCD1}">
+              <a14:hiddenFill xmlns:a14="http://schemas.microsoft.com/office/drawing/2010/main">
+                <a:solidFill>
+                  <a:srgbClr val="FFFFFF"/>
+                </a:solidFill>
+              </a14:hiddenFill>
+            </a:ext>
+          </a:extLst>
+        </p:spPr>
+      </p:pic>
+      <p:pic>
+        <p:nvPicPr>
+          <p:cNvPr id="7171" name="Picture 3" descr="C:\Users\jaromir.paarmann\Documents\HammerMan\Art\BilderPPPGate01\Bug.jpg"/>
+          <p:cNvPicPr>
+            <a:picLocks noChangeAspect="1" noChangeArrowheads="1"/>
+          </p:cNvPicPr>
+          <p:nvPr/>
+        </p:nvPicPr>
+        <p:blipFill>
+          <a:blip r:embed="rId3">
+            <a:extLst>
+              <a:ext uri="{28A0092B-C50C-407E-A947-70E740481C1C}">
+                <a14:useLocalDpi xmlns:a14="http://schemas.microsoft.com/office/drawing/2010/main" val="0"/>
+              </a:ext>
+            </a:extLst>
+          </a:blip>
+          <a:srcRect/>
+          <a:stretch>
+            <a:fillRect/>
+          </a:stretch>
+        </p:blipFill>
+        <p:spPr bwMode="auto">
+          <a:xfrm>
+            <a:off x="4860032" y="1657504"/>
+            <a:ext cx="1727853" cy="1383659"/>
+          </a:xfrm>
+          <a:prstGeom prst="rect">
+            <a:avLst/>
+          </a:prstGeom>
+          <a:noFill/>
+          <a:extLst>
+            <a:ext uri="{909E8E84-426E-40DD-AFC4-6F175D3DCCD1}">
+              <a14:hiddenFill xmlns:a14="http://schemas.microsoft.com/office/drawing/2010/main">
+                <a:solidFill>
+                  <a:srgbClr val="FFFFFF"/>
+                </a:solidFill>
+              </a14:hiddenFill>
+            </a:ext>
+          </a:extLst>
+        </p:spPr>
+      </p:pic>
+      <p:pic>
+        <p:nvPicPr>
+          <p:cNvPr id="7172" name="Picture 4" descr="C:\Users\jaromir.paarmann\Documents\HammerMan\Art\BilderPPPGate01\JumpAttack.jpg"/>
+          <p:cNvPicPr>
+            <a:picLocks noChangeAspect="1" noChangeArrowheads="1"/>
+          </p:cNvPicPr>
+          <p:nvPr/>
+        </p:nvPicPr>
+        <p:blipFill>
+          <a:blip r:embed="rId4" cstate="print">
+            <a:extLst>
+              <a:ext uri="{28A0092B-C50C-407E-A947-70E740481C1C}">
+                <a14:useLocalDpi xmlns:a14="http://schemas.microsoft.com/office/drawing/2010/main" val="0"/>
+              </a:ext>
+            </a:extLst>
+          </a:blip>
+          <a:srcRect/>
+          <a:stretch>
+            <a:fillRect/>
+          </a:stretch>
+        </p:blipFill>
+        <p:spPr bwMode="auto">
+          <a:xfrm flipH="1">
+            <a:off x="5723958" y="3284984"/>
+            <a:ext cx="2018631" cy="1367659"/>
+          </a:xfrm>
+          <a:prstGeom prst="rect">
+            <a:avLst/>
+          </a:prstGeom>
+          <a:noFill/>
+          <a:extLst>
+            <a:ext uri="{909E8E84-426E-40DD-AFC4-6F175D3DCCD1}">
+              <a14:hiddenFill xmlns:a14="http://schemas.microsoft.com/office/drawing/2010/main">
+                <a:solidFill>
+                  <a:srgbClr val="FFFFFF"/>
+                </a:solidFill>
+              </a14:hiddenFill>
+            </a:ext>
+          </a:extLst>
+        </p:spPr>
+      </p:pic>
+    </p:spTree>
+    <p:extLst>
+      <p:ext uri="{BB962C8B-B14F-4D97-AF65-F5344CB8AC3E}">
+        <p14:creationId xmlns:p14="http://schemas.microsoft.com/office/powerpoint/2010/main" val="1226743436"/>
+      </p:ext>
+    </p:extLst>
+  </p:cSld>
+  <p:clrMapOvr>
+    <a:masterClrMapping/>
+  </p:clrMapOvr>
+  <p:timing>
+    <p:tnLst>
+      <p:par>
+        <p:cTn id="1" dur="indefinite" restart="never" nodeType="tmRoot">
+          <p:childTnLst>
+            <p:seq concurrent="1" nextAc="seek">
+              <p:cTn id="2" dur="indefinite" nodeType="mainSeq">
+                <p:childTnLst>
+                  <p:par>
+                    <p:cTn id="3" fill="hold">
+                      <p:stCondLst>
+                        <p:cond delay="indefinite"/>
+                      </p:stCondLst>
+                      <p:childTnLst>
+                        <p:par>
+                          <p:cTn id="4" fill="hold">
+                            <p:stCondLst>
+                              <p:cond delay="0"/>
+                            </p:stCondLst>
+                            <p:childTnLst>
+                              <p:par>
+                                <p:cTn id="5" presetID="10" presetClass="entr" presetSubtype="0" fill="hold" grpId="0" nodeType="clickEffect">
+                                  <p:stCondLst>
+                                    <p:cond delay="0"/>
+                                  </p:stCondLst>
+                                  <p:childTnLst>
+                                    <p:set>
+                                      <p:cBhvr>
+                                        <p:cTn id="6" dur="1" fill="hold">
+                                          <p:stCondLst>
+                                            <p:cond delay="0"/>
+                                          </p:stCondLst>
+                                        </p:cTn>
+                                        <p:tgtEl>
+                                          <p:spTgt spid="3">
+                                            <p:txEl>
+                                              <p:pRg st="0" end="0"/>
+                                            </p:txEl>
+                                          </p:spTgt>
+                                        </p:tgtEl>
+                                        <p:attrNameLst>
+                                          <p:attrName>style.visibility</p:attrName>
+                                        </p:attrNameLst>
+                                      </p:cBhvr>
+                                      <p:to>
+                                        <p:strVal val="visible"/>
+                                      </p:to>
+                                    </p:set>
+                                    <p:animEffect transition="in" filter="fade">
+                                      <p:cBhvr>
+                                        <p:cTn id="7" dur="500"/>
+                                        <p:tgtEl>
+                                          <p:spTgt spid="3">
+                                            <p:txEl>
+                                              <p:pRg st="0" end="0"/>
+                                            </p:txEl>
+                                          </p:spTgt>
+                                        </p:tgtEl>
+                                      </p:cBhvr>
+                                    </p:animEffect>
+                                  </p:childTnLst>
+                                </p:cTn>
+                              </p:par>
+                            </p:childTnLst>
+                          </p:cTn>
+                        </p:par>
+                      </p:childTnLst>
+                    </p:cTn>
+                  </p:par>
+                  <p:par>
+                    <p:cTn id="8" fill="hold">
+                      <p:stCondLst>
+                        <p:cond delay="indefinite"/>
+                      </p:stCondLst>
+                      <p:childTnLst>
+                        <p:par>
+                          <p:cTn id="9" fill="hold">
+                            <p:stCondLst>
+                              <p:cond delay="0"/>
+                            </p:stCondLst>
+                            <p:childTnLst>
+                              <p:par>
+                                <p:cTn id="10" presetID="10" presetClass="entr" presetSubtype="0" fill="hold" grpId="0" nodeType="clickEffect">
+                                  <p:stCondLst>
+                                    <p:cond delay="0"/>
+                                  </p:stCondLst>
+                                  <p:childTnLst>
+                                    <p:set>
+                                      <p:cBhvr>
+                                        <p:cTn id="11" dur="1" fill="hold">
+                                          <p:stCondLst>
+                                            <p:cond delay="0"/>
+                                          </p:stCondLst>
+                                        </p:cTn>
+                                        <p:tgtEl>
+                                          <p:spTgt spid="3">
+                                            <p:txEl>
+                                              <p:pRg st="1" end="1"/>
+                                            </p:txEl>
+                                          </p:spTgt>
+                                        </p:tgtEl>
+                                        <p:attrNameLst>
+                                          <p:attrName>style.visibility</p:attrName>
+                                        </p:attrNameLst>
+                                      </p:cBhvr>
+                                      <p:to>
+                                        <p:strVal val="visible"/>
+                                      </p:to>
+                                    </p:set>
+                                    <p:animEffect transition="in" filter="fade">
+                                      <p:cBhvr>
+                                        <p:cTn id="12" dur="500"/>
+                                        <p:tgtEl>
+                                          <p:spTgt spid="3">
+                                            <p:txEl>
+                                              <p:pRg st="1" end="1"/>
+                                            </p:txEl>
+                                          </p:spTgt>
+                                        </p:tgtEl>
+                                      </p:cBhvr>
+                                    </p:animEffect>
+                                  </p:childTnLst>
+                                </p:cTn>
+                              </p:par>
+                              <p:par>
+                                <p:cTn id="13" presetID="10" presetClass="entr" presetSubtype="0" fill="hold" nodeType="withEffect">
+                                  <p:stCondLst>
+                                    <p:cond delay="0"/>
+                                  </p:stCondLst>
+                                  <p:childTnLst>
+                                    <p:set>
+                                      <p:cBhvr>
+                                        <p:cTn id="14" dur="1" fill="hold">
+                                          <p:stCondLst>
+                                            <p:cond delay="0"/>
+                                          </p:stCondLst>
+                                        </p:cTn>
+                                        <p:tgtEl>
+                                          <p:spTgt spid="7171"/>
+                                        </p:tgtEl>
+                                        <p:attrNameLst>
+                                          <p:attrName>style.visibility</p:attrName>
+                                        </p:attrNameLst>
+                                      </p:cBhvr>
+                                      <p:to>
+                                        <p:strVal val="visible"/>
+                                      </p:to>
+                                    </p:set>
+                                    <p:animEffect transition="in" filter="fade">
+                                      <p:cBhvr>
+                                        <p:cTn id="15" dur="500"/>
+                                        <p:tgtEl>
+                                          <p:spTgt spid="7171"/>
+                                        </p:tgtEl>
+                                      </p:cBhvr>
+                                    </p:animEffect>
+                                  </p:childTnLst>
+                                </p:cTn>
+                              </p:par>
+                            </p:childTnLst>
+                          </p:cTn>
+                        </p:par>
+                      </p:childTnLst>
+                    </p:cTn>
+                  </p:par>
+                  <p:par>
+                    <p:cTn id="16" fill="hold">
+                      <p:stCondLst>
+                        <p:cond delay="indefinite"/>
+                      </p:stCondLst>
+                      <p:childTnLst>
+                        <p:par>
+                          <p:cTn id="17" fill="hold">
+                            <p:stCondLst>
+                              <p:cond delay="0"/>
+                            </p:stCondLst>
+                            <p:childTnLst>
+                              <p:par>
+                                <p:cTn id="18" presetID="10" presetClass="entr" presetSubtype="0" fill="hold" grpId="0" nodeType="clickEffect">
+                                  <p:stCondLst>
+                                    <p:cond delay="0"/>
+                                  </p:stCondLst>
+                                  <p:childTnLst>
+                                    <p:set>
+                                      <p:cBhvr>
+                                        <p:cTn id="19" dur="1" fill="hold">
+                                          <p:stCondLst>
+                                            <p:cond delay="0"/>
+                                          </p:stCondLst>
+                                        </p:cTn>
+                                        <p:tgtEl>
+                                          <p:spTgt spid="3">
+                                            <p:txEl>
+                                              <p:pRg st="2" end="2"/>
+                                            </p:txEl>
+                                          </p:spTgt>
+                                        </p:tgtEl>
+                                        <p:attrNameLst>
+                                          <p:attrName>style.visibility</p:attrName>
+                                        </p:attrNameLst>
+                                      </p:cBhvr>
+                                      <p:to>
+                                        <p:strVal val="visible"/>
+                                      </p:to>
+                                    </p:set>
+                                    <p:animEffect transition="in" filter="fade">
+                                      <p:cBhvr>
+                                        <p:cTn id="20" dur="500"/>
+                                        <p:tgtEl>
+                                          <p:spTgt spid="3">
+                                            <p:txEl>
+                                              <p:pRg st="2" end="2"/>
+                                            </p:txEl>
+                                          </p:spTgt>
+                                        </p:tgtEl>
+                                      </p:cBhvr>
+                                    </p:animEffect>
+                                  </p:childTnLst>
+                                </p:cTn>
+                              </p:par>
+                            </p:childTnLst>
+                          </p:cTn>
+                        </p:par>
+                      </p:childTnLst>
+                    </p:cTn>
+                  </p:par>
+                  <p:par>
+                    <p:cTn id="21" fill="hold">
+                      <p:stCondLst>
+                        <p:cond delay="indefinite"/>
+                      </p:stCondLst>
+                      <p:childTnLst>
+                        <p:par>
+                          <p:cTn id="22" fill="hold">
+                            <p:stCondLst>
+                              <p:cond delay="0"/>
+                            </p:stCondLst>
+                            <p:childTnLst>
+                              <p:par>
+                                <p:cTn id="23" presetID="10" presetClass="entr" presetSubtype="0" fill="hold" grpId="0" nodeType="clickEffect">
+                                  <p:stCondLst>
+                                    <p:cond delay="0"/>
+                                  </p:stCondLst>
+                                  <p:childTnLst>
+                                    <p:set>
+                                      <p:cBhvr>
+                                        <p:cTn id="24" dur="1" fill="hold">
+                                          <p:stCondLst>
+                                            <p:cond delay="0"/>
+                                          </p:stCondLst>
+                                        </p:cTn>
+                                        <p:tgtEl>
+                                          <p:spTgt spid="3">
+                                            <p:txEl>
+                                              <p:pRg st="3" end="3"/>
+                                            </p:txEl>
+                                          </p:spTgt>
+                                        </p:tgtEl>
+                                        <p:attrNameLst>
+                                          <p:attrName>style.visibility</p:attrName>
+                                        </p:attrNameLst>
+                                      </p:cBhvr>
+                                      <p:to>
+                                        <p:strVal val="visible"/>
+                                      </p:to>
+                                    </p:set>
+                                    <p:animEffect transition="in" filter="fade">
+                                      <p:cBhvr>
+                                        <p:cTn id="25" dur="500"/>
+                                        <p:tgtEl>
+                                          <p:spTgt spid="3">
+                                            <p:txEl>
+                                              <p:pRg st="3" end="3"/>
+                                            </p:txEl>
+                                          </p:spTgt>
+                                        </p:tgtEl>
+                                      </p:cBhvr>
+                                    </p:animEffect>
+                                  </p:childTnLst>
+                                </p:cTn>
+                              </p:par>
+                              <p:par>
+                                <p:cTn id="26" presetID="10" presetClass="entr" presetSubtype="0" fill="hold" nodeType="withEffect">
+                                  <p:stCondLst>
+                                    <p:cond delay="0"/>
+                                  </p:stCondLst>
+                                  <p:childTnLst>
+                                    <p:set>
+                                      <p:cBhvr>
+                                        <p:cTn id="27" dur="1" fill="hold">
+                                          <p:stCondLst>
+                                            <p:cond delay="0"/>
+                                          </p:stCondLst>
+                                        </p:cTn>
+                                        <p:tgtEl>
+                                          <p:spTgt spid="7172"/>
+                                        </p:tgtEl>
+                                        <p:attrNameLst>
+                                          <p:attrName>style.visibility</p:attrName>
+                                        </p:attrNameLst>
+                                      </p:cBhvr>
+                                      <p:to>
+                                        <p:strVal val="visible"/>
+                                      </p:to>
+                                    </p:set>
+                                    <p:animEffect transition="in" filter="fade">
+                                      <p:cBhvr>
+                                        <p:cTn id="28" dur="500"/>
+                                        <p:tgtEl>
+                                          <p:spTgt spid="7172"/>
+                                        </p:tgtEl>
+                                      </p:cBhvr>
+                                    </p:animEffect>
+                                  </p:childTnLst>
+                                </p:cTn>
+                              </p:par>
+                            </p:childTnLst>
+                          </p:cTn>
+                        </p:par>
+                      </p:childTnLst>
+                    </p:cTn>
+                  </p:par>
+                  <p:par>
+                    <p:cTn id="29" fill="hold">
+                      <p:stCondLst>
+                        <p:cond delay="indefinite"/>
+                      </p:stCondLst>
+                      <p:childTnLst>
+                        <p:par>
+                          <p:cTn id="30" fill="hold">
+                            <p:stCondLst>
+                              <p:cond delay="0"/>
+                            </p:stCondLst>
+                            <p:childTnLst>
+                              <p:par>
+                                <p:cTn id="31" presetID="10" presetClass="entr" presetSubtype="0" fill="hold" grpId="0" nodeType="clickEffect">
+                                  <p:stCondLst>
+                                    <p:cond delay="0"/>
+                                  </p:stCondLst>
+                                  <p:childTnLst>
+                                    <p:set>
+                                      <p:cBhvr>
+                                        <p:cTn id="32" dur="1" fill="hold">
+                                          <p:stCondLst>
+                                            <p:cond delay="0"/>
+                                          </p:stCondLst>
+                                        </p:cTn>
+                                        <p:tgtEl>
+                                          <p:spTgt spid="3">
+                                            <p:txEl>
+                                              <p:pRg st="4" end="4"/>
+                                            </p:txEl>
+                                          </p:spTgt>
+                                        </p:tgtEl>
+                                        <p:attrNameLst>
+                                          <p:attrName>style.visibility</p:attrName>
+                                        </p:attrNameLst>
+                                      </p:cBhvr>
+                                      <p:to>
+                                        <p:strVal val="visible"/>
+                                      </p:to>
+                                    </p:set>
+                                    <p:animEffect transition="in" filter="fade">
+                                      <p:cBhvr>
+                                        <p:cTn id="33" dur="500"/>
+                                        <p:tgtEl>
+                                          <p:spTgt spid="3">
+                                            <p:txEl>
+                                              <p:pRg st="4" end="4"/>
+                                            </p:txEl>
+                                          </p:spTgt>
+                                        </p:tgtEl>
+                                      </p:cBhvr>
+                                    </p:animEffect>
+                                  </p:childTnLst>
+                                </p:cTn>
+                              </p:par>
+                            </p:childTnLst>
+                          </p:cTn>
+                        </p:par>
+                      </p:childTnLst>
+                    </p:cTn>
+                  </p:par>
+                  <p:par>
+                    <p:cTn id="34" fill="hold">
+                      <p:stCondLst>
+                        <p:cond delay="indefinite"/>
+                      </p:stCondLst>
+                      <p:childTnLst>
+                        <p:par>
+                          <p:cTn id="35" fill="hold">
+                            <p:stCondLst>
+                              <p:cond delay="0"/>
+                            </p:stCondLst>
+                            <p:childTnLst>
+                              <p:par>
+                                <p:cTn id="36" presetID="10" presetClass="entr" presetSubtype="0" fill="hold" grpId="0" nodeType="clickEffect">
+                                  <p:stCondLst>
+                                    <p:cond delay="0"/>
+                                  </p:stCondLst>
+                                  <p:childTnLst>
+                                    <p:set>
+                                      <p:cBhvr>
+                                        <p:cTn id="37" dur="1" fill="hold">
+                                          <p:stCondLst>
+                                            <p:cond delay="0"/>
+                                          </p:stCondLst>
+                                        </p:cTn>
+                                        <p:tgtEl>
+                                          <p:spTgt spid="3">
+                                            <p:txEl>
+                                              <p:pRg st="5" end="5"/>
+                                            </p:txEl>
+                                          </p:spTgt>
+                                        </p:tgtEl>
+                                        <p:attrNameLst>
+                                          <p:attrName>style.visibility</p:attrName>
+                                        </p:attrNameLst>
+                                      </p:cBhvr>
+                                      <p:to>
+                                        <p:strVal val="visible"/>
+                                      </p:to>
+                                    </p:set>
+                                    <p:animEffect transition="in" filter="fade">
+                                      <p:cBhvr>
+                                        <p:cTn id="38" dur="500"/>
+                                        <p:tgtEl>
+                                          <p:spTgt spid="3">
+                                            <p:txEl>
+                                              <p:pRg st="5" end="5"/>
+                                            </p:txEl>
+                                          </p:spTgt>
+                                        </p:tgtEl>
+                                      </p:cBhvr>
+                                    </p:animEffect>
+                                  </p:childTnLst>
+                                </p:cTn>
+                              </p:par>
+                            </p:childTnLst>
+                          </p:cTn>
+                        </p:par>
+                      </p:childTnLst>
+                    </p:cTn>
+                  </p:par>
+                  <p:par>
+                    <p:cTn id="39" fill="hold">
+                      <p:stCondLst>
+                        <p:cond delay="indefinite"/>
+                      </p:stCondLst>
+                      <p:childTnLst>
+                        <p:par>
+                          <p:cTn id="40" fill="hold">
+                            <p:stCondLst>
+                              <p:cond delay="0"/>
+                            </p:stCondLst>
+                            <p:childTnLst>
+                              <p:par>
+                                <p:cTn id="41" presetID="10" presetClass="entr" presetSubtype="0" fill="hold" grpId="0" nodeType="clickEffect">
+                                  <p:stCondLst>
+                                    <p:cond delay="0"/>
+                                  </p:stCondLst>
+                                  <p:childTnLst>
+                                    <p:set>
+                                      <p:cBhvr>
+                                        <p:cTn id="42" dur="1" fill="hold">
+                                          <p:stCondLst>
+                                            <p:cond delay="0"/>
+                                          </p:stCondLst>
+                                        </p:cTn>
+                                        <p:tgtEl>
+                                          <p:spTgt spid="3">
+                                            <p:txEl>
+                                              <p:pRg st="6" end="6"/>
+                                            </p:txEl>
+                                          </p:spTgt>
+                                        </p:tgtEl>
+                                        <p:attrNameLst>
+                                          <p:attrName>style.visibility</p:attrName>
+                                        </p:attrNameLst>
+                                      </p:cBhvr>
+                                      <p:to>
+                                        <p:strVal val="visible"/>
+                                      </p:to>
+                                    </p:set>
+                                    <p:animEffect transition="in" filter="fade">
+                                      <p:cBhvr>
+                                        <p:cTn id="43" dur="500"/>
+                                        <p:tgtEl>
+                                          <p:spTgt spid="3">
+                                            <p:txEl>
+                                              <p:pRg st="6" end="6"/>
+                                            </p:txEl>
+                                          </p:spTgt>
+                                        </p:tgtEl>
+                                      </p:cBhvr>
+                                    </p:animEffect>
+                                  </p:childTnLst>
+                                </p:cTn>
+                              </p:par>
+                              <p:par>
+                                <p:cTn id="44" presetID="10" presetClass="entr" presetSubtype="0" fill="hold" nodeType="withEffect">
+                                  <p:stCondLst>
+                                    <p:cond delay="0"/>
+                                  </p:stCondLst>
+                                  <p:childTnLst>
+                                    <p:set>
+                                      <p:cBhvr>
+                                        <p:cTn id="45" dur="1" fill="hold">
+                                          <p:stCondLst>
+                                            <p:cond delay="0"/>
+                                          </p:stCondLst>
+                                        </p:cTn>
+                                        <p:tgtEl>
+                                          <p:spTgt spid="7170"/>
+                                        </p:tgtEl>
+                                        <p:attrNameLst>
+                                          <p:attrName>style.visibility</p:attrName>
+                                        </p:attrNameLst>
+                                      </p:cBhvr>
+                                      <p:to>
+                                        <p:strVal val="visible"/>
+                                      </p:to>
+                                    </p:set>
+                                    <p:animEffect transition="in" filter="fade">
+                                      <p:cBhvr>
+                                        <p:cTn id="46" dur="500"/>
+                                        <p:tgtEl>
+                                          <p:spTgt spid="7170"/>
+                                        </p:tgtEl>
+                                      </p:cBhvr>
+                                    </p:animEffect>
+                                  </p:childTnLst>
+                                </p:cTn>
+                              </p:par>
+                            </p:childTnLst>
+                          </p:cTn>
+                        </p:par>
+                      </p:childTnLst>
+                    </p:cTn>
+                  </p:par>
+                </p:childTnLst>
+              </p:cTn>
+              <p:prevCondLst>
+                <p:cond evt="onPrev" delay="0">
+                  <p:tgtEl>
+                    <p:sldTgt/>
+                  </p:tgtEl>
+                </p:cond>
+              </p:prevCondLst>
+              <p:nextCondLst>
+                <p:cond evt="onNext" delay="0">
+                  <p:tgtEl>
+                    <p:sldTgt/>
+                  </p:tgtEl>
+                </p:cond>
+              </p:nextCondLst>
+            </p:seq>
+          </p:childTnLst>
+        </p:cTn>
+      </p:par>
+    </p:tnLst>
+    <p:bldLst>
+      <p:bldP spid="3" grpId="0" uiExpand="1" build="p"/>
+    </p:bldLst>
+  </p:timing>
+</p:sld>
+</file>
+
+<file path=ppt/slides/slide9.xml><?xml version="1.0" encoding="utf-8"?>
+<p:sld xmlns:a="http://schemas.openxmlformats.org/drawingml/2006/main" xmlns:r="http://schemas.openxmlformats.org/officeDocument/2006/relationships" xmlns:p="http://schemas.openxmlformats.org/presentationml/2006/main">
+  <p:cSld>
+    <p:spTree>
+      <p:nvGrpSpPr>
+        <p:cNvPr id="1" name=""/>
+        <p:cNvGrpSpPr/>
+        <p:nvPr/>
+      </p:nvGrpSpPr>
+      <p:grpSpPr>
+        <a:xfrm>
+          <a:off x="0" y="0"/>
+          <a:ext cx="0" cy="0"/>
+          <a:chOff x="0" y="0"/>
+          <a:chExt cx="0" cy="0"/>
+        </a:xfrm>
+      </p:grpSpPr>
+      <p:sp>
+        <p:nvSpPr>
+          <p:cNvPr id="2" name="Titel 1"/>
+          <p:cNvSpPr>
+            <a:spLocks noGrp="1"/>
+          </p:cNvSpPr>
+          <p:nvPr>
+            <p:ph type="title"/>
+          </p:nvPr>
+        </p:nvSpPr>
+        <p:spPr/>
+        <p:txBody>
+          <a:bodyPr/>
+          <a:lstStyle/>
+          <a:p>
+            <a:r>
+              <a:rPr lang="de-DE" dirty="0" smtClean="0">
+                <a:solidFill>
+                  <a:schemeClr val="bg1"/>
+                </a:solidFill>
+                <a:latin typeface="TeXGyreAdventor" pitchFamily="50" charset="0"/>
+              </a:rPr>
+              <a:t>Features für Gate 2</a:t>
+            </a:r>
+            <a:endParaRPr lang="de-DE" dirty="0">
+              <a:solidFill>
+                <a:schemeClr val="bg1"/>
+              </a:solidFill>
+              <a:latin typeface="TeXGyreAdventor" pitchFamily="50" charset="0"/>
+            </a:endParaRPr>
+          </a:p>
+        </p:txBody>
+      </p:sp>
+      <p:sp>
+        <p:nvSpPr>
+          <p:cNvPr id="3" name="Inhaltsplatzhalter 2"/>
+          <p:cNvSpPr>
+            <a:spLocks noGrp="1"/>
+          </p:cNvSpPr>
+          <p:nvPr>
+            <p:ph idx="1"/>
+          </p:nvPr>
+        </p:nvSpPr>
+        <p:spPr/>
+        <p:txBody>
+          <a:bodyPr>
+            <a:normAutofit fontScale="92500" lnSpcReduction="10000"/>
+          </a:bodyPr>
+          <a:lstStyle/>
+          <a:p>
+            <a:pPr marL="0" indent="0" algn="ctr">
+              <a:buNone/>
+            </a:pPr>
+            <a:r>
+              <a:rPr lang="de-DE" b="1" dirty="0" smtClean="0">
+                <a:solidFill>
+                  <a:schemeClr val="bg1"/>
+                </a:solidFill>
+                <a:latin typeface="TeXGyreAdventor" pitchFamily="50" charset="0"/>
+              </a:rPr>
+              <a:t>Enemy </a:t>
+            </a:r>
+            <a:r>
+              <a:rPr lang="de-DE" b="1" dirty="0" err="1" smtClean="0">
+                <a:solidFill>
+                  <a:schemeClr val="bg1"/>
+                </a:solidFill>
+                <a:latin typeface="TeXGyreAdventor" pitchFamily="50" charset="0"/>
+              </a:rPr>
+              <a:t>Types</a:t>
+            </a:r>
+            <a:endParaRPr lang="de-DE" b="1" dirty="0" smtClean="0">
+              <a:solidFill>
+                <a:schemeClr val="bg1"/>
+              </a:solidFill>
+              <a:latin typeface="TeXGyreAdventor" pitchFamily="50" charset="0"/>
+            </a:endParaRPr>
+          </a:p>
+          <a:p>
+            <a:endParaRPr lang="en-US" dirty="0" smtClean="0">
+              <a:solidFill>
+                <a:schemeClr val="bg1"/>
+              </a:solidFill>
+              <a:latin typeface="TeXGyreAdventor" pitchFamily="50" charset="0"/>
+            </a:endParaRPr>
+          </a:p>
+          <a:p>
+            <a:r>
+              <a:rPr lang="en-US" dirty="0" smtClean="0">
+                <a:solidFill>
+                  <a:schemeClr val="bg1"/>
+                </a:solidFill>
+                <a:latin typeface="TeXGyreAdventor" pitchFamily="50" charset="0"/>
+              </a:rPr>
+              <a:t>Exploding enemy</a:t>
+            </a:r>
+          </a:p>
+          <a:p>
+            <a:pPr lvl="1"/>
+            <a:endParaRPr lang="en-US" dirty="0">
+              <a:solidFill>
+                <a:schemeClr val="bg1"/>
+              </a:solidFill>
+              <a:latin typeface="TeXGyreAdventor" pitchFamily="50" charset="0"/>
+            </a:endParaRPr>
+          </a:p>
+          <a:p>
+            <a:r>
+              <a:rPr lang="en-US" dirty="0" err="1">
+                <a:solidFill>
+                  <a:schemeClr val="bg1"/>
+                </a:solidFill>
+                <a:latin typeface="TeXGyreAdventor" pitchFamily="50" charset="0"/>
+              </a:rPr>
+              <a:t>Resurrectable</a:t>
+            </a:r>
+            <a:r>
+              <a:rPr lang="en-US" dirty="0">
+                <a:solidFill>
+                  <a:schemeClr val="bg1"/>
+                </a:solidFill>
+                <a:latin typeface="TeXGyreAdventor" pitchFamily="50" charset="0"/>
+              </a:rPr>
+              <a:t> </a:t>
+            </a:r>
+            <a:r>
+              <a:rPr lang="en-US" dirty="0" smtClean="0">
+                <a:solidFill>
+                  <a:schemeClr val="bg1"/>
+                </a:solidFill>
+                <a:latin typeface="TeXGyreAdventor" pitchFamily="50" charset="0"/>
+              </a:rPr>
+              <a:t>enemy</a:t>
+            </a:r>
+          </a:p>
+          <a:p>
+            <a:endParaRPr lang="en-US" dirty="0">
+              <a:solidFill>
+                <a:schemeClr val="bg1"/>
+              </a:solidFill>
+              <a:latin typeface="TeXGyreAdventor" pitchFamily="50" charset="0"/>
+            </a:endParaRPr>
+          </a:p>
+          <a:p>
+            <a:r>
+              <a:rPr lang="en-US" dirty="0">
+                <a:solidFill>
+                  <a:schemeClr val="bg1"/>
+                </a:solidFill>
+                <a:latin typeface="TeXGyreAdventor" pitchFamily="50" charset="0"/>
+              </a:rPr>
+              <a:t>Armored </a:t>
+            </a:r>
+            <a:r>
+              <a:rPr lang="en-US" dirty="0" smtClean="0">
+                <a:solidFill>
+                  <a:schemeClr val="bg1"/>
+                </a:solidFill>
+                <a:latin typeface="TeXGyreAdventor" pitchFamily="50" charset="0"/>
+              </a:rPr>
+              <a:t>enemy</a:t>
+            </a:r>
+          </a:p>
+          <a:p>
+            <a:endParaRPr lang="en-US" dirty="0">
+              <a:solidFill>
+                <a:schemeClr val="bg1"/>
+              </a:solidFill>
+              <a:latin typeface="TeXGyreAdventor" pitchFamily="50" charset="0"/>
+            </a:endParaRPr>
+          </a:p>
+          <a:p>
+            <a:r>
+              <a:rPr lang="en-US" dirty="0">
+                <a:solidFill>
+                  <a:schemeClr val="bg1"/>
+                </a:solidFill>
+                <a:latin typeface="TeXGyreAdventor" pitchFamily="50" charset="0"/>
+              </a:rPr>
+              <a:t>Toss-able enemy</a:t>
+            </a:r>
+          </a:p>
+          <a:p>
+            <a:pPr lvl="1"/>
+            <a:endParaRPr lang="de-DE" dirty="0">
+              <a:solidFill>
+                <a:schemeClr val="bg1"/>
+              </a:solidFill>
+              <a:latin typeface="TeXGyreAdventor" pitchFamily="50" charset="0"/>
+            </a:endParaRPr>
+          </a:p>
+        </p:txBody>
+      </p:sp>
+      <p:pic>
+        <p:nvPicPr>
+          <p:cNvPr id="8194" name="Picture 2" descr="C:\Users\jaromir.paarmann\Documents\HammerMan\Art\BilderPPPGate01\Explosion.jpg"/>
+          <p:cNvPicPr>
+            <a:picLocks noChangeAspect="1" noChangeArrowheads="1"/>
+          </p:cNvPicPr>
+          <p:nvPr/>
+        </p:nvPicPr>
+        <p:blipFill>
+          <a:blip r:embed="rId2" cstate="print">
+            <a:extLst>
+              <a:ext uri="{28A0092B-C50C-407E-A947-70E740481C1C}">
+                <a14:useLocalDpi xmlns:a14="http://schemas.microsoft.com/office/drawing/2010/main" val="0"/>
+              </a:ext>
+            </a:extLst>
+          </a:blip>
+          <a:srcRect/>
+          <a:stretch>
+            <a:fillRect/>
+          </a:stretch>
+        </p:blipFill>
+        <p:spPr bwMode="auto">
+          <a:xfrm>
+            <a:off x="5004048" y="2305847"/>
+            <a:ext cx="1584176" cy="1189832"/>
+          </a:xfrm>
+          <a:prstGeom prst="rect">
+            <a:avLst/>
+          </a:prstGeom>
+          <a:noFill/>
+          <a:extLst>
+            <a:ext uri="{909E8E84-426E-40DD-AFC4-6F175D3DCCD1}">
+              <a14:hiddenFill xmlns:a14="http://schemas.microsoft.com/office/drawing/2010/main">
+                <a:solidFill>
+                  <a:srgbClr val="FFFFFF"/>
+                </a:solidFill>
+              </a14:hiddenFill>
+            </a:ext>
+          </a:extLst>
+        </p:spPr>
+      </p:pic>
+      <p:pic>
+        <p:nvPicPr>
+          <p:cNvPr id="8195" name="Picture 3" descr="C:\Users\jaromir.paarmann\Documents\HammerMan\Art\BilderPPPGate01\Resurrectable.jpg"/>
+          <p:cNvPicPr>
+            <a:picLocks noChangeAspect="1" noChangeArrowheads="1"/>
+          </p:cNvPicPr>
+          <p:nvPr/>
+        </p:nvPicPr>
+        <p:blipFill>
+          <a:blip r:embed="rId3">
+            <a:extLst>
+              <a:ext uri="{28A0092B-C50C-407E-A947-70E740481C1C}">
+                <a14:useLocalDpi xmlns:a14="http://schemas.microsoft.com/office/drawing/2010/main" val="0"/>
+              </a:ext>
+            </a:extLst>
+          </a:blip>
+          <a:srcRect/>
+          <a:stretch>
+            <a:fillRect/>
+          </a:stretch>
+        </p:blipFill>
+        <p:spPr bwMode="auto">
+          <a:xfrm>
+            <a:off x="6876256" y="2996952"/>
+            <a:ext cx="1536278" cy="1536278"/>
+          </a:xfrm>
+          <a:prstGeom prst="rect">
+            <a:avLst/>
+          </a:prstGeom>
+          <a:noFill/>
+          <a:extLst>
+            <a:ext uri="{909E8E84-426E-40DD-AFC4-6F175D3DCCD1}">
+              <a14:hiddenFill xmlns:a14="http://schemas.microsoft.com/office/drawing/2010/main">
+                <a:solidFill>
+                  <a:srgbClr val="FFFFFF"/>
+                </a:solidFill>
+              </a14:hiddenFill>
+            </a:ext>
+          </a:extLst>
+        </p:spPr>
+      </p:pic>
+      <p:pic>
+        <p:nvPicPr>
+          <p:cNvPr id="8196" name="Picture 4" descr="C:\Users\jaromir.paarmann\Documents\HammerMan\Art\BilderPPPGate01\Throw.jpg"/>
+          <p:cNvPicPr>
+            <a:picLocks noChangeAspect="1" noChangeArrowheads="1"/>
+          </p:cNvPicPr>
+          <p:nvPr/>
+        </p:nvPicPr>
+        <p:blipFill>
+          <a:blip r:embed="rId4" cstate="print">
+            <a:extLst>
+              <a:ext uri="{28A0092B-C50C-407E-A947-70E740481C1C}">
+                <a14:useLocalDpi xmlns:a14="http://schemas.microsoft.com/office/drawing/2010/main" val="0"/>
+              </a:ext>
+            </a:extLst>
+          </a:blip>
+          <a:srcRect/>
+          <a:stretch>
+            <a:fillRect/>
+          </a:stretch>
+        </p:blipFill>
+        <p:spPr bwMode="auto">
+          <a:xfrm>
+            <a:off x="6449335" y="5344685"/>
+            <a:ext cx="1819183" cy="1212081"/>
+          </a:xfrm>
+          <a:prstGeom prst="rect">
+            <a:avLst/>
+          </a:prstGeom>
+          <a:noFill/>
+          <a:extLst>
+            <a:ext uri="{909E8E84-426E-40DD-AFC4-6F175D3DCCD1}">
+              <a14:hiddenFill xmlns:a14="http://schemas.microsoft.com/office/drawing/2010/main">
+                <a:solidFill>
+                  <a:srgbClr val="FFFFFF"/>
+                </a:solidFill>
+              </a14:hiddenFill>
+            </a:ext>
+          </a:extLst>
+        </p:spPr>
+      </p:pic>
+      <p:pic>
+        <p:nvPicPr>
+          <p:cNvPr id="8197" name="Picture 5" descr="C:\Users\jaromir.paarmann\Documents\HammerMan\Art\BilderPPPGate01\Armor.png"/>
+          <p:cNvPicPr>
+            <a:picLocks noChangeAspect="1" noChangeArrowheads="1"/>
+          </p:cNvPicPr>
+          <p:nvPr/>
+        </p:nvPicPr>
+        <p:blipFill>
+          <a:blip r:embed="rId5" cstate="print">
+            <a:extLst>
+              <a:ext uri="{28A0092B-C50C-407E-A947-70E740481C1C}">
+                <a14:useLocalDpi xmlns:a14="http://schemas.microsoft.com/office/drawing/2010/main" val="0"/>
+              </a:ext>
+            </a:extLst>
+          </a:blip>
+          <a:srcRect/>
+          <a:stretch>
+            <a:fillRect/>
+          </a:stretch>
+        </p:blipFill>
+        <p:spPr bwMode="auto">
+          <a:xfrm>
+            <a:off x="4256029" y="4077072"/>
+            <a:ext cx="1728192" cy="1728192"/>
+          </a:xfrm>
+          <a:prstGeom prst="rect">
+            <a:avLst/>
+          </a:prstGeom>
+          <a:noFill/>
+          <a:extLst>
+            <a:ext uri="{909E8E84-426E-40DD-AFC4-6F175D3DCCD1}">
+              <a14:hiddenFill xmlns:a14="http://schemas.microsoft.com/office/drawing/2010/main">
+                <a:solidFill>
+                  <a:srgbClr val="FFFFFF"/>
+                </a:solidFill>
+              </a14:hiddenFill>
+            </a:ext>
+          </a:extLst>
+        </p:spPr>
+      </p:pic>
+    </p:spTree>
+    <p:extLst>
+      <p:ext uri="{BB962C8B-B14F-4D97-AF65-F5344CB8AC3E}">
+        <p14:creationId xmlns:p14="http://schemas.microsoft.com/office/powerpoint/2010/main" val="2688108123"/>
+      </p:ext>
+    </p:extLst>
+  </p:cSld>
+  <p:clrMapOvr>
+    <a:masterClrMapping/>
+  </p:clrMapOvr>
+  <p:timing>
+    <p:tnLst>
+      <p:par>
+        <p:cTn id="1" dur="indefinite" restart="never" nodeType="tmRoot">
+          <p:childTnLst>
+            <p:seq concurrent="1" nextAc="seek">
+              <p:cTn id="2" dur="indefinite" nodeType="mainSeq">
+                <p:childTnLst>
+                  <p:par>
+                    <p:cTn id="3" fill="hold">
+                      <p:stCondLst>
+                        <p:cond delay="indefinite"/>
+                      </p:stCondLst>
+                      <p:childTnLst>
+                        <p:par>
+                          <p:cTn id="4" fill="hold">
+                            <p:stCondLst>
+                              <p:cond delay="0"/>
+                            </p:stCondLst>
+                            <p:childTnLst>
+                              <p:par>
+                                <p:cTn id="5" presetID="10" presetClass="entr" presetSubtype="0" fill="hold" grpId="0" nodeType="clickEffect">
+                                  <p:stCondLst>
+                                    <p:cond delay="0"/>
+                                  </p:stCondLst>
+                                  <p:childTnLst>
+                                    <p:set>
+                                      <p:cBhvr>
+                                        <p:cTn id="6" dur="1" fill="hold">
+                                          <p:stCondLst>
+                                            <p:cond delay="0"/>
+                                          </p:stCondLst>
+                                        </p:cTn>
+                                        <p:tgtEl>
+                                          <p:spTgt spid="3">
+                                            <p:txEl>
+                                              <p:pRg st="0" end="0"/>
+                                            </p:txEl>
+                                          </p:spTgt>
+                                        </p:tgtEl>
+                                        <p:attrNameLst>
+                                          <p:attrName>style.visibility</p:attrName>
+                                        </p:attrNameLst>
+                                      </p:cBhvr>
+                                      <p:to>
+                                        <p:strVal val="visible"/>
+                                      </p:to>
+                                    </p:set>
+                                    <p:animEffect transition="in" filter="fade">
+                                      <p:cBhvr>
+                                        <p:cTn id="7" dur="500"/>
+                                        <p:tgtEl>
+                                          <p:spTgt spid="3">
+                                            <p:txEl>
+                                              <p:pRg st="0" end="0"/>
+                                            </p:txEl>
+                                          </p:spTgt>
+                                        </p:tgtEl>
+                                      </p:cBhvr>
+                                    </p:animEffect>
+                                  </p:childTnLst>
+                                </p:cTn>
+                              </p:par>
+                            </p:childTnLst>
+                          </p:cTn>
+                        </p:par>
+                      </p:childTnLst>
+                    </p:cTn>
+                  </p:par>
+                  <p:par>
+                    <p:cTn id="8" fill="hold">
+                      <p:stCondLst>
+                        <p:cond delay="indefinite"/>
+                      </p:stCondLst>
+                      <p:childTnLst>
+                        <p:par>
+                          <p:cTn id="9" fill="hold">
+                            <p:stCondLst>
+                              <p:cond delay="0"/>
+                            </p:stCondLst>
+                            <p:childTnLst>
+                              <p:par>
+                                <p:cTn id="10" presetID="10" presetClass="entr" presetSubtype="0" fill="hold" grpId="0" nodeType="clickEffect">
+                                  <p:stCondLst>
+                                    <p:cond delay="0"/>
+                                  </p:stCondLst>
+                                  <p:childTnLst>
+                                    <p:set>
+                                      <p:cBhvr>
+                                        <p:cTn id="11" dur="1" fill="hold">
+                                          <p:stCondLst>
+                                            <p:cond delay="0"/>
+                                          </p:stCondLst>
+                                        </p:cTn>
+                                        <p:tgtEl>
+                                          <p:spTgt spid="3">
+                                            <p:txEl>
+                                              <p:pRg st="2" end="2"/>
+                                            </p:txEl>
+                                          </p:spTgt>
+                                        </p:tgtEl>
+                                        <p:attrNameLst>
+                                          <p:attrName>style.visibility</p:attrName>
+                                        </p:attrNameLst>
+                                      </p:cBhvr>
+                                      <p:to>
+                                        <p:strVal val="visible"/>
+                                      </p:to>
+                                    </p:set>
+                                    <p:animEffect transition="in" filter="fade">
+                                      <p:cBhvr>
+                                        <p:cTn id="12" dur="500"/>
+                                        <p:tgtEl>
+                                          <p:spTgt spid="3">
+                                            <p:txEl>
+                                              <p:pRg st="2" end="2"/>
+                                            </p:txEl>
+                                          </p:spTgt>
+                                        </p:tgtEl>
+                                      </p:cBhvr>
+                                    </p:animEffect>
+                                  </p:childTnLst>
+                                </p:cTn>
+                              </p:par>
+                              <p:par>
+                                <p:cTn id="13" presetID="10" presetClass="entr" presetSubtype="0" fill="hold" nodeType="withEffect">
+                                  <p:stCondLst>
+                                    <p:cond delay="0"/>
+                                  </p:stCondLst>
+                                  <p:childTnLst>
+                                    <p:set>
+                                      <p:cBhvr>
+                                        <p:cTn id="14" dur="1" fill="hold">
+                                          <p:stCondLst>
+                                            <p:cond delay="0"/>
+                                          </p:stCondLst>
+                                        </p:cTn>
+                                        <p:tgtEl>
+                                          <p:spTgt spid="8194"/>
+                                        </p:tgtEl>
+                                        <p:attrNameLst>
+                                          <p:attrName>style.visibility</p:attrName>
+                                        </p:attrNameLst>
+                                      </p:cBhvr>
+                                      <p:to>
+                                        <p:strVal val="visible"/>
+                                      </p:to>
+                                    </p:set>
+                                    <p:animEffect transition="in" filter="fade">
+                                      <p:cBhvr>
+                                        <p:cTn id="15" dur="500"/>
+                                        <p:tgtEl>
+                                          <p:spTgt spid="8194"/>
+                                        </p:tgtEl>
+                                      </p:cBhvr>
+                                    </p:animEffect>
+                                  </p:childTnLst>
+                                </p:cTn>
+                              </p:par>
+                            </p:childTnLst>
+                          </p:cTn>
+                        </p:par>
+                      </p:childTnLst>
+                    </p:cTn>
+                  </p:par>
+                  <p:par>
+                    <p:cTn id="16" fill="hold">
+                      <p:stCondLst>
+                        <p:cond delay="indefinite"/>
+                      </p:stCondLst>
+                      <p:childTnLst>
+                        <p:par>
+                          <p:cTn id="17" fill="hold">
+                            <p:stCondLst>
+                              <p:cond delay="0"/>
+                            </p:stCondLst>
+                            <p:childTnLst>
+                              <p:par>
+                                <p:cTn id="18" presetID="10" presetClass="entr" presetSubtype="0" fill="hold" grpId="0" nodeType="clickEffect">
+                                  <p:stCondLst>
+                                    <p:cond delay="0"/>
+                                  </p:stCondLst>
+                                  <p:childTnLst>
+                                    <p:set>
+                                      <p:cBhvr>
+                                        <p:cTn id="19" dur="1" fill="hold">
+                                          <p:stCondLst>
+                                            <p:cond delay="0"/>
+                                          </p:stCondLst>
+                                        </p:cTn>
+                                        <p:tgtEl>
+                                          <p:spTgt spid="3">
+                                            <p:txEl>
+                                              <p:pRg st="4" end="4"/>
+                                            </p:txEl>
+                                          </p:spTgt>
+                                        </p:tgtEl>
+                                        <p:attrNameLst>
+                                          <p:attrName>style.visibility</p:attrName>
+                                        </p:attrNameLst>
+                                      </p:cBhvr>
+                                      <p:to>
+                                        <p:strVal val="visible"/>
+                                      </p:to>
+                                    </p:set>
+                                    <p:animEffect transition="in" filter="fade">
+                                      <p:cBhvr>
+                                        <p:cTn id="20" dur="500"/>
+                                        <p:tgtEl>
+                                          <p:spTgt spid="3">
+                                            <p:txEl>
+                                              <p:pRg st="4" end="4"/>
+                                            </p:txEl>
+                                          </p:spTgt>
+                                        </p:tgtEl>
+                                      </p:cBhvr>
+                                    </p:animEffect>
+                                  </p:childTnLst>
+                                </p:cTn>
+                              </p:par>
+                              <p:par>
+                                <p:cTn id="21" presetID="10" presetClass="entr" presetSubtype="0" fill="hold" nodeType="withEffect">
+                                  <p:stCondLst>
+                                    <p:cond delay="0"/>
+                                  </p:stCondLst>
+                                  <p:childTnLst>
+                                    <p:set>
+                                      <p:cBhvr>
+                                        <p:cTn id="22" dur="1" fill="hold">
+                                          <p:stCondLst>
+                                            <p:cond delay="0"/>
+                                          </p:stCondLst>
+                                        </p:cTn>
+                                        <p:tgtEl>
+                                          <p:spTgt spid="8195"/>
+                                        </p:tgtEl>
+                                        <p:attrNameLst>
+                                          <p:attrName>style.visibility</p:attrName>
+                                        </p:attrNameLst>
+                                      </p:cBhvr>
+                                      <p:to>
+                                        <p:strVal val="visible"/>
+                                      </p:to>
+                                    </p:set>
+                                    <p:animEffect transition="in" filter="fade">
+                                      <p:cBhvr>
+                                        <p:cTn id="23" dur="500"/>
+                                        <p:tgtEl>
+                                          <p:spTgt spid="8195"/>
+                                        </p:tgtEl>
+                                      </p:cBhvr>
+                                    </p:animEffect>
+                                  </p:childTnLst>
+                                </p:cTn>
+                              </p:par>
+                            </p:childTnLst>
+                          </p:cTn>
+                        </p:par>
+                      </p:childTnLst>
+                    </p:cTn>
+                  </p:par>
+                  <p:par>
+                    <p:cTn id="24" fill="hold">
+                      <p:stCondLst>
+                        <p:cond delay="indefinite"/>
+                      </p:stCondLst>
+                      <p:childTnLst>
+                        <p:par>
+                          <p:cTn id="25" fill="hold">
+                            <p:stCondLst>
+                              <p:cond delay="0"/>
+                            </p:stCondLst>
+                            <p:childTnLst>
+                              <p:par>
+                                <p:cTn id="26" presetID="10" presetClass="entr" presetSubtype="0" fill="hold" grpId="0" nodeType="clickEffect">
+                                  <p:stCondLst>
+                                    <p:cond delay="0"/>
+                                  </p:stCondLst>
+                                  <p:childTnLst>
+                                    <p:set>
+                                      <p:cBhvr>
+                                        <p:cTn id="27" dur="1" fill="hold">
+                                          <p:stCondLst>
+                                            <p:cond delay="0"/>
+                                          </p:stCondLst>
+                                        </p:cTn>
+                                        <p:tgtEl>
+                                          <p:spTgt spid="3">
+                                            <p:txEl>
+                                              <p:pRg st="6" end="6"/>
+                                            </p:txEl>
+                                          </p:spTgt>
+                                        </p:tgtEl>
+                                        <p:attrNameLst>
+                                          <p:attrName>style.visibility</p:attrName>
+                                        </p:attrNameLst>
+                                      </p:cBhvr>
+                                      <p:to>
+                                        <p:strVal val="visible"/>
+                                      </p:to>
+                                    </p:set>
+                                    <p:animEffect transition="in" filter="fade">
+                                      <p:cBhvr>
+                                        <p:cTn id="28" dur="500"/>
+                                        <p:tgtEl>
+                                          <p:spTgt spid="3">
+                                            <p:txEl>
+                                              <p:pRg st="6" end="6"/>
+                                            </p:txEl>
+                                          </p:spTgt>
+                                        </p:tgtEl>
+                                      </p:cBhvr>
+                                    </p:animEffect>
+                                  </p:childTnLst>
+                                </p:cTn>
+                              </p:par>
+                              <p:par>
+                                <p:cTn id="29" presetID="10" presetClass="entr" presetSubtype="0" fill="hold" nodeType="withEffect">
+                                  <p:stCondLst>
+                                    <p:cond delay="0"/>
+                                  </p:stCondLst>
+                                  <p:childTnLst>
+                                    <p:set>
+                                      <p:cBhvr>
+                                        <p:cTn id="30" dur="1" fill="hold">
+                                          <p:stCondLst>
+                                            <p:cond delay="0"/>
+                                          </p:stCondLst>
+                                        </p:cTn>
+                                        <p:tgtEl>
+                                          <p:spTgt spid="8197"/>
+                                        </p:tgtEl>
+                                        <p:attrNameLst>
+                                          <p:attrName>style.visibility</p:attrName>
+                                        </p:attrNameLst>
+                                      </p:cBhvr>
+                                      <p:to>
+                                        <p:strVal val="visible"/>
+                                      </p:to>
+                                    </p:set>
+                                    <p:animEffect transition="in" filter="fade">
+                                      <p:cBhvr>
+                                        <p:cTn id="31" dur="500"/>
+                                        <p:tgtEl>
+                                          <p:spTgt spid="8197"/>
+                                        </p:tgtEl>
+                                      </p:cBhvr>
+                                    </p:animEffect>
+                                  </p:childTnLst>
+                                </p:cTn>
+                              </p:par>
+                            </p:childTnLst>
+                          </p:cTn>
+                        </p:par>
+                      </p:childTnLst>
+                    </p:cTn>
+                  </p:par>
+                  <p:par>
+                    <p:cTn id="32" fill="hold">
+                      <p:stCondLst>
+                        <p:cond delay="indefinite"/>
+                      </p:stCondLst>
+                      <p:childTnLst>
+                        <p:par>
+                          <p:cTn id="33" fill="hold">
+                            <p:stCondLst>
+                              <p:cond delay="0"/>
+                            </p:stCondLst>
+                            <p:childTnLst>
+                              <p:par>
+                                <p:cTn id="34" presetID="10" presetClass="entr" presetSubtype="0" fill="hold" grpId="0" nodeType="clickEffect">
+                                  <p:stCondLst>
+                                    <p:cond delay="0"/>
+                                  </p:stCondLst>
+                                  <p:childTnLst>
+                                    <p:set>
+                                      <p:cBhvr>
+                                        <p:cTn id="35" dur="1" fill="hold">
+                                          <p:stCondLst>
+                                            <p:cond delay="0"/>
+                                          </p:stCondLst>
+                                        </p:cTn>
+                                        <p:tgtEl>
+                                          <p:spTgt spid="3">
+                                            <p:txEl>
+                                              <p:pRg st="8" end="8"/>
+                                            </p:txEl>
+                                          </p:spTgt>
+                                        </p:tgtEl>
+                                        <p:attrNameLst>
+                                          <p:attrName>style.visibility</p:attrName>
+                                        </p:attrNameLst>
+                                      </p:cBhvr>
+                                      <p:to>
+                                        <p:strVal val="visible"/>
+                                      </p:to>
+                                    </p:set>
+                                    <p:animEffect transition="in" filter="fade">
+                                      <p:cBhvr>
+                                        <p:cTn id="36" dur="500"/>
+                                        <p:tgtEl>
+                                          <p:spTgt spid="3">
+                                            <p:txEl>
+                                              <p:pRg st="8" end="8"/>
+                                            </p:txEl>
+                                          </p:spTgt>
+                                        </p:tgtEl>
+                                      </p:cBhvr>
+                                    </p:animEffect>
+                                  </p:childTnLst>
+                                </p:cTn>
+                              </p:par>
+                              <p:par>
+                                <p:cTn id="37" presetID="10" presetClass="entr" presetSubtype="0" fill="hold" nodeType="withEffect">
+                                  <p:stCondLst>
+                                    <p:cond delay="0"/>
+                                  </p:stCondLst>
+                                  <p:childTnLst>
+                                    <p:set>
+                                      <p:cBhvr>
+                                        <p:cTn id="38" dur="1" fill="hold">
+                                          <p:stCondLst>
+                                            <p:cond delay="0"/>
+                                          </p:stCondLst>
+                                        </p:cTn>
+                                        <p:tgtEl>
+                                          <p:spTgt spid="8196"/>
+                                        </p:tgtEl>
+                                        <p:attrNameLst>
+                                          <p:attrName>style.visibility</p:attrName>
+                                        </p:attrNameLst>
+                                      </p:cBhvr>
+                                      <p:to>
+                                        <p:strVal val="visible"/>
+                                      </p:to>
+                                    </p:set>
+                                    <p:animEffect transition="in" filter="fade">
+                                      <p:cBhvr>
+                                        <p:cTn id="39" dur="500"/>
+                                        <p:tgtEl>
+                                          <p:spTgt spid="8196"/>
+                                        </p:tgtEl>
+                                      </p:cBhvr>
+                                    </p:animEffect>
+                                  </p:childTnLst>
+                                </p:cTn>
+                              </p:par>
+                            </p:childTnLst>
+                          </p:cTn>
+                        </p:par>
+                      </p:childTnLst>
+                    </p:cTn>
+                  </p:par>
+                </p:childTnLst>
+              </p:cTn>
+              <p:prevCondLst>
+                <p:cond evt="onPrev" delay="0">
+                  <p:tgtEl>
+                    <p:sldTgt/>
+                  </p:tgtEl>
+                </p:cond>
+              </p:prevCondLst>
+              <p:nextCondLst>
+                <p:cond evt="onNext" delay="0">
+                  <p:tgtEl>
+                    <p:sldTgt/>
+                  </p:tgtEl>
+                </p:cond>
+              </p:nextCondLst>
+            </p:seq>
+          </p:childTnLst>
+        </p:cTn>
+      </p:par>
+    </p:tnLst>
+    <p:bldLst>
+      <p:bldP spid="3" grpId="0" uiExpand="1" build="p"/>
+    </p:bldLst>
   </p:timing>
 </p:sld>
 </file>
